--- a/documents/french presentation.pptx
+++ b/documents/french presentation.pptx
@@ -5,7 +5,7 @@
     <p:sldMasterId id="2147483648" r:id="rId1"/>
   </p:sldMasterIdLst>
   <p:notesMasterIdLst>
-    <p:notesMasterId r:id="rId7"/>
+    <p:notesMasterId r:id="rId16"/>
   </p:notesMasterIdLst>
   <p:sldIdLst>
     <p:sldId id="256" r:id="rId2"/>
@@ -13,6 +13,15 @@
     <p:sldId id="260" r:id="rId4"/>
     <p:sldId id="258" r:id="rId5"/>
     <p:sldId id="259" r:id="rId6"/>
+    <p:sldId id="261" r:id="rId7"/>
+    <p:sldId id="262" r:id="rId8"/>
+    <p:sldId id="263" r:id="rId9"/>
+    <p:sldId id="264" r:id="rId10"/>
+    <p:sldId id="265" r:id="rId11"/>
+    <p:sldId id="266" r:id="rId12"/>
+    <p:sldId id="267" r:id="rId13"/>
+    <p:sldId id="268" r:id="rId14"/>
+    <p:sldId id="269" r:id="rId15"/>
   </p:sldIdLst>
   <p:sldSz cx="12192000" cy="6858000"/>
   <p:notesSz cx="6858000" cy="9144000"/>
@@ -111,6 +120,11 @@
       </a:defRPr>
     </a:lvl9pPr>
   </p:defaultTextStyle>
+  <p:extLst>
+    <p:ext uri="{EFAFB233-063F-42B5-8137-9DF3F51BA10A}">
+      <p15:sldGuideLst xmlns:p15="http://schemas.microsoft.com/office/powerpoint/2012/main"/>
+    </p:ext>
+  </p:extLst>
 </p:presentation>
 </file>
 
@@ -196,7 +210,7 @@
           <a:p>
             <a:fld id="{9930CEDF-BB1C-4238-A545-847B4EF2DFC4}" type="datetimeFigureOut">
               <a:rPr lang="de-DE" smtClean="0"/>
-              <a:t>09.03.2020</a:t>
+              <a:t>13.03.2020</a:t>
             </a:fld>
             <a:endParaRPr lang="de-DE"/>
           </a:p>
@@ -260,35 +274,35 @@
           <a:p>
             <a:pPr lvl="0"/>
             <a:r>
-              <a:rPr lang="fr-FR" smtClean="0"/>
+              <a:rPr lang="fr-FR"/>
               <a:t>Modifiez les styles du texte du masque</a:t>
             </a:r>
           </a:p>
           <a:p>
             <a:pPr lvl="1"/>
             <a:r>
-              <a:rPr lang="fr-FR" smtClean="0"/>
+              <a:rPr lang="fr-FR"/>
               <a:t>Deuxième niveau</a:t>
             </a:r>
           </a:p>
           <a:p>
             <a:pPr lvl="2"/>
             <a:r>
-              <a:rPr lang="fr-FR" smtClean="0"/>
+              <a:rPr lang="fr-FR"/>
               <a:t>Troisième niveau</a:t>
             </a:r>
           </a:p>
           <a:p>
             <a:pPr lvl="3"/>
             <a:r>
-              <a:rPr lang="fr-FR" smtClean="0"/>
+              <a:rPr lang="fr-FR"/>
               <a:t>Quatrième niveau</a:t>
             </a:r>
           </a:p>
           <a:p>
             <a:pPr lvl="4"/>
             <a:r>
-              <a:rPr lang="fr-FR" smtClean="0"/>
+              <a:rPr lang="fr-FR"/>
               <a:t>Cinquième niveau</a:t>
             </a:r>
             <a:endParaRPr lang="de-DE"/>
@@ -716,6 +730,510 @@
 </p:notes>
 </file>
 
+<file path=ppt/notesSlides/notesSlide4.xml><?xml version="1.0" encoding="utf-8"?>
+<p:notes xmlns:a="http://schemas.openxmlformats.org/drawingml/2006/main" xmlns:r="http://schemas.openxmlformats.org/officeDocument/2006/relationships" xmlns:p="http://schemas.openxmlformats.org/presentationml/2006/main">
+  <p:cSld>
+    <p:spTree>
+      <p:nvGrpSpPr>
+        <p:cNvPr id="1" name=""/>
+        <p:cNvGrpSpPr/>
+        <p:nvPr/>
+      </p:nvGrpSpPr>
+      <p:grpSpPr>
+        <a:xfrm>
+          <a:off x="0" y="0"/>
+          <a:ext cx="0" cy="0"/>
+          <a:chOff x="0" y="0"/>
+          <a:chExt cx="0" cy="0"/>
+        </a:xfrm>
+      </p:grpSpPr>
+      <p:sp>
+        <p:nvSpPr>
+          <p:cNvPr id="2" name="Espace réservé de l'image des diapositives 1"/>
+          <p:cNvSpPr>
+            <a:spLocks noGrp="1" noRot="1" noChangeAspect="1"/>
+          </p:cNvSpPr>
+          <p:nvPr>
+            <p:ph type="sldImg"/>
+          </p:nvPr>
+        </p:nvSpPr>
+        <p:spPr/>
+      </p:sp>
+      <p:sp>
+        <p:nvSpPr>
+          <p:cNvPr id="3" name="Espace réservé des commentaires 2"/>
+          <p:cNvSpPr>
+            <a:spLocks noGrp="1"/>
+          </p:cNvSpPr>
+          <p:nvPr>
+            <p:ph type="body" idx="1"/>
+          </p:nvPr>
+        </p:nvSpPr>
+        <p:spPr/>
+        <p:txBody>
+          <a:bodyPr/>
+          <a:lstStyle/>
+          <a:p>
+            <a:endParaRPr lang="de-DE"/>
+          </a:p>
+        </p:txBody>
+      </p:sp>
+      <p:sp>
+        <p:nvSpPr>
+          <p:cNvPr id="4" name="Espace réservé du numéro de diapositive 3"/>
+          <p:cNvSpPr>
+            <a:spLocks noGrp="1"/>
+          </p:cNvSpPr>
+          <p:nvPr>
+            <p:ph type="sldNum" sz="quarter" idx="10"/>
+          </p:nvPr>
+        </p:nvSpPr>
+        <p:spPr/>
+        <p:txBody>
+          <a:bodyPr/>
+          <a:lstStyle/>
+          <a:p>
+            <a:fld id="{0689F1B4-F35C-448F-95C5-E3DEE8751251}" type="slidenum">
+              <a:rPr lang="de-DE" smtClean="0"/>
+              <a:t>7</a:t>
+            </a:fld>
+            <a:endParaRPr lang="de-DE"/>
+          </a:p>
+        </p:txBody>
+      </p:sp>
+    </p:spTree>
+    <p:extLst>
+      <p:ext uri="{BB962C8B-B14F-4D97-AF65-F5344CB8AC3E}">
+        <p14:creationId xmlns:p14="http://schemas.microsoft.com/office/powerpoint/2010/main" val="1501140407"/>
+      </p:ext>
+    </p:extLst>
+  </p:cSld>
+  <p:clrMapOvr>
+    <a:masterClrMapping/>
+  </p:clrMapOvr>
+</p:notes>
+</file>
+
+<file path=ppt/notesSlides/notesSlide5.xml><?xml version="1.0" encoding="utf-8"?>
+<p:notes xmlns:a="http://schemas.openxmlformats.org/drawingml/2006/main" xmlns:r="http://schemas.openxmlformats.org/officeDocument/2006/relationships" xmlns:p="http://schemas.openxmlformats.org/presentationml/2006/main">
+  <p:cSld>
+    <p:spTree>
+      <p:nvGrpSpPr>
+        <p:cNvPr id="1" name=""/>
+        <p:cNvGrpSpPr/>
+        <p:nvPr/>
+      </p:nvGrpSpPr>
+      <p:grpSpPr>
+        <a:xfrm>
+          <a:off x="0" y="0"/>
+          <a:ext cx="0" cy="0"/>
+          <a:chOff x="0" y="0"/>
+          <a:chExt cx="0" cy="0"/>
+        </a:xfrm>
+      </p:grpSpPr>
+      <p:sp>
+        <p:nvSpPr>
+          <p:cNvPr id="2" name="Espace réservé de l'image des diapositives 1"/>
+          <p:cNvSpPr>
+            <a:spLocks noGrp="1" noRot="1" noChangeAspect="1"/>
+          </p:cNvSpPr>
+          <p:nvPr>
+            <p:ph type="sldImg"/>
+          </p:nvPr>
+        </p:nvSpPr>
+        <p:spPr/>
+      </p:sp>
+      <p:sp>
+        <p:nvSpPr>
+          <p:cNvPr id="3" name="Espace réservé des commentaires 2"/>
+          <p:cNvSpPr>
+            <a:spLocks noGrp="1"/>
+          </p:cNvSpPr>
+          <p:nvPr>
+            <p:ph type="body" idx="1"/>
+          </p:nvPr>
+        </p:nvSpPr>
+        <p:spPr/>
+        <p:txBody>
+          <a:bodyPr/>
+          <a:lstStyle/>
+          <a:p>
+            <a:endParaRPr lang="de-DE"/>
+          </a:p>
+        </p:txBody>
+      </p:sp>
+      <p:sp>
+        <p:nvSpPr>
+          <p:cNvPr id="4" name="Espace réservé du numéro de diapositive 3"/>
+          <p:cNvSpPr>
+            <a:spLocks noGrp="1"/>
+          </p:cNvSpPr>
+          <p:nvPr>
+            <p:ph type="sldNum" sz="quarter" idx="10"/>
+          </p:nvPr>
+        </p:nvSpPr>
+        <p:spPr/>
+        <p:txBody>
+          <a:bodyPr/>
+          <a:lstStyle/>
+          <a:p>
+            <a:fld id="{0689F1B4-F35C-448F-95C5-E3DEE8751251}" type="slidenum">
+              <a:rPr lang="de-DE" smtClean="0"/>
+              <a:t>8</a:t>
+            </a:fld>
+            <a:endParaRPr lang="de-DE"/>
+          </a:p>
+        </p:txBody>
+      </p:sp>
+    </p:spTree>
+    <p:extLst>
+      <p:ext uri="{BB962C8B-B14F-4D97-AF65-F5344CB8AC3E}">
+        <p14:creationId xmlns:p14="http://schemas.microsoft.com/office/powerpoint/2010/main" val="3568569557"/>
+      </p:ext>
+    </p:extLst>
+  </p:cSld>
+  <p:clrMapOvr>
+    <a:masterClrMapping/>
+  </p:clrMapOvr>
+</p:notes>
+</file>
+
+<file path=ppt/notesSlides/notesSlide6.xml><?xml version="1.0" encoding="utf-8"?>
+<p:notes xmlns:a="http://schemas.openxmlformats.org/drawingml/2006/main" xmlns:r="http://schemas.openxmlformats.org/officeDocument/2006/relationships" xmlns:p="http://schemas.openxmlformats.org/presentationml/2006/main">
+  <p:cSld>
+    <p:spTree>
+      <p:nvGrpSpPr>
+        <p:cNvPr id="1" name=""/>
+        <p:cNvGrpSpPr/>
+        <p:nvPr/>
+      </p:nvGrpSpPr>
+      <p:grpSpPr>
+        <a:xfrm>
+          <a:off x="0" y="0"/>
+          <a:ext cx="0" cy="0"/>
+          <a:chOff x="0" y="0"/>
+          <a:chExt cx="0" cy="0"/>
+        </a:xfrm>
+      </p:grpSpPr>
+      <p:sp>
+        <p:nvSpPr>
+          <p:cNvPr id="2" name="Espace réservé de l'image des diapositives 1"/>
+          <p:cNvSpPr>
+            <a:spLocks noGrp="1" noRot="1" noChangeAspect="1"/>
+          </p:cNvSpPr>
+          <p:nvPr>
+            <p:ph type="sldImg"/>
+          </p:nvPr>
+        </p:nvSpPr>
+        <p:spPr/>
+      </p:sp>
+      <p:sp>
+        <p:nvSpPr>
+          <p:cNvPr id="3" name="Espace réservé des commentaires 2"/>
+          <p:cNvSpPr>
+            <a:spLocks noGrp="1"/>
+          </p:cNvSpPr>
+          <p:nvPr>
+            <p:ph type="body" idx="1"/>
+          </p:nvPr>
+        </p:nvSpPr>
+        <p:spPr/>
+        <p:txBody>
+          <a:bodyPr/>
+          <a:lstStyle/>
+          <a:p>
+            <a:endParaRPr lang="de-DE"/>
+          </a:p>
+        </p:txBody>
+      </p:sp>
+      <p:sp>
+        <p:nvSpPr>
+          <p:cNvPr id="4" name="Espace réservé du numéro de diapositive 3"/>
+          <p:cNvSpPr>
+            <a:spLocks noGrp="1"/>
+          </p:cNvSpPr>
+          <p:nvPr>
+            <p:ph type="sldNum" sz="quarter" idx="10"/>
+          </p:nvPr>
+        </p:nvSpPr>
+        <p:spPr/>
+        <p:txBody>
+          <a:bodyPr/>
+          <a:lstStyle/>
+          <a:p>
+            <a:fld id="{0689F1B4-F35C-448F-95C5-E3DEE8751251}" type="slidenum">
+              <a:rPr lang="de-DE" smtClean="0"/>
+              <a:t>9</a:t>
+            </a:fld>
+            <a:endParaRPr lang="de-DE"/>
+          </a:p>
+        </p:txBody>
+      </p:sp>
+    </p:spTree>
+    <p:extLst>
+      <p:ext uri="{BB962C8B-B14F-4D97-AF65-F5344CB8AC3E}">
+        <p14:creationId xmlns:p14="http://schemas.microsoft.com/office/powerpoint/2010/main" val="3126255295"/>
+      </p:ext>
+    </p:extLst>
+  </p:cSld>
+  <p:clrMapOvr>
+    <a:masterClrMapping/>
+  </p:clrMapOvr>
+</p:notes>
+</file>
+
+<file path=ppt/notesSlides/notesSlide7.xml><?xml version="1.0" encoding="utf-8"?>
+<p:notes xmlns:a="http://schemas.openxmlformats.org/drawingml/2006/main" xmlns:r="http://schemas.openxmlformats.org/officeDocument/2006/relationships" xmlns:p="http://schemas.openxmlformats.org/presentationml/2006/main">
+  <p:cSld>
+    <p:spTree>
+      <p:nvGrpSpPr>
+        <p:cNvPr id="1" name=""/>
+        <p:cNvGrpSpPr/>
+        <p:nvPr/>
+      </p:nvGrpSpPr>
+      <p:grpSpPr>
+        <a:xfrm>
+          <a:off x="0" y="0"/>
+          <a:ext cx="0" cy="0"/>
+          <a:chOff x="0" y="0"/>
+          <a:chExt cx="0" cy="0"/>
+        </a:xfrm>
+      </p:grpSpPr>
+      <p:sp>
+        <p:nvSpPr>
+          <p:cNvPr id="2" name="Espace réservé de l'image des diapositives 1"/>
+          <p:cNvSpPr>
+            <a:spLocks noGrp="1" noRot="1" noChangeAspect="1"/>
+          </p:cNvSpPr>
+          <p:nvPr>
+            <p:ph type="sldImg"/>
+          </p:nvPr>
+        </p:nvSpPr>
+        <p:spPr/>
+      </p:sp>
+      <p:sp>
+        <p:nvSpPr>
+          <p:cNvPr id="3" name="Espace réservé des commentaires 2"/>
+          <p:cNvSpPr>
+            <a:spLocks noGrp="1"/>
+          </p:cNvSpPr>
+          <p:nvPr>
+            <p:ph type="body" idx="1"/>
+          </p:nvPr>
+        </p:nvSpPr>
+        <p:spPr/>
+        <p:txBody>
+          <a:bodyPr/>
+          <a:lstStyle/>
+          <a:p>
+            <a:endParaRPr lang="de-DE"/>
+          </a:p>
+        </p:txBody>
+      </p:sp>
+      <p:sp>
+        <p:nvSpPr>
+          <p:cNvPr id="4" name="Espace réservé du numéro de diapositive 3"/>
+          <p:cNvSpPr>
+            <a:spLocks noGrp="1"/>
+          </p:cNvSpPr>
+          <p:nvPr>
+            <p:ph type="sldNum" sz="quarter" idx="10"/>
+          </p:nvPr>
+        </p:nvSpPr>
+        <p:spPr/>
+        <p:txBody>
+          <a:bodyPr/>
+          <a:lstStyle/>
+          <a:p>
+            <a:fld id="{0689F1B4-F35C-448F-95C5-E3DEE8751251}" type="slidenum">
+              <a:rPr lang="de-DE" smtClean="0"/>
+              <a:t>10</a:t>
+            </a:fld>
+            <a:endParaRPr lang="de-DE"/>
+          </a:p>
+        </p:txBody>
+      </p:sp>
+    </p:spTree>
+    <p:extLst>
+      <p:ext uri="{BB962C8B-B14F-4D97-AF65-F5344CB8AC3E}">
+        <p14:creationId xmlns:p14="http://schemas.microsoft.com/office/powerpoint/2010/main" val="4161261430"/>
+      </p:ext>
+    </p:extLst>
+  </p:cSld>
+  <p:clrMapOvr>
+    <a:masterClrMapping/>
+  </p:clrMapOvr>
+</p:notes>
+</file>
+
+<file path=ppt/notesSlides/notesSlide8.xml><?xml version="1.0" encoding="utf-8"?>
+<p:notes xmlns:a="http://schemas.openxmlformats.org/drawingml/2006/main" xmlns:r="http://schemas.openxmlformats.org/officeDocument/2006/relationships" xmlns:p="http://schemas.openxmlformats.org/presentationml/2006/main">
+  <p:cSld>
+    <p:spTree>
+      <p:nvGrpSpPr>
+        <p:cNvPr id="1" name=""/>
+        <p:cNvGrpSpPr/>
+        <p:nvPr/>
+      </p:nvGrpSpPr>
+      <p:grpSpPr>
+        <a:xfrm>
+          <a:off x="0" y="0"/>
+          <a:ext cx="0" cy="0"/>
+          <a:chOff x="0" y="0"/>
+          <a:chExt cx="0" cy="0"/>
+        </a:xfrm>
+      </p:grpSpPr>
+      <p:sp>
+        <p:nvSpPr>
+          <p:cNvPr id="2" name="Espace réservé de l'image des diapositives 1"/>
+          <p:cNvSpPr>
+            <a:spLocks noGrp="1" noRot="1" noChangeAspect="1"/>
+          </p:cNvSpPr>
+          <p:nvPr>
+            <p:ph type="sldImg"/>
+          </p:nvPr>
+        </p:nvSpPr>
+        <p:spPr/>
+      </p:sp>
+      <p:sp>
+        <p:nvSpPr>
+          <p:cNvPr id="3" name="Espace réservé des commentaires 2"/>
+          <p:cNvSpPr>
+            <a:spLocks noGrp="1"/>
+          </p:cNvSpPr>
+          <p:nvPr>
+            <p:ph type="body" idx="1"/>
+          </p:nvPr>
+        </p:nvSpPr>
+        <p:spPr/>
+        <p:txBody>
+          <a:bodyPr/>
+          <a:lstStyle/>
+          <a:p>
+            <a:endParaRPr lang="de-DE"/>
+          </a:p>
+        </p:txBody>
+      </p:sp>
+      <p:sp>
+        <p:nvSpPr>
+          <p:cNvPr id="4" name="Espace réservé du numéro de diapositive 3"/>
+          <p:cNvSpPr>
+            <a:spLocks noGrp="1"/>
+          </p:cNvSpPr>
+          <p:nvPr>
+            <p:ph type="sldNum" sz="quarter" idx="10"/>
+          </p:nvPr>
+        </p:nvSpPr>
+        <p:spPr/>
+        <p:txBody>
+          <a:bodyPr/>
+          <a:lstStyle/>
+          <a:p>
+            <a:fld id="{0689F1B4-F35C-448F-95C5-E3DEE8751251}" type="slidenum">
+              <a:rPr lang="de-DE" smtClean="0"/>
+              <a:t>12</a:t>
+            </a:fld>
+            <a:endParaRPr lang="de-DE"/>
+          </a:p>
+        </p:txBody>
+      </p:sp>
+    </p:spTree>
+    <p:extLst>
+      <p:ext uri="{BB962C8B-B14F-4D97-AF65-F5344CB8AC3E}">
+        <p14:creationId xmlns:p14="http://schemas.microsoft.com/office/powerpoint/2010/main" val="3739875493"/>
+      </p:ext>
+    </p:extLst>
+  </p:cSld>
+  <p:clrMapOvr>
+    <a:masterClrMapping/>
+  </p:clrMapOvr>
+</p:notes>
+</file>
+
+<file path=ppt/notesSlides/notesSlide9.xml><?xml version="1.0" encoding="utf-8"?>
+<p:notes xmlns:a="http://schemas.openxmlformats.org/drawingml/2006/main" xmlns:r="http://schemas.openxmlformats.org/officeDocument/2006/relationships" xmlns:p="http://schemas.openxmlformats.org/presentationml/2006/main">
+  <p:cSld>
+    <p:spTree>
+      <p:nvGrpSpPr>
+        <p:cNvPr id="1" name=""/>
+        <p:cNvGrpSpPr/>
+        <p:nvPr/>
+      </p:nvGrpSpPr>
+      <p:grpSpPr>
+        <a:xfrm>
+          <a:off x="0" y="0"/>
+          <a:ext cx="0" cy="0"/>
+          <a:chOff x="0" y="0"/>
+          <a:chExt cx="0" cy="0"/>
+        </a:xfrm>
+      </p:grpSpPr>
+      <p:sp>
+        <p:nvSpPr>
+          <p:cNvPr id="2" name="Espace réservé de l'image des diapositives 1"/>
+          <p:cNvSpPr>
+            <a:spLocks noGrp="1" noRot="1" noChangeAspect="1"/>
+          </p:cNvSpPr>
+          <p:nvPr>
+            <p:ph type="sldImg"/>
+          </p:nvPr>
+        </p:nvSpPr>
+        <p:spPr/>
+      </p:sp>
+      <p:sp>
+        <p:nvSpPr>
+          <p:cNvPr id="3" name="Espace réservé des commentaires 2"/>
+          <p:cNvSpPr>
+            <a:spLocks noGrp="1"/>
+          </p:cNvSpPr>
+          <p:nvPr>
+            <p:ph type="body" idx="1"/>
+          </p:nvPr>
+        </p:nvSpPr>
+        <p:spPr/>
+        <p:txBody>
+          <a:bodyPr/>
+          <a:lstStyle/>
+          <a:p>
+            <a:endParaRPr lang="de-DE"/>
+          </a:p>
+        </p:txBody>
+      </p:sp>
+      <p:sp>
+        <p:nvSpPr>
+          <p:cNvPr id="4" name="Espace réservé du numéro de diapositive 3"/>
+          <p:cNvSpPr>
+            <a:spLocks noGrp="1"/>
+          </p:cNvSpPr>
+          <p:nvPr>
+            <p:ph type="sldNum" sz="quarter" idx="10"/>
+          </p:nvPr>
+        </p:nvSpPr>
+        <p:spPr/>
+        <p:txBody>
+          <a:bodyPr/>
+          <a:lstStyle/>
+          <a:p>
+            <a:fld id="{0689F1B4-F35C-448F-95C5-E3DEE8751251}" type="slidenum">
+              <a:rPr lang="de-DE" smtClean="0"/>
+              <a:t>13</a:t>
+            </a:fld>
+            <a:endParaRPr lang="de-DE"/>
+          </a:p>
+        </p:txBody>
+      </p:sp>
+    </p:spTree>
+    <p:extLst>
+      <p:ext uri="{BB962C8B-B14F-4D97-AF65-F5344CB8AC3E}">
+        <p14:creationId xmlns:p14="http://schemas.microsoft.com/office/powerpoint/2010/main" val="4274076338"/>
+      </p:ext>
+    </p:extLst>
+  </p:cSld>
+  <p:clrMapOvr>
+    <a:masterClrMapping/>
+  </p:clrMapOvr>
+</p:notes>
+</file>
+
 <file path=ppt/slideLayouts/slideLayout1.xml><?xml version="1.0" encoding="utf-8"?>
 <p:sldLayout xmlns:a="http://schemas.openxmlformats.org/drawingml/2006/main" xmlns:r="http://schemas.openxmlformats.org/officeDocument/2006/relationships" xmlns:p="http://schemas.openxmlformats.org/presentationml/2006/main" type="title" preserve="1">
   <p:cSld name="Diapositive de titre">
@@ -792,7 +1310,7 @@
           </a:lstStyle>
           <a:p>
             <a:r>
-              <a:rPr lang="fr-FR" smtClean="0"/>
+              <a:rPr lang="fr-FR"/>
               <a:t>Modifiez le style du titre</a:t>
             </a:r>
             <a:endParaRPr lang="en-US" dirty="0"/>
@@ -888,7 +1406,7 @@
           </a:lstStyle>
           <a:p>
             <a:r>
-              <a:rPr lang="fr-FR" smtClean="0"/>
+              <a:rPr lang="fr-FR"/>
               <a:t>Modifiez le style des sous-titres du masque</a:t>
             </a:r>
             <a:endParaRPr lang="en-US" dirty="0"/>
@@ -912,7 +1430,7 @@
           <a:p>
             <a:fld id="{1D746EA9-2D63-4566-9380-8FE13E8EC95B}" type="datetime1">
               <a:rPr lang="en-US" smtClean="0"/>
-              <a:t>3/9/2020</a:t>
+              <a:t>3/13/2020</a:t>
             </a:fld>
             <a:endParaRPr lang="en-US" dirty="0"/>
           </a:p>
@@ -1015,7 +1533,7 @@
           </a:lstStyle>
           <a:p>
             <a:r>
-              <a:rPr lang="fr-FR" smtClean="0"/>
+              <a:rPr lang="fr-FR"/>
               <a:t>Modifiez le style du titre</a:t>
             </a:r>
             <a:endParaRPr lang="en-US" dirty="0"/>
@@ -1080,7 +1598,7 @@
           </a:lstStyle>
           <a:p>
             <a:r>
-              <a:rPr lang="fr-FR" smtClean="0"/>
+              <a:rPr lang="fr-FR"/>
               <a:t>Cliquez sur l'icône pour ajouter une image</a:t>
             </a:r>
             <a:endParaRPr lang="en-US" dirty="0"/>
@@ -1170,7 +1688,7 @@
           <a:p>
             <a:pPr lvl="0"/>
             <a:r>
-              <a:rPr lang="fr-FR" smtClean="0"/>
+              <a:rPr lang="fr-FR"/>
               <a:t>Modifiez les styles du texte du masque</a:t>
             </a:r>
           </a:p>
@@ -1193,7 +1711,7 @@
           <a:p>
             <a:fld id="{548BA5FE-029B-4899-88F7-86FEC11F1217}" type="datetime1">
               <a:rPr lang="en-US" smtClean="0"/>
-              <a:t>3/9/2020</a:t>
+              <a:t>3/13/2020</a:t>
             </a:fld>
             <a:endParaRPr lang="en-US" dirty="0"/>
           </a:p>
@@ -1295,7 +1813,7 @@
           </a:lstStyle>
           <a:p>
             <a:r>
-              <a:rPr lang="fr-FR" smtClean="0"/>
+              <a:rPr lang="fr-FR"/>
               <a:t>Modifiez le style du titre</a:t>
             </a:r>
             <a:endParaRPr lang="en-US" dirty="0"/>
@@ -1361,7 +1879,7 @@
           <a:p>
             <a:pPr lvl="0"/>
             <a:r>
-              <a:rPr lang="fr-FR" smtClean="0"/>
+              <a:rPr lang="fr-FR"/>
               <a:t>Modifiez les styles du texte du masque</a:t>
             </a:r>
           </a:p>
@@ -1384,7 +1902,7 @@
           <a:p>
             <a:fld id="{464FFEA3-DFE1-4A5F-ABAA-9F71537704D5}" type="datetime1">
               <a:rPr lang="en-US" smtClean="0"/>
-              <a:t>3/9/2020</a:t>
+              <a:t>3/13/2020</a:t>
             </a:fld>
             <a:endParaRPr lang="en-US" dirty="0"/>
           </a:p>
@@ -1486,7 +2004,7 @@
           </a:lstStyle>
           <a:p>
             <a:r>
-              <a:rPr lang="fr-FR" smtClean="0"/>
+              <a:rPr lang="fr-FR"/>
               <a:t>Modifiez le style du titre</a:t>
             </a:r>
             <a:endParaRPr lang="en-US" dirty="0"/>
@@ -1554,7 +2072,7 @@
           <a:p>
             <a:pPr lvl="0"/>
             <a:r>
-              <a:rPr lang="fr-FR" smtClean="0"/>
+              <a:rPr lang="fr-FR"/>
               <a:t>Modifiez les styles du texte du masque</a:t>
             </a:r>
           </a:p>
@@ -1621,7 +2139,7 @@
           <a:p>
             <a:pPr lvl="0"/>
             <a:r>
-              <a:rPr lang="fr-FR" smtClean="0"/>
+              <a:rPr lang="fr-FR"/>
               <a:t>Modifiez les styles du texte du masque</a:t>
             </a:r>
           </a:p>
@@ -1644,7 +2162,7 @@
           <a:p>
             <a:fld id="{5392193E-CB25-427B-88DA-098191D5EC7E}" type="datetime1">
               <a:rPr lang="en-US" smtClean="0"/>
-              <a:t>3/9/2020</a:t>
+              <a:t>3/13/2020</a:t>
             </a:fld>
             <a:endParaRPr lang="en-US" dirty="0"/>
           </a:p>
@@ -1980,7 +2498,7 @@
           </a:lstStyle>
           <a:p>
             <a:r>
-              <a:rPr lang="fr-FR" smtClean="0"/>
+              <a:rPr lang="fr-FR"/>
               <a:t>Modifiez le style du titre</a:t>
             </a:r>
             <a:endParaRPr lang="en-US" dirty="0"/>
@@ -2046,7 +2564,7 @@
           <a:p>
             <a:pPr lvl="0"/>
             <a:r>
-              <a:rPr lang="fr-FR" smtClean="0"/>
+              <a:rPr lang="fr-FR"/>
               <a:t>Modifiez les styles du texte du masque</a:t>
             </a:r>
           </a:p>
@@ -2069,7 +2587,7 @@
           <a:p>
             <a:fld id="{5CE51734-173D-4F55-9009-246248FAEED7}" type="datetime1">
               <a:rPr lang="en-US" smtClean="0"/>
-              <a:t>3/9/2020</a:t>
+              <a:t>3/13/2020</a:t>
             </a:fld>
             <a:endParaRPr lang="en-US" dirty="0"/>
           </a:p>
@@ -2167,7 +2685,7 @@
           <a:lstStyle/>
           <a:p>
             <a:r>
-              <a:rPr lang="fr-FR" smtClean="0"/>
+              <a:rPr lang="fr-FR"/>
               <a:t>Modifiez le style du titre</a:t>
             </a:r>
             <a:endParaRPr lang="en-US" dirty="0"/>
@@ -2262,7 +2780,7 @@
           <a:p>
             <a:pPr lvl="0"/>
             <a:r>
-              <a:rPr lang="fr-FR" smtClean="0"/>
+              <a:rPr lang="fr-FR"/>
               <a:t>Modifiez les styles du texte du masque</a:t>
             </a:r>
           </a:p>
@@ -2329,7 +2847,7 @@
           <a:p>
             <a:pPr lvl="0"/>
             <a:r>
-              <a:rPr lang="fr-FR" smtClean="0"/>
+              <a:rPr lang="fr-FR"/>
               <a:t>Modifiez les styles du texte du masque</a:t>
             </a:r>
           </a:p>
@@ -2393,7 +2911,7 @@
               <a:buNone/>
             </a:pPr>
             <a:r>
-              <a:rPr lang="fr-FR" smtClean="0"/>
+              <a:rPr lang="fr-FR"/>
               <a:t>Modifiez les styles du texte du masque</a:t>
             </a:r>
           </a:p>
@@ -2460,7 +2978,7 @@
           <a:p>
             <a:pPr lvl="0"/>
             <a:r>
-              <a:rPr lang="fr-FR" smtClean="0"/>
+              <a:rPr lang="fr-FR"/>
               <a:t>Modifiez les styles du texte du masque</a:t>
             </a:r>
           </a:p>
@@ -2524,7 +3042,7 @@
               <a:buNone/>
             </a:pPr>
             <a:r>
-              <a:rPr lang="fr-FR" smtClean="0"/>
+              <a:rPr lang="fr-FR"/>
               <a:t>Modifiez les styles du texte du masque</a:t>
             </a:r>
           </a:p>
@@ -2591,7 +3109,7 @@
           <a:p>
             <a:pPr lvl="0"/>
             <a:r>
-              <a:rPr lang="fr-FR" smtClean="0"/>
+              <a:rPr lang="fr-FR"/>
               <a:t>Modifiez les styles du texte du masque</a:t>
             </a:r>
           </a:p>
@@ -2614,7 +3132,7 @@
           <a:p>
             <a:fld id="{5CA2EA14-6BB8-403E-9B28-4836A9EB60D4}" type="datetime1">
               <a:rPr lang="en-US" smtClean="0"/>
-              <a:t>3/9/2020</a:t>
+              <a:t>3/13/2020</a:t>
             </a:fld>
             <a:endParaRPr lang="en-US" dirty="0"/>
           </a:p>
@@ -2712,7 +3230,7 @@
           <a:lstStyle/>
           <a:p>
             <a:r>
-              <a:rPr lang="fr-FR" smtClean="0"/>
+              <a:rPr lang="fr-FR"/>
               <a:t>Modifiez le style du titre</a:t>
             </a:r>
             <a:endParaRPr lang="en-US" dirty="0"/>
@@ -2803,7 +3321,7 @@
           <a:p>
             <a:pPr lvl="0"/>
             <a:r>
-              <a:rPr lang="fr-FR" smtClean="0"/>
+              <a:rPr lang="fr-FR"/>
               <a:t>Modifiez les styles du texte du masque</a:t>
             </a:r>
           </a:p>
@@ -2881,7 +3399,7 @@
           </a:lstStyle>
           <a:p>
             <a:r>
-              <a:rPr lang="fr-FR" smtClean="0"/>
+              <a:rPr lang="fr-FR"/>
               <a:t>Cliquez sur l'icône pour ajouter une image</a:t>
             </a:r>
             <a:endParaRPr lang="en-US" dirty="0"/>
@@ -2949,7 +3467,7 @@
           <a:p>
             <a:pPr lvl="0"/>
             <a:r>
-              <a:rPr lang="fr-FR" smtClean="0"/>
+              <a:rPr lang="fr-FR"/>
               <a:t>Modifiez les styles du texte du masque</a:t>
             </a:r>
           </a:p>
@@ -3039,7 +3557,7 @@
           <a:p>
             <a:pPr lvl="0"/>
             <a:r>
-              <a:rPr lang="fr-FR" smtClean="0"/>
+              <a:rPr lang="fr-FR"/>
               <a:t>Modifiez les styles du texte du masque</a:t>
             </a:r>
           </a:p>
@@ -3117,7 +3635,7 @@
           </a:lstStyle>
           <a:p>
             <a:r>
-              <a:rPr lang="fr-FR" smtClean="0"/>
+              <a:rPr lang="fr-FR"/>
               <a:t>Cliquez sur l'icône pour ajouter une image</a:t>
             </a:r>
             <a:endParaRPr lang="en-US" dirty="0"/>
@@ -3185,7 +3703,7 @@
           <a:p>
             <a:pPr lvl="0"/>
             <a:r>
-              <a:rPr lang="fr-FR" smtClean="0"/>
+              <a:rPr lang="fr-FR"/>
               <a:t>Modifiez les styles du texte du masque</a:t>
             </a:r>
           </a:p>
@@ -3275,7 +3793,7 @@
           <a:p>
             <a:pPr lvl="0"/>
             <a:r>
-              <a:rPr lang="fr-FR" smtClean="0"/>
+              <a:rPr lang="fr-FR"/>
               <a:t>Modifiez les styles du texte du masque</a:t>
             </a:r>
           </a:p>
@@ -3353,7 +3871,7 @@
           </a:lstStyle>
           <a:p>
             <a:r>
-              <a:rPr lang="fr-FR" smtClean="0"/>
+              <a:rPr lang="fr-FR"/>
               <a:t>Cliquez sur l'icône pour ajouter une image</a:t>
             </a:r>
             <a:endParaRPr lang="en-US" dirty="0"/>
@@ -3421,7 +3939,7 @@
           <a:p>
             <a:pPr lvl="0"/>
             <a:r>
-              <a:rPr lang="fr-FR" smtClean="0"/>
+              <a:rPr lang="fr-FR"/>
               <a:t>Modifiez les styles du texte du masque</a:t>
             </a:r>
           </a:p>
@@ -3444,7 +3962,7 @@
           <a:p>
             <a:fld id="{2526D1FD-CA1F-4CAC-8700-15547AF60824}" type="datetime1">
               <a:rPr lang="en-US" smtClean="0"/>
-              <a:t>3/9/2020</a:t>
+              <a:t>3/13/2020</a:t>
             </a:fld>
             <a:endParaRPr lang="en-US" dirty="0"/>
           </a:p>
@@ -3537,7 +4055,7 @@
           <a:lstStyle/>
           <a:p>
             <a:r>
-              <a:rPr lang="fr-FR" smtClean="0"/>
+              <a:rPr lang="fr-FR"/>
               <a:t>Modifiez le style du titre</a:t>
             </a:r>
             <a:endParaRPr lang="en-US" dirty="0"/>
@@ -3561,35 +4079,35 @@
           <a:p>
             <a:pPr lvl="0"/>
             <a:r>
-              <a:rPr lang="fr-FR" smtClean="0"/>
+              <a:rPr lang="fr-FR"/>
               <a:t>Modifiez les styles du texte du masque</a:t>
             </a:r>
           </a:p>
           <a:p>
             <a:pPr lvl="1"/>
             <a:r>
-              <a:rPr lang="fr-FR" smtClean="0"/>
+              <a:rPr lang="fr-FR"/>
               <a:t>Deuxième niveau</a:t>
             </a:r>
           </a:p>
           <a:p>
             <a:pPr lvl="2"/>
             <a:r>
-              <a:rPr lang="fr-FR" smtClean="0"/>
+              <a:rPr lang="fr-FR"/>
               <a:t>Troisième niveau</a:t>
             </a:r>
           </a:p>
           <a:p>
             <a:pPr lvl="3"/>
             <a:r>
-              <a:rPr lang="fr-FR" smtClean="0"/>
+              <a:rPr lang="fr-FR"/>
               <a:t>Quatrième niveau</a:t>
             </a:r>
           </a:p>
           <a:p>
             <a:pPr lvl="4"/>
             <a:r>
-              <a:rPr lang="fr-FR" smtClean="0"/>
+              <a:rPr lang="fr-FR"/>
               <a:t>Cinquième niveau</a:t>
             </a:r>
             <a:endParaRPr lang="en-US" dirty="0"/>
@@ -3613,7 +4131,7 @@
           <a:p>
             <a:fld id="{254A9182-2F76-493C-8FB3-CF35B67A778A}" type="datetime1">
               <a:rPr lang="en-US" smtClean="0"/>
-              <a:t>3/9/2020</a:t>
+              <a:t>3/13/2020</a:t>
             </a:fld>
             <a:endParaRPr lang="en-US" dirty="0"/>
           </a:p>
@@ -3711,7 +4229,7 @@
           <a:lstStyle/>
           <a:p>
             <a:r>
-              <a:rPr lang="fr-FR" smtClean="0"/>
+              <a:rPr lang="fr-FR"/>
               <a:t>Modifiez le style du titre</a:t>
             </a:r>
             <a:endParaRPr lang="en-US" dirty="0"/>
@@ -3740,35 +4258,35 @@
           <a:p>
             <a:pPr lvl="0"/>
             <a:r>
-              <a:rPr lang="fr-FR" smtClean="0"/>
+              <a:rPr lang="fr-FR"/>
               <a:t>Modifiez les styles du texte du masque</a:t>
             </a:r>
           </a:p>
           <a:p>
             <a:pPr lvl="1"/>
             <a:r>
-              <a:rPr lang="fr-FR" smtClean="0"/>
+              <a:rPr lang="fr-FR"/>
               <a:t>Deuxième niveau</a:t>
             </a:r>
           </a:p>
           <a:p>
             <a:pPr lvl="2"/>
             <a:r>
-              <a:rPr lang="fr-FR" smtClean="0"/>
+              <a:rPr lang="fr-FR"/>
               <a:t>Troisième niveau</a:t>
             </a:r>
           </a:p>
           <a:p>
             <a:pPr lvl="3"/>
             <a:r>
-              <a:rPr lang="fr-FR" smtClean="0"/>
+              <a:rPr lang="fr-FR"/>
               <a:t>Quatrième niveau</a:t>
             </a:r>
           </a:p>
           <a:p>
             <a:pPr lvl="4"/>
             <a:r>
-              <a:rPr lang="fr-FR" smtClean="0"/>
+              <a:rPr lang="fr-FR"/>
               <a:t>Cinquième niveau</a:t>
             </a:r>
             <a:endParaRPr lang="en-US" dirty="0"/>
@@ -3792,7 +4310,7 @@
           <a:p>
             <a:fld id="{F964F262-7CA4-4B02-9B86-0CB1E2EC2AA4}" type="datetime1">
               <a:rPr lang="en-US" smtClean="0"/>
-              <a:t>3/9/2020</a:t>
+              <a:t>3/13/2020</a:t>
             </a:fld>
             <a:endParaRPr lang="en-US" dirty="0"/>
           </a:p>
@@ -3885,7 +4403,7 @@
           <a:lstStyle/>
           <a:p>
             <a:r>
-              <a:rPr lang="fr-FR" smtClean="0"/>
+              <a:rPr lang="fr-FR"/>
               <a:t>Modifiez le style du titre</a:t>
             </a:r>
             <a:endParaRPr lang="en-US" dirty="0"/>
@@ -3909,35 +4427,35 @@
           <a:p>
             <a:pPr lvl="0"/>
             <a:r>
-              <a:rPr lang="fr-FR" smtClean="0"/>
+              <a:rPr lang="fr-FR"/>
               <a:t>Modifiez les styles du texte du masque</a:t>
             </a:r>
           </a:p>
           <a:p>
             <a:pPr lvl="1"/>
             <a:r>
-              <a:rPr lang="fr-FR" smtClean="0"/>
+              <a:rPr lang="fr-FR"/>
               <a:t>Deuxième niveau</a:t>
             </a:r>
           </a:p>
           <a:p>
             <a:pPr lvl="2"/>
             <a:r>
-              <a:rPr lang="fr-FR" smtClean="0"/>
+              <a:rPr lang="fr-FR"/>
               <a:t>Troisième niveau</a:t>
             </a:r>
           </a:p>
           <a:p>
             <a:pPr lvl="3"/>
             <a:r>
-              <a:rPr lang="fr-FR" smtClean="0"/>
+              <a:rPr lang="fr-FR"/>
               <a:t>Quatrième niveau</a:t>
             </a:r>
           </a:p>
           <a:p>
             <a:pPr lvl="4"/>
             <a:r>
-              <a:rPr lang="fr-FR" smtClean="0"/>
+              <a:rPr lang="fr-FR"/>
               <a:t>Cinquième niveau</a:t>
             </a:r>
             <a:endParaRPr lang="en-US" dirty="0"/>
@@ -3961,7 +4479,7 @@
           <a:p>
             <a:fld id="{47A02E5A-8F2B-4AC4-97AF-576F9DCB4ECF}" type="datetime1">
               <a:rPr lang="en-US" smtClean="0"/>
-              <a:t>3/9/2020</a:t>
+              <a:t>3/13/2020</a:t>
             </a:fld>
             <a:endParaRPr lang="en-US" dirty="0"/>
           </a:p>
@@ -4097,7 +4615,7 @@
           </a:lstStyle>
           <a:p>
             <a:r>
-              <a:rPr lang="fr-FR" smtClean="0"/>
+              <a:rPr lang="fr-FR"/>
               <a:t>Modifiez le style du titre</a:t>
             </a:r>
             <a:endParaRPr lang="en-US" dirty="0"/>
@@ -4193,7 +4711,7 @@
           </a:lstStyle>
           <a:p>
             <a:r>
-              <a:rPr lang="fr-FR" smtClean="0"/>
+              <a:rPr lang="fr-FR"/>
               <a:t>Modifiez le style des sous-titres du masque</a:t>
             </a:r>
             <a:endParaRPr lang="en-US" dirty="0"/>
@@ -4217,7 +4735,7 @@
           <a:p>
             <a:fld id="{01794940-D26F-4169-9E31-60B408B8E629}" type="datetime1">
               <a:rPr lang="en-US" smtClean="0"/>
-              <a:t>3/9/2020</a:t>
+              <a:t>3/13/2020</a:t>
             </a:fld>
             <a:endParaRPr lang="en-US" dirty="0"/>
           </a:p>
@@ -4310,7 +4828,7 @@
           <a:lstStyle/>
           <a:p>
             <a:r>
-              <a:rPr lang="fr-FR" smtClean="0"/>
+              <a:rPr lang="fr-FR"/>
               <a:t>Modifiez le style du titre</a:t>
             </a:r>
             <a:endParaRPr lang="en-US" dirty="0"/>
@@ -4339,35 +4857,35 @@
           <a:p>
             <a:pPr lvl="0"/>
             <a:r>
-              <a:rPr lang="fr-FR" smtClean="0"/>
+              <a:rPr lang="fr-FR"/>
               <a:t>Modifiez les styles du texte du masque</a:t>
             </a:r>
           </a:p>
           <a:p>
             <a:pPr lvl="1"/>
             <a:r>
-              <a:rPr lang="fr-FR" smtClean="0"/>
+              <a:rPr lang="fr-FR"/>
               <a:t>Deuxième niveau</a:t>
             </a:r>
           </a:p>
           <a:p>
             <a:pPr lvl="2"/>
             <a:r>
-              <a:rPr lang="fr-FR" smtClean="0"/>
+              <a:rPr lang="fr-FR"/>
               <a:t>Troisième niveau</a:t>
             </a:r>
           </a:p>
           <a:p>
             <a:pPr lvl="3"/>
             <a:r>
-              <a:rPr lang="fr-FR" smtClean="0"/>
+              <a:rPr lang="fr-FR"/>
               <a:t>Quatrième niveau</a:t>
             </a:r>
           </a:p>
           <a:p>
             <a:pPr lvl="4"/>
             <a:r>
-              <a:rPr lang="fr-FR" smtClean="0"/>
+              <a:rPr lang="fr-FR"/>
               <a:t>Cinquième niveau</a:t>
             </a:r>
             <a:endParaRPr lang="en-US" dirty="0"/>
@@ -4396,35 +4914,35 @@
           <a:p>
             <a:pPr lvl="0"/>
             <a:r>
-              <a:rPr lang="fr-FR" smtClean="0"/>
+              <a:rPr lang="fr-FR"/>
               <a:t>Modifiez les styles du texte du masque</a:t>
             </a:r>
           </a:p>
           <a:p>
             <a:pPr lvl="1"/>
             <a:r>
-              <a:rPr lang="fr-FR" smtClean="0"/>
+              <a:rPr lang="fr-FR"/>
               <a:t>Deuxième niveau</a:t>
             </a:r>
           </a:p>
           <a:p>
             <a:pPr lvl="2"/>
             <a:r>
-              <a:rPr lang="fr-FR" smtClean="0"/>
+              <a:rPr lang="fr-FR"/>
               <a:t>Troisième niveau</a:t>
             </a:r>
           </a:p>
           <a:p>
             <a:pPr lvl="3"/>
             <a:r>
-              <a:rPr lang="fr-FR" smtClean="0"/>
+              <a:rPr lang="fr-FR"/>
               <a:t>Quatrième niveau</a:t>
             </a:r>
           </a:p>
           <a:p>
             <a:pPr lvl="4"/>
             <a:r>
-              <a:rPr lang="fr-FR" smtClean="0"/>
+              <a:rPr lang="fr-FR"/>
               <a:t>Cinquième niveau</a:t>
             </a:r>
             <a:endParaRPr lang="en-US" dirty="0"/>
@@ -4448,7 +4966,7 @@
           <a:p>
             <a:fld id="{F24A384E-B5ED-4107-8A79-4FB19EB6C167}" type="datetime1">
               <a:rPr lang="en-US" smtClean="0"/>
-              <a:t>3/9/2020</a:t>
+              <a:t>3/13/2020</a:t>
             </a:fld>
             <a:endParaRPr lang="en-US" dirty="0"/>
           </a:p>
@@ -4546,7 +5064,7 @@
           <a:lstStyle/>
           <a:p>
             <a:r>
-              <a:rPr lang="fr-FR" smtClean="0"/>
+              <a:rPr lang="fr-FR"/>
               <a:t>Modifiez le style du titre</a:t>
             </a:r>
             <a:endParaRPr lang="en-US" dirty="0"/>
@@ -4639,7 +5157,7 @@
           <a:p>
             <a:pPr lvl="0"/>
             <a:r>
-              <a:rPr lang="fr-FR" smtClean="0"/>
+              <a:rPr lang="fr-FR"/>
               <a:t>Modifiez les styles du texte du masque</a:t>
             </a:r>
           </a:p>
@@ -4667,35 +5185,35 @@
           <a:p>
             <a:pPr lvl="0"/>
             <a:r>
-              <a:rPr lang="fr-FR" smtClean="0"/>
+              <a:rPr lang="fr-FR"/>
               <a:t>Modifiez les styles du texte du masque</a:t>
             </a:r>
           </a:p>
           <a:p>
             <a:pPr lvl="1"/>
             <a:r>
-              <a:rPr lang="fr-FR" smtClean="0"/>
+              <a:rPr lang="fr-FR"/>
               <a:t>Deuxième niveau</a:t>
             </a:r>
           </a:p>
           <a:p>
             <a:pPr lvl="2"/>
             <a:r>
-              <a:rPr lang="fr-FR" smtClean="0"/>
+              <a:rPr lang="fr-FR"/>
               <a:t>Troisième niveau</a:t>
             </a:r>
           </a:p>
           <a:p>
             <a:pPr lvl="3"/>
             <a:r>
-              <a:rPr lang="fr-FR" smtClean="0"/>
+              <a:rPr lang="fr-FR"/>
               <a:t>Quatrième niveau</a:t>
             </a:r>
           </a:p>
           <a:p>
             <a:pPr lvl="4"/>
             <a:r>
-              <a:rPr lang="fr-FR" smtClean="0"/>
+              <a:rPr lang="fr-FR"/>
               <a:t>Cinquième niveau</a:t>
             </a:r>
             <a:endParaRPr lang="en-US" dirty="0"/>
@@ -4760,7 +5278,7 @@
               <a:buNone/>
             </a:pPr>
             <a:r>
-              <a:rPr lang="fr-FR" smtClean="0"/>
+              <a:rPr lang="fr-FR"/>
               <a:t>Modifiez les styles du texte du masque</a:t>
             </a:r>
           </a:p>
@@ -4788,35 +5306,35 @@
           <a:p>
             <a:pPr lvl="0"/>
             <a:r>
-              <a:rPr lang="fr-FR" smtClean="0"/>
+              <a:rPr lang="fr-FR"/>
               <a:t>Modifiez les styles du texte du masque</a:t>
             </a:r>
           </a:p>
           <a:p>
             <a:pPr lvl="1"/>
             <a:r>
-              <a:rPr lang="fr-FR" smtClean="0"/>
+              <a:rPr lang="fr-FR"/>
               <a:t>Deuxième niveau</a:t>
             </a:r>
           </a:p>
           <a:p>
             <a:pPr lvl="2"/>
             <a:r>
-              <a:rPr lang="fr-FR" smtClean="0"/>
+              <a:rPr lang="fr-FR"/>
               <a:t>Troisième niveau</a:t>
             </a:r>
           </a:p>
           <a:p>
             <a:pPr lvl="3"/>
             <a:r>
-              <a:rPr lang="fr-FR" smtClean="0"/>
+              <a:rPr lang="fr-FR"/>
               <a:t>Quatrième niveau</a:t>
             </a:r>
           </a:p>
           <a:p>
             <a:pPr lvl="4"/>
             <a:r>
-              <a:rPr lang="fr-FR" smtClean="0"/>
+              <a:rPr lang="fr-FR"/>
               <a:t>Cinquième niveau</a:t>
             </a:r>
             <a:endParaRPr lang="en-US" dirty="0"/>
@@ -4840,7 +5358,7 @@
           <a:p>
             <a:fld id="{574193E8-9675-435C-8691-0998C93DA01B}" type="datetime1">
               <a:rPr lang="en-US" smtClean="0"/>
-              <a:t>3/9/2020</a:t>
+              <a:t>3/13/2020</a:t>
             </a:fld>
             <a:endParaRPr lang="en-US" dirty="0"/>
           </a:p>
@@ -4933,7 +5451,7 @@
           <a:lstStyle/>
           <a:p>
             <a:r>
-              <a:rPr lang="fr-FR" smtClean="0"/>
+              <a:rPr lang="fr-FR"/>
               <a:t>Modifiez le style du titre</a:t>
             </a:r>
             <a:endParaRPr lang="en-US" dirty="0"/>
@@ -4957,7 +5475,7 @@
           <a:p>
             <a:fld id="{A1F44BA0-D98B-4F9D-9BF8-1EC7014BD34D}" type="datetime1">
               <a:rPr lang="en-US" smtClean="0"/>
-              <a:t>3/9/2020</a:t>
+              <a:t>3/13/2020</a:t>
             </a:fld>
             <a:endParaRPr lang="en-US" dirty="0"/>
           </a:p>
@@ -5051,7 +5569,7 @@
           <a:p>
             <a:fld id="{46CD6459-1EAD-4788-88FD-412047F175AC}" type="datetime1">
               <a:rPr lang="en-US" smtClean="0"/>
-              <a:t>3/9/2020</a:t>
+              <a:t>3/13/2020</a:t>
             </a:fld>
             <a:endParaRPr lang="en-US" dirty="0"/>
           </a:p>
@@ -5153,7 +5671,7 @@
           </a:lstStyle>
           <a:p>
             <a:r>
-              <a:rPr lang="fr-FR" smtClean="0"/>
+              <a:rPr lang="fr-FR"/>
               <a:t>Modifiez le style du titre</a:t>
             </a:r>
             <a:endParaRPr lang="en-US" dirty="0"/>
@@ -5182,35 +5700,35 @@
           <a:p>
             <a:pPr lvl="0"/>
             <a:r>
-              <a:rPr lang="fr-FR" smtClean="0"/>
+              <a:rPr lang="fr-FR"/>
               <a:t>Modifiez les styles du texte du masque</a:t>
             </a:r>
           </a:p>
           <a:p>
             <a:pPr lvl="1"/>
             <a:r>
-              <a:rPr lang="fr-FR" smtClean="0"/>
+              <a:rPr lang="fr-FR"/>
               <a:t>Deuxième niveau</a:t>
             </a:r>
           </a:p>
           <a:p>
             <a:pPr lvl="2"/>
             <a:r>
-              <a:rPr lang="fr-FR" smtClean="0"/>
+              <a:rPr lang="fr-FR"/>
               <a:t>Troisième niveau</a:t>
             </a:r>
           </a:p>
           <a:p>
             <a:pPr lvl="3"/>
             <a:r>
-              <a:rPr lang="fr-FR" smtClean="0"/>
+              <a:rPr lang="fr-FR"/>
               <a:t>Quatrième niveau</a:t>
             </a:r>
           </a:p>
           <a:p>
             <a:pPr lvl="4"/>
             <a:r>
-              <a:rPr lang="fr-FR" smtClean="0"/>
+              <a:rPr lang="fr-FR"/>
               <a:t>Cinquième niveau</a:t>
             </a:r>
             <a:endParaRPr lang="en-US" dirty="0"/>
@@ -5300,7 +5818,7 @@
           <a:p>
             <a:pPr lvl="0"/>
             <a:r>
-              <a:rPr lang="fr-FR" smtClean="0"/>
+              <a:rPr lang="fr-FR"/>
               <a:t>Modifiez les styles du texte du masque</a:t>
             </a:r>
           </a:p>
@@ -5323,7 +5841,7 @@
           <a:p>
             <a:fld id="{25605EC0-ADB1-4CF1-9CCC-0F5C3E173F0F}" type="datetime1">
               <a:rPr lang="en-US" smtClean="0"/>
-              <a:t>3/9/2020</a:t>
+              <a:t>3/13/2020</a:t>
             </a:fld>
             <a:endParaRPr lang="en-US" dirty="0"/>
           </a:p>
@@ -5425,7 +5943,7 @@
           </a:lstStyle>
           <a:p>
             <a:r>
-              <a:rPr lang="fr-FR" smtClean="0"/>
+              <a:rPr lang="fr-FR"/>
               <a:t>Modifiez le style du titre</a:t>
             </a:r>
             <a:endParaRPr lang="en-US" dirty="0"/>
@@ -5490,7 +6008,7 @@
           </a:lstStyle>
           <a:p>
             <a:r>
-              <a:rPr lang="fr-FR" smtClean="0"/>
+              <a:rPr lang="fr-FR"/>
               <a:t>Cliquez sur l'icône pour ajouter une image</a:t>
             </a:r>
             <a:endParaRPr lang="en-US" dirty="0"/>
@@ -5580,7 +6098,7 @@
           <a:p>
             <a:pPr lvl="0"/>
             <a:r>
-              <a:rPr lang="fr-FR" smtClean="0"/>
+              <a:rPr lang="fr-FR"/>
               <a:t>Modifiez les styles du texte du masque</a:t>
             </a:r>
           </a:p>
@@ -5603,7 +6121,7 @@
           <a:p>
             <a:fld id="{4838559C-8BC0-4465-A18A-1C234B75C174}" type="datetime1">
               <a:rPr lang="en-US" smtClean="0"/>
-              <a:t>3/9/2020</a:t>
+              <a:t>3/13/2020</a:t>
             </a:fld>
             <a:endParaRPr lang="en-US" dirty="0"/>
           </a:p>
@@ -5720,7 +6238,7 @@
           <a:lstStyle/>
           <a:p>
             <a:r>
-              <a:rPr lang="fr-FR" smtClean="0"/>
+              <a:rPr lang="fr-FR"/>
               <a:t>Modifiez le style du titre</a:t>
             </a:r>
             <a:endParaRPr lang="en-US" dirty="0"/>
@@ -5754,35 +6272,35 @@
           <a:p>
             <a:pPr lvl="0"/>
             <a:r>
-              <a:rPr lang="fr-FR" smtClean="0"/>
+              <a:rPr lang="fr-FR"/>
               <a:t>Modifiez les styles du texte du masque</a:t>
             </a:r>
           </a:p>
           <a:p>
             <a:pPr lvl="1"/>
             <a:r>
-              <a:rPr lang="fr-FR" smtClean="0"/>
+              <a:rPr lang="fr-FR"/>
               <a:t>Deuxième niveau</a:t>
             </a:r>
           </a:p>
           <a:p>
             <a:pPr lvl="2"/>
             <a:r>
-              <a:rPr lang="fr-FR" smtClean="0"/>
+              <a:rPr lang="fr-FR"/>
               <a:t>Troisième niveau</a:t>
             </a:r>
           </a:p>
           <a:p>
             <a:pPr lvl="3"/>
             <a:r>
-              <a:rPr lang="fr-FR" smtClean="0"/>
+              <a:rPr lang="fr-FR"/>
               <a:t>Quatrième niveau</a:t>
             </a:r>
           </a:p>
           <a:p>
             <a:pPr lvl="4"/>
             <a:r>
-              <a:rPr lang="fr-FR" smtClean="0"/>
+              <a:rPr lang="fr-FR"/>
               <a:t>Cinquième niveau</a:t>
             </a:r>
             <a:endParaRPr lang="en-US" dirty="0"/>
@@ -5842,7 +6360,7 @@
           <a:p>
             <a:fld id="{2F33E1D3-9A2E-4350-A4C3-D4817CE62B8A}" type="datetime1">
               <a:rPr lang="en-US" smtClean="0"/>
-              <a:t>3/9/2020</a:t>
+              <a:t>3/13/2020</a:t>
             </a:fld>
             <a:endParaRPr lang="en-US" dirty="0"/>
           </a:p>
@@ -6428,7 +6946,7 @@
           <a:lstStyle/>
           <a:p>
             <a:r>
-              <a:rPr lang="fr-FR" sz="7200" dirty="0" smtClean="0"/>
+              <a:rPr lang="fr-FR" sz="7200" dirty="0"/>
               <a:t>ISIMA : Projet deuxième année</a:t>
             </a:r>
             <a:endParaRPr lang="de-DE" sz="7200" dirty="0"/>
@@ -6456,7 +6974,7 @@
           <a:lstStyle/>
           <a:p>
             <a:r>
-              <a:rPr lang="fr-FR" dirty="0" smtClean="0"/>
+              <a:rPr lang="fr-FR" dirty="0"/>
               <a:t>Logiciel de gestion de patrimoine immobilier</a:t>
             </a:r>
             <a:endParaRPr lang="de-DE" dirty="0"/>
@@ -6487,24 +7005,15 @@
           <a:p>
             <a:pPr algn="r"/>
             <a:r>
-              <a:rPr lang="fr-FR" sz="2000" dirty="0" smtClean="0"/>
-              <a:t>Sylvain </a:t>
-            </a:r>
-            <a:r>
-              <a:rPr lang="fr-FR" sz="2000" dirty="0" err="1" smtClean="0"/>
-              <a:t>Bessonneau</a:t>
-            </a:r>
-            <a:endParaRPr lang="fr-FR" sz="2000" dirty="0" smtClean="0"/>
+              <a:rPr lang="fr-FR" sz="2000" dirty="0"/>
+              <a:t>Sylvain BESSONNEAU</a:t>
+            </a:r>
           </a:p>
           <a:p>
             <a:pPr algn="r"/>
             <a:r>
-              <a:rPr lang="fr-FR" sz="2000" dirty="0" smtClean="0"/>
-              <a:t>Clément </a:t>
-            </a:r>
-            <a:r>
-              <a:rPr lang="fr-FR" sz="2000" dirty="0" err="1" smtClean="0"/>
-              <a:t>Dif</a:t>
+              <a:rPr lang="fr-FR" sz="2000" dirty="0"/>
+              <a:t>Clément DIF</a:t>
             </a:r>
             <a:endParaRPr lang="de-DE" sz="2000" dirty="0"/>
           </a:p>
@@ -6533,12 +7042,8 @@
           <a:lstStyle/>
           <a:p>
             <a:r>
-              <a:rPr lang="fr-FR" dirty="0" smtClean="0"/>
-              <a:t>Tutrice de projet </a:t>
-            </a:r>
-            <a:r>
               <a:rPr lang="fr-FR" dirty="0"/>
-              <a:t>: </a:t>
+              <a:t>Tutrice de projet : </a:t>
             </a:r>
             <a:r>
               <a:rPr lang="fr-FR" dirty="0" err="1"/>
@@ -6546,11 +7051,7 @@
             </a:r>
             <a:r>
               <a:rPr lang="fr-FR" dirty="0"/>
-              <a:t>-Ah </a:t>
-            </a:r>
-            <a:r>
-              <a:rPr lang="fr-FR" dirty="0" smtClean="0"/>
-              <a:t>Kang													Le mercredi 18 mars 2020</a:t>
+              <a:t>-Ah Kang													Le mercredi 18 mars 2020</a:t>
             </a:r>
             <a:endParaRPr lang="de-DE" dirty="0"/>
           </a:p>
@@ -6566,13 +7067,674 @@
   <p:clrMapOvr>
     <a:masterClrMapping/>
   </p:clrMapOvr>
-  <p:timing>
-    <p:tnLst>
-      <p:par>
-        <p:cTn id="1" dur="indefinite" restart="never" nodeType="tmRoot"/>
-      </p:par>
-    </p:tnLst>
-  </p:timing>
+</p:sld>
+</file>
+
+<file path=ppt/slides/slide10.xml><?xml version="1.0" encoding="utf-8"?>
+<p:sld xmlns:a="http://schemas.openxmlformats.org/drawingml/2006/main" xmlns:r="http://schemas.openxmlformats.org/officeDocument/2006/relationships" xmlns:p="http://schemas.openxmlformats.org/presentationml/2006/main">
+  <p:cSld>
+    <p:spTree>
+      <p:nvGrpSpPr>
+        <p:cNvPr id="1" name=""/>
+        <p:cNvGrpSpPr/>
+        <p:nvPr/>
+      </p:nvGrpSpPr>
+      <p:grpSpPr>
+        <a:xfrm>
+          <a:off x="0" y="0"/>
+          <a:ext cx="0" cy="0"/>
+          <a:chOff x="0" y="0"/>
+          <a:chExt cx="0" cy="0"/>
+        </a:xfrm>
+      </p:grpSpPr>
+      <p:sp>
+        <p:nvSpPr>
+          <p:cNvPr id="2" name="Titre 1"/>
+          <p:cNvSpPr>
+            <a:spLocks noGrp="1"/>
+          </p:cNvSpPr>
+          <p:nvPr>
+            <p:ph type="title"/>
+          </p:nvPr>
+        </p:nvSpPr>
+        <p:spPr>
+          <a:xfrm>
+            <a:off x="838200" y="243205"/>
+            <a:ext cx="10515600" cy="1325563"/>
+          </a:xfrm>
+        </p:spPr>
+        <p:txBody>
+          <a:bodyPr/>
+          <a:lstStyle/>
+          <a:p>
+            <a:r>
+              <a:rPr lang="fr-FR" dirty="0"/>
+              <a:t>Analyse de l’interface</a:t>
+            </a:r>
+            <a:endParaRPr lang="de-DE" dirty="0"/>
+          </a:p>
+        </p:txBody>
+      </p:sp>
+      <p:sp>
+        <p:nvSpPr>
+          <p:cNvPr id="8" name="Espace réservé du contenu 7"/>
+          <p:cNvSpPr>
+            <a:spLocks noGrp="1"/>
+          </p:cNvSpPr>
+          <p:nvPr>
+            <p:ph idx="1"/>
+          </p:nvPr>
+        </p:nvSpPr>
+        <p:spPr>
+          <a:xfrm>
+            <a:off x="838200" y="1802680"/>
+            <a:ext cx="10515600" cy="807356"/>
+          </a:xfrm>
+        </p:spPr>
+        <p:txBody>
+          <a:bodyPr>
+            <a:normAutofit/>
+          </a:bodyPr>
+          <a:lstStyle/>
+          <a:p>
+            <a:pPr indent="-540000">
+              <a:buFont typeface="Wingdings" panose="05000000000000000000" pitchFamily="2" charset="2"/>
+              <a:buChar char="Ø"/>
+            </a:pPr>
+            <a:r>
+              <a:rPr lang="fr-FR" dirty="0"/>
+              <a:t>Côté frontend =&gt; ce que l’utilisateur voit</a:t>
+            </a:r>
+          </a:p>
+        </p:txBody>
+      </p:sp>
+      <p:sp>
+        <p:nvSpPr>
+          <p:cNvPr id="5" name="Espace réservé du numéro de diapositive 4"/>
+          <p:cNvSpPr>
+            <a:spLocks noGrp="1"/>
+          </p:cNvSpPr>
+          <p:nvPr>
+            <p:ph type="sldNum" sz="quarter" idx="12"/>
+          </p:nvPr>
+        </p:nvSpPr>
+        <p:spPr/>
+        <p:txBody>
+          <a:bodyPr/>
+          <a:lstStyle/>
+          <a:p>
+            <a:fld id="{6D22F896-40B5-4ADD-8801-0D06FADFA095}" type="slidenum">
+              <a:rPr lang="en-US" sz="1600" smtClean="0"/>
+              <a:pPr/>
+              <a:t>10</a:t>
+            </a:fld>
+            <a:endParaRPr lang="en-US" sz="1600" dirty="0"/>
+          </a:p>
+        </p:txBody>
+      </p:sp>
+      <p:pic>
+        <p:nvPicPr>
+          <p:cNvPr id="6" name="Image 5">
+            <a:extLst>
+              <a:ext uri="{FF2B5EF4-FFF2-40B4-BE49-F238E27FC236}">
+                <a16:creationId xmlns:a16="http://schemas.microsoft.com/office/drawing/2014/main" id="{8162DC9D-AE7B-480C-A312-D0E76BC12A04}"/>
+              </a:ext>
+            </a:extLst>
+          </p:cNvPr>
+          <p:cNvPicPr>
+            <a:picLocks noChangeAspect="1"/>
+          </p:cNvPicPr>
+          <p:nvPr/>
+        </p:nvPicPr>
+        <p:blipFill>
+          <a:blip r:embed="rId3"/>
+          <a:stretch>
+            <a:fillRect/>
+          </a:stretch>
+        </p:blipFill>
+        <p:spPr>
+          <a:xfrm>
+            <a:off x="2151072" y="2610036"/>
+            <a:ext cx="7028437" cy="3953496"/>
+          </a:xfrm>
+          <a:prstGeom prst="rect">
+            <a:avLst/>
+          </a:prstGeom>
+        </p:spPr>
+      </p:pic>
+      <p:pic>
+        <p:nvPicPr>
+          <p:cNvPr id="9" name="Image 8">
+            <a:extLst>
+              <a:ext uri="{FF2B5EF4-FFF2-40B4-BE49-F238E27FC236}">
+                <a16:creationId xmlns:a16="http://schemas.microsoft.com/office/drawing/2014/main" id="{6B8D641A-665B-490C-88E3-7E06FAFA2B28}"/>
+              </a:ext>
+            </a:extLst>
+          </p:cNvPr>
+          <p:cNvPicPr>
+            <a:picLocks noChangeAspect="1"/>
+          </p:cNvPicPr>
+          <p:nvPr/>
+        </p:nvPicPr>
+        <p:blipFill>
+          <a:blip r:embed="rId4"/>
+          <a:stretch>
+            <a:fillRect/>
+          </a:stretch>
+        </p:blipFill>
+        <p:spPr>
+          <a:xfrm>
+            <a:off x="9481352" y="398343"/>
+            <a:ext cx="1872448" cy="1404336"/>
+          </a:xfrm>
+          <a:prstGeom prst="rect">
+            <a:avLst/>
+          </a:prstGeom>
+        </p:spPr>
+      </p:pic>
+    </p:spTree>
+    <p:extLst>
+      <p:ext uri="{BB962C8B-B14F-4D97-AF65-F5344CB8AC3E}">
+        <p14:creationId xmlns:p14="http://schemas.microsoft.com/office/powerpoint/2010/main" val="340124513"/>
+      </p:ext>
+    </p:extLst>
+  </p:cSld>
+  <p:clrMapOvr>
+    <a:masterClrMapping/>
+  </p:clrMapOvr>
+</p:sld>
+</file>
+
+<file path=ppt/slides/slide11.xml><?xml version="1.0" encoding="utf-8"?>
+<p:sld xmlns:a="http://schemas.openxmlformats.org/drawingml/2006/main" xmlns:r="http://schemas.openxmlformats.org/officeDocument/2006/relationships" xmlns:p="http://schemas.openxmlformats.org/presentationml/2006/main">
+  <p:cSld>
+    <p:spTree>
+      <p:nvGrpSpPr>
+        <p:cNvPr id="1" name=""/>
+        <p:cNvGrpSpPr/>
+        <p:nvPr/>
+      </p:nvGrpSpPr>
+      <p:grpSpPr>
+        <a:xfrm>
+          <a:off x="0" y="0"/>
+          <a:ext cx="0" cy="0"/>
+          <a:chOff x="0" y="0"/>
+          <a:chExt cx="0" cy="0"/>
+        </a:xfrm>
+      </p:grpSpPr>
+      <p:sp>
+        <p:nvSpPr>
+          <p:cNvPr id="2" name="Titre 1"/>
+          <p:cNvSpPr>
+            <a:spLocks noGrp="1"/>
+          </p:cNvSpPr>
+          <p:nvPr>
+            <p:ph type="ctrTitle"/>
+          </p:nvPr>
+        </p:nvSpPr>
+        <p:spPr>
+          <a:xfrm>
+            <a:off x="838200" y="2827914"/>
+            <a:ext cx="9144000" cy="1641490"/>
+          </a:xfrm>
+        </p:spPr>
+        <p:txBody>
+          <a:bodyPr>
+            <a:noAutofit/>
+          </a:bodyPr>
+          <a:lstStyle/>
+          <a:p>
+            <a:r>
+              <a:rPr lang="fr-FR" sz="6600" dirty="0"/>
+              <a:t>Résultats et perspectives</a:t>
+            </a:r>
+            <a:br>
+              <a:rPr lang="fr-FR" sz="6600" dirty="0"/>
+            </a:br>
+            <a:endParaRPr lang="de-DE" sz="6600" dirty="0"/>
+          </a:p>
+        </p:txBody>
+      </p:sp>
+      <p:sp>
+        <p:nvSpPr>
+          <p:cNvPr id="3" name="Sous-titre 2"/>
+          <p:cNvSpPr>
+            <a:spLocks noGrp="1"/>
+          </p:cNvSpPr>
+          <p:nvPr>
+            <p:ph type="subTitle" idx="1"/>
+          </p:nvPr>
+        </p:nvSpPr>
+        <p:spPr>
+          <a:xfrm>
+            <a:off x="854532" y="4625492"/>
+            <a:ext cx="9144000" cy="754025"/>
+          </a:xfrm>
+        </p:spPr>
+        <p:txBody>
+          <a:bodyPr/>
+          <a:lstStyle/>
+          <a:p>
+            <a:r>
+              <a:rPr lang="fr-FR" dirty="0"/>
+              <a:t>Aller toujours plus loin</a:t>
+            </a:r>
+          </a:p>
+        </p:txBody>
+      </p:sp>
+      <p:sp>
+        <p:nvSpPr>
+          <p:cNvPr id="4" name="Espace réservé du numéro de diapositive 3"/>
+          <p:cNvSpPr>
+            <a:spLocks noGrp="1"/>
+          </p:cNvSpPr>
+          <p:nvPr>
+            <p:ph type="sldNum" sz="quarter" idx="12"/>
+          </p:nvPr>
+        </p:nvSpPr>
+        <p:spPr/>
+        <p:txBody>
+          <a:bodyPr/>
+          <a:lstStyle/>
+          <a:p>
+            <a:fld id="{6D22F896-40B5-4ADD-8801-0D06FADFA095}" type="slidenum">
+              <a:rPr lang="en-US" sz="1600" smtClean="0"/>
+              <a:t>11</a:t>
+            </a:fld>
+            <a:endParaRPr lang="en-US" sz="1600" dirty="0"/>
+          </a:p>
+        </p:txBody>
+      </p:sp>
+    </p:spTree>
+    <p:extLst>
+      <p:ext uri="{BB962C8B-B14F-4D97-AF65-F5344CB8AC3E}">
+        <p14:creationId xmlns:p14="http://schemas.microsoft.com/office/powerpoint/2010/main" val="16220091"/>
+      </p:ext>
+    </p:extLst>
+  </p:cSld>
+  <p:clrMapOvr>
+    <a:masterClrMapping/>
+  </p:clrMapOvr>
+</p:sld>
+</file>
+
+<file path=ppt/slides/slide12.xml><?xml version="1.0" encoding="utf-8"?>
+<p:sld xmlns:a="http://schemas.openxmlformats.org/drawingml/2006/main" xmlns:r="http://schemas.openxmlformats.org/officeDocument/2006/relationships" xmlns:p="http://schemas.openxmlformats.org/presentationml/2006/main">
+  <p:cSld>
+    <p:spTree>
+      <p:nvGrpSpPr>
+        <p:cNvPr id="1" name=""/>
+        <p:cNvGrpSpPr/>
+        <p:nvPr/>
+      </p:nvGrpSpPr>
+      <p:grpSpPr>
+        <a:xfrm>
+          <a:off x="0" y="0"/>
+          <a:ext cx="0" cy="0"/>
+          <a:chOff x="0" y="0"/>
+          <a:chExt cx="0" cy="0"/>
+        </a:xfrm>
+      </p:grpSpPr>
+      <p:sp>
+        <p:nvSpPr>
+          <p:cNvPr id="2" name="Titre 1"/>
+          <p:cNvSpPr>
+            <a:spLocks noGrp="1"/>
+          </p:cNvSpPr>
+          <p:nvPr>
+            <p:ph type="title"/>
+          </p:nvPr>
+        </p:nvSpPr>
+        <p:spPr>
+          <a:xfrm>
+            <a:off x="3155272" y="2569155"/>
+            <a:ext cx="10515600" cy="1325563"/>
+          </a:xfrm>
+        </p:spPr>
+        <p:txBody>
+          <a:bodyPr>
+            <a:normAutofit/>
+          </a:bodyPr>
+          <a:lstStyle/>
+          <a:p>
+            <a:r>
+              <a:rPr lang="fr-FR" dirty="0"/>
+              <a:t>Démonstration</a:t>
+            </a:r>
+            <a:endParaRPr lang="de-DE" dirty="0"/>
+          </a:p>
+        </p:txBody>
+      </p:sp>
+      <p:sp>
+        <p:nvSpPr>
+          <p:cNvPr id="5" name="Espace réservé du numéro de diapositive 4"/>
+          <p:cNvSpPr>
+            <a:spLocks noGrp="1"/>
+          </p:cNvSpPr>
+          <p:nvPr>
+            <p:ph type="sldNum" sz="quarter" idx="12"/>
+          </p:nvPr>
+        </p:nvSpPr>
+        <p:spPr/>
+        <p:txBody>
+          <a:bodyPr/>
+          <a:lstStyle/>
+          <a:p>
+            <a:fld id="{6D22F896-40B5-4ADD-8801-0D06FADFA095}" type="slidenum">
+              <a:rPr lang="en-US" sz="1600" smtClean="0"/>
+              <a:pPr/>
+              <a:t>12</a:t>
+            </a:fld>
+            <a:endParaRPr lang="en-US" sz="1600" dirty="0"/>
+          </a:p>
+        </p:txBody>
+      </p:sp>
+    </p:spTree>
+    <p:extLst>
+      <p:ext uri="{BB962C8B-B14F-4D97-AF65-F5344CB8AC3E}">
+        <p14:creationId xmlns:p14="http://schemas.microsoft.com/office/powerpoint/2010/main" val="4101031060"/>
+      </p:ext>
+    </p:extLst>
+  </p:cSld>
+  <p:clrMapOvr>
+    <a:masterClrMapping/>
+  </p:clrMapOvr>
+</p:sld>
+</file>
+
+<file path=ppt/slides/slide13.xml><?xml version="1.0" encoding="utf-8"?>
+<p:sld xmlns:a="http://schemas.openxmlformats.org/drawingml/2006/main" xmlns:r="http://schemas.openxmlformats.org/officeDocument/2006/relationships" xmlns:p="http://schemas.openxmlformats.org/presentationml/2006/main">
+  <p:cSld>
+    <p:spTree>
+      <p:nvGrpSpPr>
+        <p:cNvPr id="1" name=""/>
+        <p:cNvGrpSpPr/>
+        <p:nvPr/>
+      </p:nvGrpSpPr>
+      <p:grpSpPr>
+        <a:xfrm>
+          <a:off x="0" y="0"/>
+          <a:ext cx="0" cy="0"/>
+          <a:chOff x="0" y="0"/>
+          <a:chExt cx="0" cy="0"/>
+        </a:xfrm>
+      </p:grpSpPr>
+      <p:sp>
+        <p:nvSpPr>
+          <p:cNvPr id="2" name="Titre 1"/>
+          <p:cNvSpPr>
+            <a:spLocks noGrp="1"/>
+          </p:cNvSpPr>
+          <p:nvPr>
+            <p:ph type="title"/>
+          </p:nvPr>
+        </p:nvSpPr>
+        <p:spPr>
+          <a:xfrm>
+            <a:off x="838200" y="243205"/>
+            <a:ext cx="10515600" cy="1325563"/>
+          </a:xfrm>
+        </p:spPr>
+        <p:txBody>
+          <a:bodyPr>
+            <a:normAutofit/>
+          </a:bodyPr>
+          <a:lstStyle/>
+          <a:p>
+            <a:r>
+              <a:rPr lang="fr-FR" dirty="0"/>
+              <a:t>Ambitions d’amélioration</a:t>
+            </a:r>
+            <a:endParaRPr lang="de-DE" dirty="0"/>
+          </a:p>
+        </p:txBody>
+      </p:sp>
+      <p:sp>
+        <p:nvSpPr>
+          <p:cNvPr id="8" name="Espace réservé du contenu 7"/>
+          <p:cNvSpPr>
+            <a:spLocks noGrp="1"/>
+          </p:cNvSpPr>
+          <p:nvPr>
+            <p:ph idx="1"/>
+          </p:nvPr>
+        </p:nvSpPr>
+        <p:spPr>
+          <a:xfrm>
+            <a:off x="838200" y="1802679"/>
+            <a:ext cx="10515600" cy="2884731"/>
+          </a:xfrm>
+        </p:spPr>
+        <p:txBody>
+          <a:bodyPr>
+            <a:normAutofit/>
+          </a:bodyPr>
+          <a:lstStyle/>
+          <a:p>
+            <a:pPr indent="-540000">
+              <a:buFont typeface="Wingdings" panose="05000000000000000000" pitchFamily="2" charset="2"/>
+              <a:buChar char="Ø"/>
+            </a:pPr>
+            <a:r>
+              <a:rPr lang="fr-FR" dirty="0"/>
+              <a:t>Module interactif pour les inventaires</a:t>
+            </a:r>
+          </a:p>
+          <a:p>
+            <a:pPr indent="-540000">
+              <a:buFont typeface="Wingdings" panose="05000000000000000000" pitchFamily="2" charset="2"/>
+              <a:buChar char="Ø"/>
+            </a:pPr>
+            <a:r>
+              <a:rPr lang="fr-FR" dirty="0"/>
+              <a:t>Envoi de mails</a:t>
+            </a:r>
+          </a:p>
+          <a:p>
+            <a:pPr indent="-540000">
+              <a:buFont typeface="Wingdings" panose="05000000000000000000" pitchFamily="2" charset="2"/>
+              <a:buChar char="Ø"/>
+            </a:pPr>
+            <a:r>
+              <a:rPr lang="fr-FR" dirty="0" err="1"/>
+              <a:t>Jhipster</a:t>
+            </a:r>
+            <a:endParaRPr lang="fr-FR" dirty="0"/>
+          </a:p>
+          <a:p>
+            <a:pPr indent="-540000">
+              <a:buFont typeface="Wingdings" panose="05000000000000000000" pitchFamily="2" charset="2"/>
+              <a:buChar char="Ø"/>
+            </a:pPr>
+            <a:r>
+              <a:rPr lang="fr-FR" dirty="0"/>
+              <a:t>…..</a:t>
+            </a:r>
+          </a:p>
+          <a:p>
+            <a:pPr indent="-540000">
+              <a:buFont typeface="Wingdings" panose="05000000000000000000" pitchFamily="2" charset="2"/>
+              <a:buChar char="Ø"/>
+            </a:pPr>
+            <a:endParaRPr lang="fr-FR" dirty="0"/>
+          </a:p>
+        </p:txBody>
+      </p:sp>
+      <p:sp>
+        <p:nvSpPr>
+          <p:cNvPr id="5" name="Espace réservé du numéro de diapositive 4"/>
+          <p:cNvSpPr>
+            <a:spLocks noGrp="1"/>
+          </p:cNvSpPr>
+          <p:nvPr>
+            <p:ph type="sldNum" sz="quarter" idx="12"/>
+          </p:nvPr>
+        </p:nvSpPr>
+        <p:spPr/>
+        <p:txBody>
+          <a:bodyPr/>
+          <a:lstStyle/>
+          <a:p>
+            <a:fld id="{6D22F896-40B5-4ADD-8801-0D06FADFA095}" type="slidenum">
+              <a:rPr lang="en-US" sz="1600" smtClean="0"/>
+              <a:pPr/>
+              <a:t>13</a:t>
+            </a:fld>
+            <a:endParaRPr lang="en-US" sz="1600" dirty="0"/>
+          </a:p>
+        </p:txBody>
+      </p:sp>
+      <p:pic>
+        <p:nvPicPr>
+          <p:cNvPr id="4" name="Image 3">
+            <a:extLst>
+              <a:ext uri="{FF2B5EF4-FFF2-40B4-BE49-F238E27FC236}">
+                <a16:creationId xmlns:a16="http://schemas.microsoft.com/office/drawing/2014/main" id="{6A3BBC42-B7D2-4365-86CC-B13E10709891}"/>
+              </a:ext>
+            </a:extLst>
+          </p:cNvPr>
+          <p:cNvPicPr>
+            <a:picLocks noChangeAspect="1"/>
+          </p:cNvPicPr>
+          <p:nvPr/>
+        </p:nvPicPr>
+        <p:blipFill>
+          <a:blip r:embed="rId3"/>
+          <a:stretch>
+            <a:fillRect/>
+          </a:stretch>
+        </p:blipFill>
+        <p:spPr>
+          <a:xfrm>
+            <a:off x="8319971" y="3290376"/>
+            <a:ext cx="2457520" cy="1630945"/>
+          </a:xfrm>
+          <a:prstGeom prst="rect">
+            <a:avLst/>
+          </a:prstGeom>
+        </p:spPr>
+      </p:pic>
+      <p:pic>
+        <p:nvPicPr>
+          <p:cNvPr id="9" name="Image 8">
+            <a:extLst>
+              <a:ext uri="{FF2B5EF4-FFF2-40B4-BE49-F238E27FC236}">
+                <a16:creationId xmlns:a16="http://schemas.microsoft.com/office/drawing/2014/main" id="{57E29A5C-C6CE-4DB8-B228-326E848D35CC}"/>
+              </a:ext>
+            </a:extLst>
+          </p:cNvPr>
+          <p:cNvPicPr>
+            <a:picLocks noChangeAspect="1"/>
+          </p:cNvPicPr>
+          <p:nvPr/>
+        </p:nvPicPr>
+        <p:blipFill>
+          <a:blip r:embed="rId4"/>
+          <a:stretch>
+            <a:fillRect/>
+          </a:stretch>
+        </p:blipFill>
+        <p:spPr>
+          <a:xfrm>
+            <a:off x="3449841" y="4773720"/>
+            <a:ext cx="1752473" cy="1584973"/>
+          </a:xfrm>
+          <a:prstGeom prst="rect">
+            <a:avLst/>
+          </a:prstGeom>
+        </p:spPr>
+      </p:pic>
+    </p:spTree>
+    <p:extLst>
+      <p:ext uri="{BB962C8B-B14F-4D97-AF65-F5344CB8AC3E}">
+        <p14:creationId xmlns:p14="http://schemas.microsoft.com/office/powerpoint/2010/main" val="277527853"/>
+      </p:ext>
+    </p:extLst>
+  </p:cSld>
+  <p:clrMapOvr>
+    <a:masterClrMapping/>
+  </p:clrMapOvr>
+</p:sld>
+</file>
+
+<file path=ppt/slides/slide14.xml><?xml version="1.0" encoding="utf-8"?>
+<p:sld xmlns:a="http://schemas.openxmlformats.org/drawingml/2006/main" xmlns:r="http://schemas.openxmlformats.org/officeDocument/2006/relationships" xmlns:p="http://schemas.openxmlformats.org/presentationml/2006/main">
+  <p:cSld>
+    <p:spTree>
+      <p:nvGrpSpPr>
+        <p:cNvPr id="1" name=""/>
+        <p:cNvGrpSpPr/>
+        <p:nvPr/>
+      </p:nvGrpSpPr>
+      <p:grpSpPr>
+        <a:xfrm>
+          <a:off x="0" y="0"/>
+          <a:ext cx="0" cy="0"/>
+          <a:chOff x="0" y="0"/>
+          <a:chExt cx="0" cy="0"/>
+        </a:xfrm>
+      </p:grpSpPr>
+      <p:sp>
+        <p:nvSpPr>
+          <p:cNvPr id="2" name="Titre 1"/>
+          <p:cNvSpPr>
+            <a:spLocks noGrp="1"/>
+          </p:cNvSpPr>
+          <p:nvPr>
+            <p:ph type="ctrTitle"/>
+          </p:nvPr>
+        </p:nvSpPr>
+        <p:spPr>
+          <a:xfrm>
+            <a:off x="854532" y="3349326"/>
+            <a:ext cx="9144000" cy="1641490"/>
+          </a:xfrm>
+        </p:spPr>
+        <p:txBody>
+          <a:bodyPr/>
+          <a:lstStyle/>
+          <a:p>
+            <a:r>
+              <a:rPr lang="fr-FR" dirty="0"/>
+              <a:t>Conclusion</a:t>
+            </a:r>
+            <a:endParaRPr lang="de-DE" dirty="0"/>
+          </a:p>
+        </p:txBody>
+      </p:sp>
+      <p:sp>
+        <p:nvSpPr>
+          <p:cNvPr id="4" name="Espace réservé du numéro de diapositive 3"/>
+          <p:cNvSpPr>
+            <a:spLocks noGrp="1"/>
+          </p:cNvSpPr>
+          <p:nvPr>
+            <p:ph type="sldNum" sz="quarter" idx="12"/>
+          </p:nvPr>
+        </p:nvSpPr>
+        <p:spPr/>
+        <p:txBody>
+          <a:bodyPr/>
+          <a:lstStyle/>
+          <a:p>
+            <a:fld id="{6D22F896-40B5-4ADD-8801-0D06FADFA095}" type="slidenum">
+              <a:rPr lang="en-US" sz="1600" smtClean="0"/>
+              <a:t>14</a:t>
+            </a:fld>
+            <a:endParaRPr lang="en-US" sz="1600" dirty="0"/>
+          </a:p>
+        </p:txBody>
+      </p:sp>
+    </p:spTree>
+    <p:extLst>
+      <p:ext uri="{BB962C8B-B14F-4D97-AF65-F5344CB8AC3E}">
+        <p14:creationId xmlns:p14="http://schemas.microsoft.com/office/powerpoint/2010/main" val="1486653172"/>
+      </p:ext>
+    </p:extLst>
+  </p:cSld>
+  <p:clrMapOvr>
+    <a:masterClrMapping/>
+  </p:clrMapOvr>
 </p:sld>
 </file>
 
@@ -6614,7 +7776,7 @@
           <a:lstStyle/>
           <a:p>
             <a:r>
-              <a:rPr lang="fr-FR" dirty="0" smtClean="0"/>
+              <a:rPr lang="fr-FR" dirty="0"/>
               <a:t>Sommaire</a:t>
             </a:r>
             <a:endParaRPr lang="de-DE" dirty="0"/>
@@ -6648,7 +7810,7 @@
               <a:buAutoNum type="romanUcPeriod"/>
             </a:pPr>
             <a:r>
-              <a:rPr lang="fr-FR" dirty="0" smtClean="0"/>
+              <a:rPr lang="fr-FR" dirty="0"/>
               <a:t>Introduction</a:t>
             </a:r>
           </a:p>
@@ -6658,10 +7820,9 @@
               <a:buAutoNum type="arabicPeriod"/>
             </a:pPr>
             <a:r>
-              <a:rPr lang="fr-FR" dirty="0" smtClean="0"/>
+              <a:rPr lang="fr-FR" dirty="0"/>
               <a:t>Contexte du client</a:t>
             </a:r>
-            <a:endParaRPr lang="fr-FR" dirty="0"/>
           </a:p>
           <a:p>
             <a:pPr marL="1028700" lvl="1" indent="-571500">
@@ -6669,7 +7830,7 @@
               <a:buAutoNum type="arabicPeriod"/>
             </a:pPr>
             <a:r>
-              <a:rPr lang="fr-FR" dirty="0" smtClean="0"/>
+              <a:rPr lang="fr-FR" dirty="0"/>
               <a:t>Fonctionnalités exigées</a:t>
             </a:r>
           </a:p>
@@ -6679,7 +7840,7 @@
               <a:buAutoNum type="romanUcPeriod"/>
             </a:pPr>
             <a:r>
-              <a:rPr lang="fr-FR" dirty="0" smtClean="0"/>
+              <a:rPr lang="fr-FR" dirty="0"/>
               <a:t>Etude fonctionnelle et technique de la solution</a:t>
             </a:r>
           </a:p>
@@ -6689,7 +7850,7 @@
               <a:buAutoNum type="arabicPeriod"/>
             </a:pPr>
             <a:r>
-              <a:rPr lang="fr-FR" dirty="0" smtClean="0"/>
+              <a:rPr lang="fr-FR" dirty="0"/>
               <a:t>Technologies utilisées</a:t>
             </a:r>
           </a:p>
@@ -6699,7 +7860,7 @@
               <a:buAutoNum type="arabicPeriod"/>
             </a:pPr>
             <a:r>
-              <a:rPr lang="fr-FR" dirty="0" smtClean="0"/>
+              <a:rPr lang="fr-FR" dirty="0"/>
               <a:t>Architecture logicielle</a:t>
             </a:r>
           </a:p>
@@ -6709,7 +7870,7 @@
               <a:buAutoNum type="arabicPeriod"/>
             </a:pPr>
             <a:r>
-              <a:rPr lang="fr-FR" dirty="0" smtClean="0"/>
+              <a:rPr lang="fr-FR" dirty="0"/>
               <a:t>Aspect fonctionnel</a:t>
             </a:r>
           </a:p>
@@ -6719,7 +7880,7 @@
               <a:buAutoNum type="arabicPeriod"/>
             </a:pPr>
             <a:r>
-              <a:rPr lang="fr-FR" dirty="0" smtClean="0"/>
+              <a:rPr lang="fr-FR" dirty="0"/>
               <a:t>Analyse de l’interface</a:t>
             </a:r>
           </a:p>
@@ -6729,10 +7890,9 @@
               <a:buAutoNum type="romanUcPeriod"/>
             </a:pPr>
             <a:r>
-              <a:rPr lang="fr-FR" dirty="0" smtClean="0"/>
+              <a:rPr lang="fr-FR" dirty="0"/>
               <a:t>Résultats et perspectives</a:t>
             </a:r>
-            <a:endParaRPr lang="fr-FR" dirty="0"/>
           </a:p>
           <a:p>
             <a:pPr marL="1028700" lvl="1" indent="-571500">
@@ -6740,10 +7900,9 @@
               <a:buAutoNum type="arabicPeriod"/>
             </a:pPr>
             <a:r>
-              <a:rPr lang="fr-FR" dirty="0" smtClean="0"/>
+              <a:rPr lang="fr-FR" dirty="0"/>
               <a:t>Démonstration</a:t>
             </a:r>
-            <a:endParaRPr lang="fr-FR" dirty="0"/>
           </a:p>
           <a:p>
             <a:pPr marL="1028700" lvl="1" indent="-571500">
@@ -6751,10 +7910,9 @@
               <a:buAutoNum type="arabicPeriod"/>
             </a:pPr>
             <a:r>
-              <a:rPr lang="fr-FR" dirty="0" smtClean="0"/>
+              <a:rPr lang="fr-FR" dirty="0"/>
               <a:t>Ambitions d’amélioration</a:t>
             </a:r>
-            <a:endParaRPr lang="fr-FR" dirty="0"/>
           </a:p>
           <a:p>
             <a:pPr marL="571500" lvl="0" indent="-571500">
@@ -6762,7 +7920,7 @@
               <a:buAutoNum type="romanUcPeriod"/>
             </a:pPr>
             <a:r>
-              <a:rPr lang="fr-FR" dirty="0" smtClean="0">
+              <a:rPr lang="fr-FR" dirty="0">
                 <a:gradFill>
                   <a:gsLst>
                     <a:gs pos="34000">
@@ -6788,7 +7946,7 @@
               </a:rPr>
               <a:t>Conclusion</a:t>
             </a:r>
-            <a:endParaRPr lang="fr-FR" dirty="0" smtClean="0"/>
+            <a:endParaRPr lang="fr-FR" dirty="0"/>
           </a:p>
           <a:p>
             <a:pPr marL="1028700" lvl="1" indent="-571500">
@@ -6802,7 +7960,7 @@
               <a:buFont typeface="+mj-lt"/>
               <a:buAutoNum type="arabicPeriod"/>
             </a:pPr>
-            <a:endParaRPr lang="fr-FR" dirty="0" smtClean="0"/>
+            <a:endParaRPr lang="fr-FR" dirty="0"/>
           </a:p>
           <a:p>
             <a:pPr marL="1028700" lvl="1" indent="-571500">
@@ -6847,13 +8005,6 @@
   <p:clrMapOvr>
     <a:masterClrMapping/>
   </p:clrMapOvr>
-  <p:timing>
-    <p:tnLst>
-      <p:par>
-        <p:cTn id="1" dur="indefinite" restart="never" nodeType="tmRoot"/>
-      </p:par>
-    </p:tnLst>
-  </p:timing>
 </p:sld>
 </file>
 
@@ -6895,7 +8046,7 @@
           <a:lstStyle/>
           <a:p>
             <a:r>
-              <a:rPr lang="fr-FR" dirty="0" smtClean="0"/>
+              <a:rPr lang="fr-FR" dirty="0"/>
               <a:t>Introduction</a:t>
             </a:r>
             <a:endParaRPr lang="de-DE" dirty="0"/>
@@ -6923,7 +8074,7 @@
           <a:lstStyle/>
           <a:p>
             <a:r>
-              <a:rPr lang="fr-FR" dirty="0" smtClean="0"/>
+              <a:rPr lang="fr-FR" dirty="0"/>
               <a:t>Rappel des objectifs et des exigences du projet</a:t>
             </a:r>
             <a:endParaRPr lang="de-DE" dirty="0"/>
@@ -6946,10 +8097,10 @@
           <a:lstStyle/>
           <a:p>
             <a:fld id="{6D22F896-40B5-4ADD-8801-0D06FADFA095}" type="slidenum">
-              <a:rPr lang="en-US" smtClean="0"/>
+              <a:rPr lang="en-US" sz="1600" smtClean="0"/>
               <a:t>3</a:t>
             </a:fld>
-            <a:endParaRPr lang="en-US" dirty="0"/>
+            <a:endParaRPr lang="en-US" sz="1600" dirty="0"/>
           </a:p>
         </p:txBody>
       </p:sp>
@@ -6963,13 +8114,6 @@
   <p:clrMapOvr>
     <a:masterClrMapping/>
   </p:clrMapOvr>
-  <p:timing>
-    <p:tnLst>
-      <p:par>
-        <p:cTn id="1" dur="indefinite" restart="never" nodeType="tmRoot"/>
-      </p:par>
-    </p:tnLst>
-  </p:timing>
 </p:sld>
 </file>
 
@@ -7011,7 +8155,7 @@
           <a:lstStyle/>
           <a:p>
             <a:r>
-              <a:rPr lang="fr-FR" dirty="0" smtClean="0"/>
+              <a:rPr lang="fr-FR" dirty="0"/>
               <a:t>Contexte du client</a:t>
             </a:r>
             <a:endParaRPr lang="de-DE" dirty="0"/>
@@ -7045,7 +8189,7 @@
               <a:buChar char="Ø"/>
             </a:pPr>
             <a:r>
-              <a:rPr lang="fr-FR" dirty="0" smtClean="0"/>
+              <a:rPr lang="fr-FR" dirty="0"/>
               <a:t>Projet réalisé à la demande d’un particulier</a:t>
             </a:r>
           </a:p>
@@ -7055,7 +8199,7 @@
               <a:buChar char="Ø"/>
             </a:pPr>
             <a:r>
-              <a:rPr lang="fr-FR" dirty="0" smtClean="0"/>
+              <a:rPr lang="fr-FR" dirty="0"/>
               <a:t>L’utilisateur final administre un parc d’appartements</a:t>
             </a:r>
           </a:p>
@@ -7065,7 +8209,7 @@
               <a:buChar char="Ø"/>
             </a:pPr>
             <a:r>
-              <a:rPr lang="fr-FR" dirty="0" smtClean="0"/>
+              <a:rPr lang="fr-FR" dirty="0"/>
               <a:t>Nécessité de lui offrir un logiciel afin de faciliter son activité</a:t>
             </a:r>
           </a:p>
@@ -7191,13 +8335,6 @@
   <p:clrMapOvr>
     <a:masterClrMapping/>
   </p:clrMapOvr>
-  <p:timing>
-    <p:tnLst>
-      <p:par>
-        <p:cTn id="1" dur="indefinite" restart="never" nodeType="tmRoot"/>
-      </p:par>
-    </p:tnLst>
-  </p:timing>
 </p:sld>
 </file>
 
@@ -7239,7 +8376,7 @@
           <a:lstStyle/>
           <a:p>
             <a:r>
-              <a:rPr lang="fr-FR" dirty="0" smtClean="0"/>
+              <a:rPr lang="fr-FR" dirty="0"/>
               <a:t>Fonctionnalités exigées</a:t>
             </a:r>
             <a:endParaRPr lang="de-DE" dirty="0"/>
@@ -7273,16 +8410,8 @@
               <a:buChar char="Ø"/>
             </a:pPr>
             <a:r>
-              <a:rPr lang="fr-FR" dirty="0" smtClean="0"/>
-              <a:t>Création et modification de </a:t>
-            </a:r>
-            <a:r>
               <a:rPr lang="fr-FR" dirty="0"/>
-              <a:t>locataires, locaux et contrats de </a:t>
-            </a:r>
-            <a:r>
-              <a:rPr lang="fr-FR" dirty="0" smtClean="0"/>
-              <a:t>location</a:t>
+              <a:t>Création et modification de locataires, locaux et contrats de location</a:t>
             </a:r>
           </a:p>
           <a:p>
@@ -7291,10 +8420,9 @@
               <a:buChar char="Ø"/>
             </a:pPr>
             <a:r>
-              <a:rPr lang="fr-FR" dirty="0" smtClean="0"/>
+              <a:rPr lang="fr-FR" dirty="0"/>
               <a:t>Support de pièces justificatives et de patrons de contrats</a:t>
             </a:r>
-            <a:endParaRPr lang="fr-FR" dirty="0"/>
           </a:p>
           <a:p>
             <a:pPr indent="-540000">
@@ -7303,11 +8431,7 @@
             </a:pPr>
             <a:r>
               <a:rPr lang="fr-FR" dirty="0"/>
-              <a:t>Génération de documents </a:t>
-            </a:r>
-            <a:r>
-              <a:rPr lang="fr-FR" dirty="0" smtClean="0"/>
-              <a:t>automatisée</a:t>
+              <a:t>Génération de documents automatisée</a:t>
             </a:r>
           </a:p>
           <a:p>
@@ -7316,10 +8440,9 @@
               <a:buChar char="Ø"/>
             </a:pPr>
             <a:r>
-              <a:rPr lang="fr-FR" dirty="0" smtClean="0"/>
+              <a:rPr lang="fr-FR" dirty="0"/>
               <a:t>Envoi de courriels automatique</a:t>
             </a:r>
-            <a:endParaRPr lang="fr-FR" dirty="0"/>
           </a:p>
         </p:txBody>
       </p:sp>
@@ -7447,13 +8570,633 @@
   <p:clrMapOvr>
     <a:masterClrMapping/>
   </p:clrMapOvr>
-  <p:timing>
-    <p:tnLst>
-      <p:par>
-        <p:cTn id="1" dur="indefinite" restart="never" nodeType="tmRoot"/>
-      </p:par>
-    </p:tnLst>
-  </p:timing>
+</p:sld>
+</file>
+
+<file path=ppt/slides/slide6.xml><?xml version="1.0" encoding="utf-8"?>
+<p:sld xmlns:a="http://schemas.openxmlformats.org/drawingml/2006/main" xmlns:r="http://schemas.openxmlformats.org/officeDocument/2006/relationships" xmlns:p="http://schemas.openxmlformats.org/presentationml/2006/main">
+  <p:cSld>
+    <p:spTree>
+      <p:nvGrpSpPr>
+        <p:cNvPr id="1" name=""/>
+        <p:cNvGrpSpPr/>
+        <p:nvPr/>
+      </p:nvGrpSpPr>
+      <p:grpSpPr>
+        <a:xfrm>
+          <a:off x="0" y="0"/>
+          <a:ext cx="0" cy="0"/>
+          <a:chOff x="0" y="0"/>
+          <a:chExt cx="0" cy="0"/>
+        </a:xfrm>
+      </p:grpSpPr>
+      <p:sp>
+        <p:nvSpPr>
+          <p:cNvPr id="2" name="Titre 1"/>
+          <p:cNvSpPr>
+            <a:spLocks noGrp="1"/>
+          </p:cNvSpPr>
+          <p:nvPr>
+            <p:ph type="ctrTitle"/>
+          </p:nvPr>
+        </p:nvSpPr>
+        <p:spPr>
+          <a:xfrm>
+            <a:off x="838200" y="2827914"/>
+            <a:ext cx="9144000" cy="1641490"/>
+          </a:xfrm>
+        </p:spPr>
+        <p:txBody>
+          <a:bodyPr>
+            <a:noAutofit/>
+          </a:bodyPr>
+          <a:lstStyle/>
+          <a:p>
+            <a:r>
+              <a:rPr lang="fr-FR" sz="6600" dirty="0"/>
+              <a:t>Etude fonctionnelle et </a:t>
+            </a:r>
+            <a:br>
+              <a:rPr lang="fr-FR" sz="6600" dirty="0"/>
+            </a:br>
+            <a:r>
+              <a:rPr lang="fr-FR" sz="6600" dirty="0"/>
+              <a:t>technique de la solution</a:t>
+            </a:r>
+            <a:br>
+              <a:rPr lang="fr-FR" sz="6600" dirty="0"/>
+            </a:br>
+            <a:endParaRPr lang="de-DE" sz="6600" dirty="0"/>
+          </a:p>
+        </p:txBody>
+      </p:sp>
+      <p:sp>
+        <p:nvSpPr>
+          <p:cNvPr id="3" name="Sous-titre 2"/>
+          <p:cNvSpPr>
+            <a:spLocks noGrp="1"/>
+          </p:cNvSpPr>
+          <p:nvPr>
+            <p:ph type="subTitle" idx="1"/>
+          </p:nvPr>
+        </p:nvSpPr>
+        <p:spPr>
+          <a:xfrm>
+            <a:off x="854532" y="4625492"/>
+            <a:ext cx="9144000" cy="754025"/>
+          </a:xfrm>
+        </p:spPr>
+        <p:txBody>
+          <a:bodyPr/>
+          <a:lstStyle/>
+          <a:p>
+            <a:r>
+              <a:rPr lang="fr-FR" dirty="0"/>
+              <a:t>Explication du fonctionnement</a:t>
+            </a:r>
+          </a:p>
+        </p:txBody>
+      </p:sp>
+      <p:sp>
+        <p:nvSpPr>
+          <p:cNvPr id="4" name="Espace réservé du numéro de diapositive 3"/>
+          <p:cNvSpPr>
+            <a:spLocks noGrp="1"/>
+          </p:cNvSpPr>
+          <p:nvPr>
+            <p:ph type="sldNum" sz="quarter" idx="12"/>
+          </p:nvPr>
+        </p:nvSpPr>
+        <p:spPr/>
+        <p:txBody>
+          <a:bodyPr/>
+          <a:lstStyle/>
+          <a:p>
+            <a:fld id="{6D22F896-40B5-4ADD-8801-0D06FADFA095}" type="slidenum">
+              <a:rPr lang="en-US" sz="1600" smtClean="0"/>
+              <a:t>6</a:t>
+            </a:fld>
+            <a:endParaRPr lang="en-US" sz="1600" dirty="0"/>
+          </a:p>
+        </p:txBody>
+      </p:sp>
+    </p:spTree>
+    <p:extLst>
+      <p:ext uri="{BB962C8B-B14F-4D97-AF65-F5344CB8AC3E}">
+        <p14:creationId xmlns:p14="http://schemas.microsoft.com/office/powerpoint/2010/main" val="1117674862"/>
+      </p:ext>
+    </p:extLst>
+  </p:cSld>
+  <p:clrMapOvr>
+    <a:masterClrMapping/>
+  </p:clrMapOvr>
+</p:sld>
+</file>
+
+<file path=ppt/slides/slide7.xml><?xml version="1.0" encoding="utf-8"?>
+<p:sld xmlns:a="http://schemas.openxmlformats.org/drawingml/2006/main" xmlns:r="http://schemas.openxmlformats.org/officeDocument/2006/relationships" xmlns:p="http://schemas.openxmlformats.org/presentationml/2006/main">
+  <p:cSld>
+    <p:spTree>
+      <p:nvGrpSpPr>
+        <p:cNvPr id="1" name=""/>
+        <p:cNvGrpSpPr/>
+        <p:nvPr/>
+      </p:nvGrpSpPr>
+      <p:grpSpPr>
+        <a:xfrm>
+          <a:off x="0" y="0"/>
+          <a:ext cx="0" cy="0"/>
+          <a:chOff x="0" y="0"/>
+          <a:chExt cx="0" cy="0"/>
+        </a:xfrm>
+      </p:grpSpPr>
+      <p:sp>
+        <p:nvSpPr>
+          <p:cNvPr id="2" name="Titre 1"/>
+          <p:cNvSpPr>
+            <a:spLocks noGrp="1"/>
+          </p:cNvSpPr>
+          <p:nvPr>
+            <p:ph type="title"/>
+          </p:nvPr>
+        </p:nvSpPr>
+        <p:spPr>
+          <a:xfrm>
+            <a:off x="838200" y="243205"/>
+            <a:ext cx="10515600" cy="1325563"/>
+          </a:xfrm>
+        </p:spPr>
+        <p:txBody>
+          <a:bodyPr/>
+          <a:lstStyle/>
+          <a:p>
+            <a:r>
+              <a:rPr lang="fr-FR" dirty="0"/>
+              <a:t>Technologies utilisées</a:t>
+            </a:r>
+            <a:endParaRPr lang="de-DE" dirty="0"/>
+          </a:p>
+        </p:txBody>
+      </p:sp>
+      <p:sp>
+        <p:nvSpPr>
+          <p:cNvPr id="8" name="Espace réservé du contenu 7"/>
+          <p:cNvSpPr>
+            <a:spLocks noGrp="1"/>
+          </p:cNvSpPr>
+          <p:nvPr>
+            <p:ph idx="1"/>
+          </p:nvPr>
+        </p:nvSpPr>
+        <p:spPr>
+          <a:xfrm>
+            <a:off x="838200" y="1802679"/>
+            <a:ext cx="10515600" cy="1680755"/>
+          </a:xfrm>
+        </p:spPr>
+        <p:txBody>
+          <a:bodyPr>
+            <a:normAutofit/>
+          </a:bodyPr>
+          <a:lstStyle/>
+          <a:p>
+            <a:pPr indent="-540000">
+              <a:buFont typeface="Wingdings" panose="05000000000000000000" pitchFamily="2" charset="2"/>
+              <a:buChar char="Ø"/>
+            </a:pPr>
+            <a:r>
+              <a:rPr lang="fr-FR" dirty="0"/>
+              <a:t>Projet disponible sur GitHub</a:t>
+            </a:r>
+          </a:p>
+          <a:p>
+            <a:pPr indent="-540000">
+              <a:buFont typeface="Wingdings" panose="05000000000000000000" pitchFamily="2" charset="2"/>
+              <a:buChar char="Ø"/>
+            </a:pPr>
+            <a:r>
+              <a:rPr lang="fr-FR" dirty="0"/>
+              <a:t>Technologies orientées Web</a:t>
+            </a:r>
+          </a:p>
+        </p:txBody>
+      </p:sp>
+      <p:sp>
+        <p:nvSpPr>
+          <p:cNvPr id="5" name="Espace réservé du numéro de diapositive 4"/>
+          <p:cNvSpPr>
+            <a:spLocks noGrp="1"/>
+          </p:cNvSpPr>
+          <p:nvPr>
+            <p:ph type="sldNum" sz="quarter" idx="12"/>
+          </p:nvPr>
+        </p:nvSpPr>
+        <p:spPr/>
+        <p:txBody>
+          <a:bodyPr/>
+          <a:lstStyle/>
+          <a:p>
+            <a:fld id="{6D22F896-40B5-4ADD-8801-0D06FADFA095}" type="slidenum">
+              <a:rPr lang="en-US" sz="1600" smtClean="0"/>
+              <a:pPr/>
+              <a:t>7</a:t>
+            </a:fld>
+            <a:endParaRPr lang="en-US" sz="1600" dirty="0"/>
+          </a:p>
+        </p:txBody>
+      </p:sp>
+      <p:pic>
+        <p:nvPicPr>
+          <p:cNvPr id="6" name="Image 5">
+            <a:extLst>
+              <a:ext uri="{FF2B5EF4-FFF2-40B4-BE49-F238E27FC236}">
+                <a16:creationId xmlns:a16="http://schemas.microsoft.com/office/drawing/2014/main" id="{471FFE3F-5AE5-4D5E-9A81-E4EAE4E493C3}"/>
+              </a:ext>
+            </a:extLst>
+          </p:cNvPr>
+          <p:cNvPicPr>
+            <a:picLocks noChangeAspect="1"/>
+          </p:cNvPicPr>
+          <p:nvPr/>
+        </p:nvPicPr>
+        <p:blipFill>
+          <a:blip r:embed="rId3"/>
+          <a:stretch>
+            <a:fillRect/>
+          </a:stretch>
+        </p:blipFill>
+        <p:spPr>
+          <a:xfrm>
+            <a:off x="7217545" y="1273873"/>
+            <a:ext cx="4725880" cy="5040938"/>
+          </a:xfrm>
+          <a:prstGeom prst="rect">
+            <a:avLst/>
+          </a:prstGeom>
+        </p:spPr>
+      </p:pic>
+      <p:pic>
+        <p:nvPicPr>
+          <p:cNvPr id="9" name="Image 8">
+            <a:extLst>
+              <a:ext uri="{FF2B5EF4-FFF2-40B4-BE49-F238E27FC236}">
+                <a16:creationId xmlns:a16="http://schemas.microsoft.com/office/drawing/2014/main" id="{8CFC72C1-9494-4546-8703-58CB45C2152D}"/>
+              </a:ext>
+            </a:extLst>
+          </p:cNvPr>
+          <p:cNvPicPr>
+            <a:picLocks noChangeAspect="1"/>
+          </p:cNvPicPr>
+          <p:nvPr/>
+        </p:nvPicPr>
+        <p:blipFill>
+          <a:blip r:embed="rId4"/>
+          <a:stretch>
+            <a:fillRect/>
+          </a:stretch>
+        </p:blipFill>
+        <p:spPr>
+          <a:xfrm>
+            <a:off x="1348111" y="4243525"/>
+            <a:ext cx="3792138" cy="943821"/>
+          </a:xfrm>
+          <a:prstGeom prst="rect">
+            <a:avLst/>
+          </a:prstGeom>
+        </p:spPr>
+      </p:pic>
+    </p:spTree>
+    <p:extLst>
+      <p:ext uri="{BB962C8B-B14F-4D97-AF65-F5344CB8AC3E}">
+        <p14:creationId xmlns:p14="http://schemas.microsoft.com/office/powerpoint/2010/main" val="3838303757"/>
+      </p:ext>
+    </p:extLst>
+  </p:cSld>
+  <p:clrMapOvr>
+    <a:masterClrMapping/>
+  </p:clrMapOvr>
+</p:sld>
+</file>
+
+<file path=ppt/slides/slide8.xml><?xml version="1.0" encoding="utf-8"?>
+<p:sld xmlns:a="http://schemas.openxmlformats.org/drawingml/2006/main" xmlns:r="http://schemas.openxmlformats.org/officeDocument/2006/relationships" xmlns:p="http://schemas.openxmlformats.org/presentationml/2006/main">
+  <p:cSld>
+    <p:spTree>
+      <p:nvGrpSpPr>
+        <p:cNvPr id="1" name=""/>
+        <p:cNvGrpSpPr/>
+        <p:nvPr/>
+      </p:nvGrpSpPr>
+      <p:grpSpPr>
+        <a:xfrm>
+          <a:off x="0" y="0"/>
+          <a:ext cx="0" cy="0"/>
+          <a:chOff x="0" y="0"/>
+          <a:chExt cx="0" cy="0"/>
+        </a:xfrm>
+      </p:grpSpPr>
+      <p:sp>
+        <p:nvSpPr>
+          <p:cNvPr id="2" name="Titre 1"/>
+          <p:cNvSpPr>
+            <a:spLocks noGrp="1"/>
+          </p:cNvSpPr>
+          <p:nvPr>
+            <p:ph type="title"/>
+          </p:nvPr>
+        </p:nvSpPr>
+        <p:spPr>
+          <a:xfrm>
+            <a:off x="838200" y="243205"/>
+            <a:ext cx="10515600" cy="1325563"/>
+          </a:xfrm>
+        </p:spPr>
+        <p:txBody>
+          <a:bodyPr>
+            <a:normAutofit/>
+          </a:bodyPr>
+          <a:lstStyle/>
+          <a:p>
+            <a:r>
+              <a:rPr lang="fr-FR" dirty="0"/>
+              <a:t>Architecture logicielle</a:t>
+            </a:r>
+            <a:endParaRPr lang="de-DE" dirty="0"/>
+          </a:p>
+        </p:txBody>
+      </p:sp>
+      <p:sp>
+        <p:nvSpPr>
+          <p:cNvPr id="8" name="Espace réservé du contenu 7"/>
+          <p:cNvSpPr>
+            <a:spLocks noGrp="1"/>
+          </p:cNvSpPr>
+          <p:nvPr>
+            <p:ph idx="1"/>
+          </p:nvPr>
+        </p:nvSpPr>
+        <p:spPr>
+          <a:xfrm>
+            <a:off x="838200" y="1802679"/>
+            <a:ext cx="10515600" cy="1680755"/>
+          </a:xfrm>
+        </p:spPr>
+        <p:txBody>
+          <a:bodyPr>
+            <a:normAutofit/>
+          </a:bodyPr>
+          <a:lstStyle/>
+          <a:p>
+            <a:pPr indent="-540000">
+              <a:buFont typeface="Wingdings" panose="05000000000000000000" pitchFamily="2" charset="2"/>
+              <a:buChar char="Ø"/>
+            </a:pPr>
+            <a:r>
+              <a:rPr lang="fr-FR" dirty="0"/>
+              <a:t>Basée sur l’arborescence Symfony</a:t>
+            </a:r>
+          </a:p>
+        </p:txBody>
+      </p:sp>
+      <p:sp>
+        <p:nvSpPr>
+          <p:cNvPr id="5" name="Espace réservé du numéro de diapositive 4"/>
+          <p:cNvSpPr>
+            <a:spLocks noGrp="1"/>
+          </p:cNvSpPr>
+          <p:nvPr>
+            <p:ph type="sldNum" sz="quarter" idx="12"/>
+          </p:nvPr>
+        </p:nvSpPr>
+        <p:spPr/>
+        <p:txBody>
+          <a:bodyPr/>
+          <a:lstStyle/>
+          <a:p>
+            <a:fld id="{6D22F896-40B5-4ADD-8801-0D06FADFA095}" type="slidenum">
+              <a:rPr lang="en-US" sz="1600" smtClean="0"/>
+              <a:pPr/>
+              <a:t>8</a:t>
+            </a:fld>
+            <a:endParaRPr lang="en-US" sz="1600" dirty="0"/>
+          </a:p>
+        </p:txBody>
+      </p:sp>
+      <p:pic>
+        <p:nvPicPr>
+          <p:cNvPr id="6" name="Image 5">
+            <a:extLst>
+              <a:ext uri="{FF2B5EF4-FFF2-40B4-BE49-F238E27FC236}">
+                <a16:creationId xmlns:a16="http://schemas.microsoft.com/office/drawing/2014/main" id="{5A730377-FB9A-4BD8-A1BB-8D90CBFA55EE}"/>
+              </a:ext>
+            </a:extLst>
+          </p:cNvPr>
+          <p:cNvPicPr>
+            <a:picLocks noChangeAspect="1"/>
+          </p:cNvPicPr>
+          <p:nvPr/>
+        </p:nvPicPr>
+        <p:blipFill>
+          <a:blip r:embed="rId3"/>
+          <a:stretch>
+            <a:fillRect/>
+          </a:stretch>
+        </p:blipFill>
+        <p:spPr>
+          <a:xfrm>
+            <a:off x="1486271" y="2609103"/>
+            <a:ext cx="8758560" cy="4005692"/>
+          </a:xfrm>
+          <a:prstGeom prst="rect">
+            <a:avLst/>
+          </a:prstGeom>
+        </p:spPr>
+      </p:pic>
+    </p:spTree>
+    <p:extLst>
+      <p:ext uri="{BB962C8B-B14F-4D97-AF65-F5344CB8AC3E}">
+        <p14:creationId xmlns:p14="http://schemas.microsoft.com/office/powerpoint/2010/main" val="4137521054"/>
+      </p:ext>
+    </p:extLst>
+  </p:cSld>
+  <p:clrMapOvr>
+    <a:masterClrMapping/>
+  </p:clrMapOvr>
+</p:sld>
+</file>
+
+<file path=ppt/slides/slide9.xml><?xml version="1.0" encoding="utf-8"?>
+<p:sld xmlns:a="http://schemas.openxmlformats.org/drawingml/2006/main" xmlns:r="http://schemas.openxmlformats.org/officeDocument/2006/relationships" xmlns:p="http://schemas.openxmlformats.org/presentationml/2006/main">
+  <p:cSld>
+    <p:spTree>
+      <p:nvGrpSpPr>
+        <p:cNvPr id="1" name=""/>
+        <p:cNvGrpSpPr/>
+        <p:nvPr/>
+      </p:nvGrpSpPr>
+      <p:grpSpPr>
+        <a:xfrm>
+          <a:off x="0" y="0"/>
+          <a:ext cx="0" cy="0"/>
+          <a:chOff x="0" y="0"/>
+          <a:chExt cx="0" cy="0"/>
+        </a:xfrm>
+      </p:grpSpPr>
+      <p:sp>
+        <p:nvSpPr>
+          <p:cNvPr id="2" name="Titre 1"/>
+          <p:cNvSpPr>
+            <a:spLocks noGrp="1"/>
+          </p:cNvSpPr>
+          <p:nvPr>
+            <p:ph type="title"/>
+          </p:nvPr>
+        </p:nvSpPr>
+        <p:spPr>
+          <a:xfrm>
+            <a:off x="838200" y="243205"/>
+            <a:ext cx="10515600" cy="1325563"/>
+          </a:xfrm>
+        </p:spPr>
+        <p:txBody>
+          <a:bodyPr/>
+          <a:lstStyle/>
+          <a:p>
+            <a:r>
+              <a:rPr lang="fr-FR" dirty="0"/>
+              <a:t>Aspect fonctionnel</a:t>
+            </a:r>
+            <a:endParaRPr lang="de-DE" dirty="0"/>
+          </a:p>
+        </p:txBody>
+      </p:sp>
+      <p:sp>
+        <p:nvSpPr>
+          <p:cNvPr id="8" name="Espace réservé du contenu 7"/>
+          <p:cNvSpPr>
+            <a:spLocks noGrp="1"/>
+          </p:cNvSpPr>
+          <p:nvPr>
+            <p:ph idx="1"/>
+          </p:nvPr>
+        </p:nvSpPr>
+        <p:spPr>
+          <a:xfrm>
+            <a:off x="838200" y="1802679"/>
+            <a:ext cx="10515600" cy="724243"/>
+          </a:xfrm>
+        </p:spPr>
+        <p:txBody>
+          <a:bodyPr>
+            <a:normAutofit/>
+          </a:bodyPr>
+          <a:lstStyle/>
+          <a:p>
+            <a:pPr indent="-540000">
+              <a:buFont typeface="Wingdings" panose="05000000000000000000" pitchFamily="2" charset="2"/>
+              <a:buChar char="Ø"/>
+            </a:pPr>
+            <a:r>
+              <a:rPr lang="fr-FR" dirty="0"/>
+              <a:t>Côté backend =&gt; ce que l’utilisateur ne voit pas</a:t>
+            </a:r>
+          </a:p>
+        </p:txBody>
+      </p:sp>
+      <p:sp>
+        <p:nvSpPr>
+          <p:cNvPr id="5" name="Espace réservé du numéro de diapositive 4"/>
+          <p:cNvSpPr>
+            <a:spLocks noGrp="1"/>
+          </p:cNvSpPr>
+          <p:nvPr>
+            <p:ph type="sldNum" sz="quarter" idx="12"/>
+          </p:nvPr>
+        </p:nvSpPr>
+        <p:spPr/>
+        <p:txBody>
+          <a:bodyPr/>
+          <a:lstStyle/>
+          <a:p>
+            <a:fld id="{6D22F896-40B5-4ADD-8801-0D06FADFA095}" type="slidenum">
+              <a:rPr lang="en-US" sz="1600" smtClean="0"/>
+              <a:pPr/>
+              <a:t>9</a:t>
+            </a:fld>
+            <a:endParaRPr lang="en-US" sz="1600" dirty="0"/>
+          </a:p>
+        </p:txBody>
+      </p:sp>
+      <p:pic>
+        <p:nvPicPr>
+          <p:cNvPr id="7" name="Image 6">
+            <a:extLst>
+              <a:ext uri="{FF2B5EF4-FFF2-40B4-BE49-F238E27FC236}">
+                <a16:creationId xmlns:a16="http://schemas.microsoft.com/office/drawing/2014/main" id="{D2BBE895-BF68-40B2-AA22-F22F59332B41}"/>
+              </a:ext>
+            </a:extLst>
+          </p:cNvPr>
+          <p:cNvPicPr>
+            <a:picLocks noChangeAspect="1"/>
+          </p:cNvPicPr>
+          <p:nvPr/>
+        </p:nvPicPr>
+        <p:blipFill>
+          <a:blip r:embed="rId3"/>
+          <a:stretch>
+            <a:fillRect/>
+          </a:stretch>
+        </p:blipFill>
+        <p:spPr>
+          <a:xfrm>
+            <a:off x="7473703" y="434075"/>
+            <a:ext cx="3792138" cy="943821"/>
+          </a:xfrm>
+          <a:prstGeom prst="rect">
+            <a:avLst/>
+          </a:prstGeom>
+        </p:spPr>
+      </p:pic>
+      <p:pic>
+        <p:nvPicPr>
+          <p:cNvPr id="9" name="Image 8">
+            <a:extLst>
+              <a:ext uri="{FF2B5EF4-FFF2-40B4-BE49-F238E27FC236}">
+                <a16:creationId xmlns:a16="http://schemas.microsoft.com/office/drawing/2014/main" id="{39D73362-1D3F-4925-B29B-BAC99CFDFE06}"/>
+              </a:ext>
+            </a:extLst>
+          </p:cNvPr>
+          <p:cNvPicPr>
+            <a:picLocks noChangeAspect="1"/>
+          </p:cNvPicPr>
+          <p:nvPr/>
+        </p:nvPicPr>
+        <p:blipFill>
+          <a:blip r:embed="rId4"/>
+          <a:stretch>
+            <a:fillRect/>
+          </a:stretch>
+        </p:blipFill>
+        <p:spPr>
+          <a:xfrm>
+            <a:off x="2257208" y="2433526"/>
+            <a:ext cx="6994689" cy="4181269"/>
+          </a:xfrm>
+          <a:prstGeom prst="rect">
+            <a:avLst/>
+          </a:prstGeom>
+        </p:spPr>
+      </p:pic>
+    </p:spTree>
+    <p:extLst>
+      <p:ext uri="{BB962C8B-B14F-4D97-AF65-F5344CB8AC3E}">
+        <p14:creationId xmlns:p14="http://schemas.microsoft.com/office/powerpoint/2010/main" val="1282489581"/>
+      </p:ext>
+    </p:extLst>
+  </p:cSld>
+  <p:clrMapOvr>
+    <a:masterClrMapping/>
+  </p:clrMapOvr>
 </p:sld>
 </file>
 

--- a/documents/french presentation.pptx
+++ b/documents/french presentation.pptx
@@ -210,7 +210,7 @@
           <a:p>
             <a:fld id="{9930CEDF-BB1C-4238-A545-847B4EF2DFC4}" type="datetimeFigureOut">
               <a:rPr lang="de-DE" smtClean="0"/>
-              <a:t>13.03.2020</a:t>
+              <a:t>15.03.2020</a:t>
             </a:fld>
             <a:endParaRPr lang="de-DE"/>
           </a:p>
@@ -562,6 +562,90 @@
 </p:notes>
 </file>
 
+<file path=ppt/notesSlides/notesSlide10.xml><?xml version="1.0" encoding="utf-8"?>
+<p:notes xmlns:a="http://schemas.openxmlformats.org/drawingml/2006/main" xmlns:r="http://schemas.openxmlformats.org/officeDocument/2006/relationships" xmlns:p="http://schemas.openxmlformats.org/presentationml/2006/main">
+  <p:cSld>
+    <p:spTree>
+      <p:nvGrpSpPr>
+        <p:cNvPr id="1" name=""/>
+        <p:cNvGrpSpPr/>
+        <p:nvPr/>
+      </p:nvGrpSpPr>
+      <p:grpSpPr>
+        <a:xfrm>
+          <a:off x="0" y="0"/>
+          <a:ext cx="0" cy="0"/>
+          <a:chOff x="0" y="0"/>
+          <a:chExt cx="0" cy="0"/>
+        </a:xfrm>
+      </p:grpSpPr>
+      <p:sp>
+        <p:nvSpPr>
+          <p:cNvPr id="2" name="Espace réservé de l'image des diapositives 1"/>
+          <p:cNvSpPr>
+            <a:spLocks noGrp="1" noRot="1" noChangeAspect="1"/>
+          </p:cNvSpPr>
+          <p:nvPr>
+            <p:ph type="sldImg"/>
+          </p:nvPr>
+        </p:nvSpPr>
+        <p:spPr/>
+      </p:sp>
+      <p:sp>
+        <p:nvSpPr>
+          <p:cNvPr id="3" name="Espace réservé des commentaires 2"/>
+          <p:cNvSpPr>
+            <a:spLocks noGrp="1"/>
+          </p:cNvSpPr>
+          <p:nvPr>
+            <p:ph type="body" idx="1"/>
+          </p:nvPr>
+        </p:nvSpPr>
+        <p:spPr/>
+        <p:txBody>
+          <a:bodyPr/>
+          <a:lstStyle/>
+          <a:p>
+            <a:endParaRPr lang="de-DE"/>
+          </a:p>
+        </p:txBody>
+      </p:sp>
+      <p:sp>
+        <p:nvSpPr>
+          <p:cNvPr id="4" name="Espace réservé du numéro de diapositive 3"/>
+          <p:cNvSpPr>
+            <a:spLocks noGrp="1"/>
+          </p:cNvSpPr>
+          <p:nvPr>
+            <p:ph type="sldNum" sz="quarter" idx="10"/>
+          </p:nvPr>
+        </p:nvSpPr>
+        <p:spPr/>
+        <p:txBody>
+          <a:bodyPr/>
+          <a:lstStyle/>
+          <a:p>
+            <a:fld id="{0689F1B4-F35C-448F-95C5-E3DEE8751251}" type="slidenum">
+              <a:rPr lang="de-DE" smtClean="0"/>
+              <a:t>14</a:t>
+            </a:fld>
+            <a:endParaRPr lang="de-DE"/>
+          </a:p>
+        </p:txBody>
+      </p:sp>
+    </p:spTree>
+    <p:extLst>
+      <p:ext uri="{BB962C8B-B14F-4D97-AF65-F5344CB8AC3E}">
+        <p14:creationId xmlns:p14="http://schemas.microsoft.com/office/powerpoint/2010/main" val="3419136428"/>
+      </p:ext>
+    </p:extLst>
+  </p:cSld>
+  <p:clrMapOvr>
+    <a:masterClrMapping/>
+  </p:clrMapOvr>
+</p:notes>
+</file>
+
 <file path=ppt/notesSlides/notesSlide2.xml><?xml version="1.0" encoding="utf-8"?>
 <p:notes xmlns:a="http://schemas.openxmlformats.org/drawingml/2006/main" xmlns:r="http://schemas.openxmlformats.org/officeDocument/2006/relationships" xmlns:p="http://schemas.openxmlformats.org/presentationml/2006/main">
   <p:cSld>
@@ -1430,7 +1514,7 @@
           <a:p>
             <a:fld id="{1D746EA9-2D63-4566-9380-8FE13E8EC95B}" type="datetime1">
               <a:rPr lang="en-US" smtClean="0"/>
-              <a:t>3/13/2020</a:t>
+              <a:t>3/15/2020</a:t>
             </a:fld>
             <a:endParaRPr lang="en-US" dirty="0"/>
           </a:p>
@@ -1488,6 +1572,18 @@
   <p:clrMapOvr>
     <a:masterClrMapping/>
   </p:clrMapOvr>
+  <mc:AlternateContent xmlns:mc="http://schemas.openxmlformats.org/markup-compatibility/2006">
+    <mc:Choice xmlns:p14="http://schemas.microsoft.com/office/powerpoint/2010/main" Requires="p14">
+      <p:transition spd="slow">
+        <p14:warp dir="in"/>
+      </p:transition>
+    </mc:Choice>
+    <mc:Fallback>
+      <p:transition spd="slow">
+        <p:fade/>
+      </p:transition>
+    </mc:Fallback>
+  </mc:AlternateContent>
 </p:sldLayout>
 </file>
 
@@ -1711,7 +1807,7 @@
           <a:p>
             <a:fld id="{548BA5FE-029B-4899-88F7-86FEC11F1217}" type="datetime1">
               <a:rPr lang="en-US" smtClean="0"/>
-              <a:t>3/13/2020</a:t>
+              <a:t>3/15/2020</a:t>
             </a:fld>
             <a:endParaRPr lang="en-US" dirty="0"/>
           </a:p>
@@ -1768,6 +1864,18 @@
   <p:clrMapOvr>
     <a:masterClrMapping/>
   </p:clrMapOvr>
+  <mc:AlternateContent xmlns:mc="http://schemas.openxmlformats.org/markup-compatibility/2006">
+    <mc:Choice xmlns:p14="http://schemas.microsoft.com/office/powerpoint/2010/main" Requires="p14">
+      <p:transition spd="slow">
+        <p14:warp dir="in"/>
+      </p:transition>
+    </mc:Choice>
+    <mc:Fallback>
+      <p:transition spd="slow">
+        <p:fade/>
+      </p:transition>
+    </mc:Fallback>
+  </mc:AlternateContent>
 </p:sldLayout>
 </file>
 
@@ -1902,7 +2010,7 @@
           <a:p>
             <a:fld id="{464FFEA3-DFE1-4A5F-ABAA-9F71537704D5}" type="datetime1">
               <a:rPr lang="en-US" smtClean="0"/>
-              <a:t>3/13/2020</a:t>
+              <a:t>3/15/2020</a:t>
             </a:fld>
             <a:endParaRPr lang="en-US" dirty="0"/>
           </a:p>
@@ -1959,6 +2067,18 @@
   <p:clrMapOvr>
     <a:masterClrMapping/>
   </p:clrMapOvr>
+  <mc:AlternateContent xmlns:mc="http://schemas.openxmlformats.org/markup-compatibility/2006">
+    <mc:Choice xmlns:p14="http://schemas.microsoft.com/office/powerpoint/2010/main" Requires="p14">
+      <p:transition spd="slow">
+        <p14:warp dir="in"/>
+      </p:transition>
+    </mc:Choice>
+    <mc:Fallback>
+      <p:transition spd="slow">
+        <p:fade/>
+      </p:transition>
+    </mc:Fallback>
+  </mc:AlternateContent>
 </p:sldLayout>
 </file>
 
@@ -2162,7 +2282,7 @@
           <a:p>
             <a:fld id="{5392193E-CB25-427B-88DA-098191D5EC7E}" type="datetime1">
               <a:rPr lang="en-US" smtClean="0"/>
-              <a:t>3/13/2020</a:t>
+              <a:t>3/15/2020</a:t>
             </a:fld>
             <a:endParaRPr lang="en-US" dirty="0"/>
           </a:p>
@@ -2451,6 +2571,18 @@
   <p:clrMapOvr>
     <a:masterClrMapping/>
   </p:clrMapOvr>
+  <mc:AlternateContent xmlns:mc="http://schemas.openxmlformats.org/markup-compatibility/2006">
+    <mc:Choice xmlns:p14="http://schemas.microsoft.com/office/powerpoint/2010/main" Requires="p14">
+      <p:transition spd="slow">
+        <p14:warp dir="in"/>
+      </p:transition>
+    </mc:Choice>
+    <mc:Fallback>
+      <p:transition spd="slow">
+        <p:fade/>
+      </p:transition>
+    </mc:Fallback>
+  </mc:AlternateContent>
 </p:sldLayout>
 </file>
 
@@ -2587,7 +2719,7 @@
           <a:p>
             <a:fld id="{5CE51734-173D-4F55-9009-246248FAEED7}" type="datetime1">
               <a:rPr lang="en-US" smtClean="0"/>
-              <a:t>3/13/2020</a:t>
+              <a:t>3/15/2020</a:t>
             </a:fld>
             <a:endParaRPr lang="en-US" dirty="0"/>
           </a:p>
@@ -2644,6 +2776,18 @@
   <p:clrMapOvr>
     <a:masterClrMapping/>
   </p:clrMapOvr>
+  <mc:AlternateContent xmlns:mc="http://schemas.openxmlformats.org/markup-compatibility/2006">
+    <mc:Choice xmlns:p14="http://schemas.microsoft.com/office/powerpoint/2010/main" Requires="p14">
+      <p:transition spd="slow">
+        <p14:warp dir="in"/>
+      </p:transition>
+    </mc:Choice>
+    <mc:Fallback>
+      <p:transition spd="slow">
+        <p:fade/>
+      </p:transition>
+    </mc:Fallback>
+  </mc:AlternateContent>
 </p:sldLayout>
 </file>
 
@@ -3132,7 +3276,7 @@
           <a:p>
             <a:fld id="{5CA2EA14-6BB8-403E-9B28-4836A9EB60D4}" type="datetime1">
               <a:rPr lang="en-US" smtClean="0"/>
-              <a:t>3/13/2020</a:t>
+              <a:t>3/15/2020</a:t>
             </a:fld>
             <a:endParaRPr lang="en-US" dirty="0"/>
           </a:p>
@@ -3189,6 +3333,18 @@
   <p:clrMapOvr>
     <a:masterClrMapping/>
   </p:clrMapOvr>
+  <mc:AlternateContent xmlns:mc="http://schemas.openxmlformats.org/markup-compatibility/2006">
+    <mc:Choice xmlns:p14="http://schemas.microsoft.com/office/powerpoint/2010/main" Requires="p14">
+      <p:transition spd="slow">
+        <p14:warp dir="in"/>
+      </p:transition>
+    </mc:Choice>
+    <mc:Fallback>
+      <p:transition spd="slow">
+        <p:fade/>
+      </p:transition>
+    </mc:Fallback>
+  </mc:AlternateContent>
 </p:sldLayout>
 </file>
 
@@ -3962,7 +4118,7 @@
           <a:p>
             <a:fld id="{2526D1FD-CA1F-4CAC-8700-15547AF60824}" type="datetime1">
               <a:rPr lang="en-US" smtClean="0"/>
-              <a:t>3/13/2020</a:t>
+              <a:t>3/15/2020</a:t>
             </a:fld>
             <a:endParaRPr lang="en-US" dirty="0"/>
           </a:p>
@@ -4019,6 +4175,18 @@
   <p:clrMapOvr>
     <a:masterClrMapping/>
   </p:clrMapOvr>
+  <mc:AlternateContent xmlns:mc="http://schemas.openxmlformats.org/markup-compatibility/2006">
+    <mc:Choice xmlns:p14="http://schemas.microsoft.com/office/powerpoint/2010/main" Requires="p14">
+      <p:transition spd="slow">
+        <p14:warp dir="in"/>
+      </p:transition>
+    </mc:Choice>
+    <mc:Fallback>
+      <p:transition spd="slow">
+        <p:fade/>
+      </p:transition>
+    </mc:Fallback>
+  </mc:AlternateContent>
 </p:sldLayout>
 </file>
 
@@ -4131,7 +4299,7 @@
           <a:p>
             <a:fld id="{254A9182-2F76-493C-8FB3-CF35B67A778A}" type="datetime1">
               <a:rPr lang="en-US" smtClean="0"/>
-              <a:t>3/13/2020</a:t>
+              <a:t>3/15/2020</a:t>
             </a:fld>
             <a:endParaRPr lang="en-US" dirty="0"/>
           </a:p>
@@ -4188,6 +4356,18 @@
   <p:clrMapOvr>
     <a:masterClrMapping/>
   </p:clrMapOvr>
+  <mc:AlternateContent xmlns:mc="http://schemas.openxmlformats.org/markup-compatibility/2006">
+    <mc:Choice xmlns:p14="http://schemas.microsoft.com/office/powerpoint/2010/main" Requires="p14">
+      <p:transition spd="slow">
+        <p14:warp dir="in"/>
+      </p:transition>
+    </mc:Choice>
+    <mc:Fallback>
+      <p:transition spd="slow">
+        <p:fade/>
+      </p:transition>
+    </mc:Fallback>
+  </mc:AlternateContent>
 </p:sldLayout>
 </file>
 
@@ -4310,7 +4490,7 @@
           <a:p>
             <a:fld id="{F964F262-7CA4-4B02-9B86-0CB1E2EC2AA4}" type="datetime1">
               <a:rPr lang="en-US" smtClean="0"/>
-              <a:t>3/13/2020</a:t>
+              <a:t>3/15/2020</a:t>
             </a:fld>
             <a:endParaRPr lang="en-US" dirty="0"/>
           </a:p>
@@ -4367,6 +4547,18 @@
   <p:clrMapOvr>
     <a:masterClrMapping/>
   </p:clrMapOvr>
+  <mc:AlternateContent xmlns:mc="http://schemas.openxmlformats.org/markup-compatibility/2006">
+    <mc:Choice xmlns:p14="http://schemas.microsoft.com/office/powerpoint/2010/main" Requires="p14">
+      <p:transition spd="slow">
+        <p14:warp dir="in"/>
+      </p:transition>
+    </mc:Choice>
+    <mc:Fallback>
+      <p:transition spd="slow">
+        <p:fade/>
+      </p:transition>
+    </mc:Fallback>
+  </mc:AlternateContent>
 </p:sldLayout>
 </file>
 
@@ -4479,7 +4671,7 @@
           <a:p>
             <a:fld id="{47A02E5A-8F2B-4AC4-97AF-576F9DCB4ECF}" type="datetime1">
               <a:rPr lang="en-US" smtClean="0"/>
-              <a:t>3/13/2020</a:t>
+              <a:t>3/15/2020</a:t>
             </a:fld>
             <a:endParaRPr lang="en-US" dirty="0"/>
           </a:p>
@@ -4536,6 +4728,18 @@
   <p:clrMapOvr>
     <a:masterClrMapping/>
   </p:clrMapOvr>
+  <mc:AlternateContent xmlns:mc="http://schemas.openxmlformats.org/markup-compatibility/2006">
+    <mc:Choice xmlns:p14="http://schemas.microsoft.com/office/powerpoint/2010/main" Requires="p14">
+      <p:transition spd="slow">
+        <p14:warp dir="in"/>
+      </p:transition>
+    </mc:Choice>
+    <mc:Fallback>
+      <p:transition spd="slow">
+        <p:fade/>
+      </p:transition>
+    </mc:Fallback>
+  </mc:AlternateContent>
 </p:sldLayout>
 </file>
 
@@ -4735,7 +4939,7 @@
           <a:p>
             <a:fld id="{01794940-D26F-4169-9E31-60B408B8E629}" type="datetime1">
               <a:rPr lang="en-US" smtClean="0"/>
-              <a:t>3/13/2020</a:t>
+              <a:t>3/15/2020</a:t>
             </a:fld>
             <a:endParaRPr lang="en-US" dirty="0"/>
           </a:p>
@@ -4792,6 +4996,18 @@
   <p:clrMapOvr>
     <a:masterClrMapping/>
   </p:clrMapOvr>
+  <mc:AlternateContent xmlns:mc="http://schemas.openxmlformats.org/markup-compatibility/2006">
+    <mc:Choice xmlns:p14="http://schemas.microsoft.com/office/powerpoint/2010/main" Requires="p14">
+      <p:transition spd="slow">
+        <p14:warp dir="in"/>
+      </p:transition>
+    </mc:Choice>
+    <mc:Fallback>
+      <p:transition spd="slow">
+        <p:fade/>
+      </p:transition>
+    </mc:Fallback>
+  </mc:AlternateContent>
 </p:sldLayout>
 </file>
 
@@ -4966,7 +5182,7 @@
           <a:p>
             <a:fld id="{F24A384E-B5ED-4107-8A79-4FB19EB6C167}" type="datetime1">
               <a:rPr lang="en-US" smtClean="0"/>
-              <a:t>3/13/2020</a:t>
+              <a:t>3/15/2020</a:t>
             </a:fld>
             <a:endParaRPr lang="en-US" dirty="0"/>
           </a:p>
@@ -5023,6 +5239,18 @@
   <p:clrMapOvr>
     <a:masterClrMapping/>
   </p:clrMapOvr>
+  <mc:AlternateContent xmlns:mc="http://schemas.openxmlformats.org/markup-compatibility/2006">
+    <mc:Choice xmlns:p14="http://schemas.microsoft.com/office/powerpoint/2010/main" Requires="p14">
+      <p:transition spd="slow">
+        <p14:warp dir="in"/>
+      </p:transition>
+    </mc:Choice>
+    <mc:Fallback>
+      <p:transition spd="slow">
+        <p:fade/>
+      </p:transition>
+    </mc:Fallback>
+  </mc:AlternateContent>
 </p:sldLayout>
 </file>
 
@@ -5358,7 +5586,7 @@
           <a:p>
             <a:fld id="{574193E8-9675-435C-8691-0998C93DA01B}" type="datetime1">
               <a:rPr lang="en-US" smtClean="0"/>
-              <a:t>3/13/2020</a:t>
+              <a:t>3/15/2020</a:t>
             </a:fld>
             <a:endParaRPr lang="en-US" dirty="0"/>
           </a:p>
@@ -5415,6 +5643,18 @@
   <p:clrMapOvr>
     <a:masterClrMapping/>
   </p:clrMapOvr>
+  <mc:AlternateContent xmlns:mc="http://schemas.openxmlformats.org/markup-compatibility/2006">
+    <mc:Choice xmlns:p14="http://schemas.microsoft.com/office/powerpoint/2010/main" Requires="p14">
+      <p:transition spd="slow">
+        <p14:warp dir="in"/>
+      </p:transition>
+    </mc:Choice>
+    <mc:Fallback>
+      <p:transition spd="slow">
+        <p:fade/>
+      </p:transition>
+    </mc:Fallback>
+  </mc:AlternateContent>
 </p:sldLayout>
 </file>
 
@@ -5475,7 +5715,7 @@
           <a:p>
             <a:fld id="{A1F44BA0-D98B-4F9D-9BF8-1EC7014BD34D}" type="datetime1">
               <a:rPr lang="en-US" smtClean="0"/>
-              <a:t>3/13/2020</a:t>
+              <a:t>3/15/2020</a:t>
             </a:fld>
             <a:endParaRPr lang="en-US" dirty="0"/>
           </a:p>
@@ -5532,6 +5772,18 @@
   <p:clrMapOvr>
     <a:masterClrMapping/>
   </p:clrMapOvr>
+  <mc:AlternateContent xmlns:mc="http://schemas.openxmlformats.org/markup-compatibility/2006">
+    <mc:Choice xmlns:p14="http://schemas.microsoft.com/office/powerpoint/2010/main" Requires="p14">
+      <p:transition spd="slow">
+        <p14:warp dir="in"/>
+      </p:transition>
+    </mc:Choice>
+    <mc:Fallback>
+      <p:transition spd="slow">
+        <p:fade/>
+      </p:transition>
+    </mc:Fallback>
+  </mc:AlternateContent>
 </p:sldLayout>
 </file>
 
@@ -5569,7 +5821,7 @@
           <a:p>
             <a:fld id="{46CD6459-1EAD-4788-88FD-412047F175AC}" type="datetime1">
               <a:rPr lang="en-US" smtClean="0"/>
-              <a:t>3/13/2020</a:t>
+              <a:t>3/15/2020</a:t>
             </a:fld>
             <a:endParaRPr lang="en-US" dirty="0"/>
           </a:p>
@@ -5626,6 +5878,18 @@
   <p:clrMapOvr>
     <a:masterClrMapping/>
   </p:clrMapOvr>
+  <mc:AlternateContent xmlns:mc="http://schemas.openxmlformats.org/markup-compatibility/2006">
+    <mc:Choice xmlns:p14="http://schemas.microsoft.com/office/powerpoint/2010/main" Requires="p14">
+      <p:transition spd="slow">
+        <p14:warp dir="in"/>
+      </p:transition>
+    </mc:Choice>
+    <mc:Fallback>
+      <p:transition spd="slow">
+        <p:fade/>
+      </p:transition>
+    </mc:Fallback>
+  </mc:AlternateContent>
 </p:sldLayout>
 </file>
 
@@ -5841,7 +6105,7 @@
           <a:p>
             <a:fld id="{25605EC0-ADB1-4CF1-9CCC-0F5C3E173F0F}" type="datetime1">
               <a:rPr lang="en-US" smtClean="0"/>
-              <a:t>3/13/2020</a:t>
+              <a:t>3/15/2020</a:t>
             </a:fld>
             <a:endParaRPr lang="en-US" dirty="0"/>
           </a:p>
@@ -5898,6 +6162,18 @@
   <p:clrMapOvr>
     <a:masterClrMapping/>
   </p:clrMapOvr>
+  <mc:AlternateContent xmlns:mc="http://schemas.openxmlformats.org/markup-compatibility/2006">
+    <mc:Choice xmlns:p14="http://schemas.microsoft.com/office/powerpoint/2010/main" Requires="p14">
+      <p:transition spd="slow">
+        <p14:warp dir="in"/>
+      </p:transition>
+    </mc:Choice>
+    <mc:Fallback>
+      <p:transition spd="slow">
+        <p:fade/>
+      </p:transition>
+    </mc:Fallback>
+  </mc:AlternateContent>
 </p:sldLayout>
 </file>
 
@@ -6121,7 +6397,7 @@
           <a:p>
             <a:fld id="{4838559C-8BC0-4465-A18A-1C234B75C174}" type="datetime1">
               <a:rPr lang="en-US" smtClean="0"/>
-              <a:t>3/13/2020</a:t>
+              <a:t>3/15/2020</a:t>
             </a:fld>
             <a:endParaRPr lang="en-US" dirty="0"/>
           </a:p>
@@ -6178,6 +6454,18 @@
   <p:clrMapOvr>
     <a:masterClrMapping/>
   </p:clrMapOvr>
+  <mc:AlternateContent xmlns:mc="http://schemas.openxmlformats.org/markup-compatibility/2006">
+    <mc:Choice xmlns:p14="http://schemas.microsoft.com/office/powerpoint/2010/main" Requires="p14">
+      <p:transition spd="slow">
+        <p14:warp dir="in"/>
+      </p:transition>
+    </mc:Choice>
+    <mc:Fallback>
+      <p:transition spd="slow">
+        <p:fade/>
+      </p:transition>
+    </mc:Fallback>
+  </mc:AlternateContent>
 </p:sldLayout>
 </file>
 
@@ -6360,7 +6648,7 @@
           <a:p>
             <a:fld id="{2F33E1D3-9A2E-4350-A4C3-D4817CE62B8A}" type="datetime1">
               <a:rPr lang="en-US" smtClean="0"/>
-              <a:t>3/13/2020</a:t>
+              <a:t>3/15/2020</a:t>
             </a:fld>
             <a:endParaRPr lang="en-US" dirty="0"/>
           </a:p>
@@ -6507,6 +6795,18 @@
     <p:sldLayoutId id="2147483658" r:id="rId16"/>
     <p:sldLayoutId id="2147483659" r:id="rId17"/>
   </p:sldLayoutIdLst>
+  <mc:AlternateContent xmlns:mc="http://schemas.openxmlformats.org/markup-compatibility/2006">
+    <mc:Choice xmlns:p14="http://schemas.microsoft.com/office/powerpoint/2010/main" Requires="p14">
+      <p:transition spd="slow">
+        <p14:warp dir="in"/>
+      </p:transition>
+    </mc:Choice>
+    <mc:Fallback>
+      <p:transition spd="slow">
+        <p:fade/>
+      </p:transition>
+    </mc:Fallback>
+  </mc:AlternateContent>
   <p:hf hdr="0" ftr="0" dt="0"/>
   <p:txStyles>
     <p:titleStyle>
@@ -6935,7 +7235,7 @@
         </p:nvSpPr>
         <p:spPr>
           <a:xfrm>
-            <a:off x="723207" y="2125736"/>
+            <a:off x="723207" y="2311852"/>
             <a:ext cx="11277953" cy="1357297"/>
           </a:xfrm>
         </p:spPr>
@@ -6946,8 +7246,12 @@
           <a:lstStyle/>
           <a:p>
             <a:r>
+              <a:rPr lang="fr-FR" sz="7200" dirty="0" smtClean="0"/>
+              <a:t>Projet </a:t>
+            </a:r>
+            <a:r>
               <a:rPr lang="fr-FR" sz="7200" dirty="0"/>
-              <a:t>ISIMA : Projet deuxième année</a:t>
+              <a:t>deuxième année</a:t>
             </a:r>
             <a:endParaRPr lang="de-DE" sz="7200" dirty="0"/>
           </a:p>
@@ -6965,7 +7269,7 @@
         </p:nvSpPr>
         <p:spPr>
           <a:xfrm>
-            <a:off x="2857159" y="3103659"/>
+            <a:off x="2857159" y="3289775"/>
             <a:ext cx="9144000" cy="754025"/>
           </a:xfrm>
         </p:spPr>
@@ -6989,7 +7293,7 @@
         </p:nvSpPr>
         <p:spPr>
           <a:xfrm>
-            <a:off x="7938958" y="4098818"/>
+            <a:off x="7938958" y="4284934"/>
             <a:ext cx="4062201" cy="707886"/>
           </a:xfrm>
           <a:prstGeom prst="rect">
@@ -7027,8 +7331,8 @@
         </p:nvSpPr>
         <p:spPr>
           <a:xfrm>
-            <a:off x="243841" y="6249261"/>
-            <a:ext cx="11766028" cy="369332"/>
+            <a:off x="235131" y="5763739"/>
+            <a:ext cx="11766028" cy="923330"/>
           </a:xfrm>
           <a:prstGeom prst="rect">
             <a:avLst/>
@@ -7051,12 +7355,86 @@
             </a:r>
             <a:r>
               <a:rPr lang="fr-FR" dirty="0"/>
-              <a:t>-Ah Kang													Le mercredi 18 mars 2020</a:t>
+              <a:t>-Ah Kang													</a:t>
+            </a:r>
+            <a:endParaRPr lang="fr-FR" dirty="0" smtClean="0"/>
+          </a:p>
+          <a:p>
+            <a:r>
+              <a:rPr lang="fr-FR" dirty="0" smtClean="0"/>
+              <a:t>Référent de projet : Christian Laforest</a:t>
+            </a:r>
+          </a:p>
+          <a:p>
+            <a:r>
+              <a:rPr lang="fr-FR" dirty="0" smtClean="0"/>
+              <a:t>Référente communication : Ev</a:t>
+            </a:r>
+            <a:r>
+              <a:rPr lang="fr-FR" dirty="0" smtClean="0"/>
+              <a:t>a </a:t>
+            </a:r>
+            <a:r>
+              <a:rPr lang="fr-FR" dirty="0" err="1" smtClean="0"/>
+              <a:t>Hassinger</a:t>
+            </a:r>
+            <a:r>
+              <a:rPr lang="fr-FR" dirty="0"/>
+              <a:t>	</a:t>
+            </a:r>
+            <a:r>
+              <a:rPr lang="fr-FR" dirty="0" smtClean="0"/>
+              <a:t>											</a:t>
+            </a:r>
+            <a:r>
+              <a:rPr lang="fr-FR" dirty="0" smtClean="0"/>
+              <a:t>Le </a:t>
+            </a:r>
+            <a:r>
+              <a:rPr lang="fr-FR" dirty="0"/>
+              <a:t>mercredi 18 mars 2020</a:t>
             </a:r>
             <a:endParaRPr lang="de-DE" dirty="0"/>
           </a:p>
         </p:txBody>
       </p:sp>
+      <p:pic>
+        <p:nvPicPr>
+          <p:cNvPr id="6" name="Image 5"/>
+          <p:cNvPicPr>
+            <a:picLocks noChangeAspect="1"/>
+          </p:cNvPicPr>
+          <p:nvPr/>
+        </p:nvPicPr>
+        <p:blipFill>
+          <a:blip r:embed="rId2">
+            <a:duotone>
+              <a:schemeClr val="accent1">
+                <a:shade val="45000"/>
+                <a:satMod val="135000"/>
+              </a:schemeClr>
+              <a:prstClr val="white"/>
+            </a:duotone>
+            <a:extLst>
+              <a:ext uri="{28A0092B-C50C-407E-A947-70E740481C1C}">
+                <a14:useLocalDpi xmlns:a14="http://schemas.microsoft.com/office/drawing/2010/main" val="0"/>
+              </a:ext>
+            </a:extLst>
+          </a:blip>
+          <a:stretch>
+            <a:fillRect/>
+          </a:stretch>
+        </p:blipFill>
+        <p:spPr>
+          <a:xfrm>
+            <a:off x="7185729" y="721361"/>
+            <a:ext cx="4729973" cy="1372626"/>
+          </a:xfrm>
+          <a:prstGeom prst="rect">
+            <a:avLst/>
+          </a:prstGeom>
+        </p:spPr>
+      </p:pic>
     </p:spTree>
     <p:extLst>
       <p:ext uri="{BB962C8B-B14F-4D97-AF65-F5344CB8AC3E}">
@@ -7067,6 +7445,25 @@
   <p:clrMapOvr>
     <a:masterClrMapping/>
   </p:clrMapOvr>
+  <mc:AlternateContent xmlns:mc="http://schemas.openxmlformats.org/markup-compatibility/2006">
+    <mc:Choice xmlns:p14="http://schemas.microsoft.com/office/powerpoint/2010/main" Requires="p14">
+      <p:transition spd="slow">
+        <p14:warp dir="in"/>
+      </p:transition>
+    </mc:Choice>
+    <mc:Fallback>
+      <p:transition spd="slow">
+        <p:fade/>
+      </p:transition>
+    </mc:Fallback>
+  </mc:AlternateContent>
+  <p:timing>
+    <p:tnLst>
+      <p:par>
+        <p:cTn id="1" dur="indefinite" restart="never" nodeType="tmRoot"/>
+      </p:par>
+    </p:tnLst>
+  </p:timing>
 </p:sld>
 </file>
 
@@ -7099,7 +7496,7 @@
         </p:nvSpPr>
         <p:spPr>
           <a:xfrm>
-            <a:off x="838200" y="243205"/>
+            <a:off x="676360" y="464120"/>
             <a:ext cx="10515600" cy="1325563"/>
           </a:xfrm>
         </p:spPr>
@@ -7109,7 +7506,23 @@
           <a:p>
             <a:r>
               <a:rPr lang="fr-FR" dirty="0"/>
-              <a:t>Analyse de l’interface</a:t>
+              <a:t>Analyse de </a:t>
+            </a:r>
+            <a:r>
+              <a:rPr lang="fr-FR" dirty="0" smtClean="0"/>
+              <a:t>l’interface </a:t>
+            </a:r>
+            <a:r>
+              <a:rPr lang="fr-FR" i="1" dirty="0" smtClean="0"/>
+              <a:t>(</a:t>
+            </a:r>
+            <a:r>
+              <a:rPr lang="fr-FR" i="1" dirty="0" err="1" smtClean="0"/>
+              <a:t>frontend</a:t>
+            </a:r>
+            <a:r>
+              <a:rPr lang="fr-FR" i="1" dirty="0" smtClean="0"/>
+              <a:t>)</a:t>
             </a:r>
             <a:endParaRPr lang="de-DE" dirty="0"/>
           </a:p>
@@ -7127,8 +7540,8 @@
         </p:nvSpPr>
         <p:spPr>
           <a:xfrm>
-            <a:off x="838200" y="1802680"/>
-            <a:ext cx="10515600" cy="807356"/>
+            <a:off x="539796" y="1808889"/>
+            <a:ext cx="11234116" cy="2335517"/>
           </a:xfrm>
         </p:spPr>
         <p:txBody>
@@ -7142,9 +7555,46 @@
               <a:buChar char="Ø"/>
             </a:pPr>
             <a:r>
-              <a:rPr lang="fr-FR" dirty="0"/>
-              <a:t>Côté frontend =&gt; ce que l’utilisateur voit</a:t>
-            </a:r>
+              <a:rPr lang="fr-FR" dirty="0" smtClean="0"/>
+              <a:t>Relation directe avec l’utilisateur</a:t>
+            </a:r>
+          </a:p>
+          <a:p>
+            <a:pPr indent="-540000">
+              <a:buFont typeface="Wingdings" panose="05000000000000000000" pitchFamily="2" charset="2"/>
+              <a:buChar char="Ø"/>
+            </a:pPr>
+            <a:r>
+              <a:rPr lang="fr-FR" dirty="0" smtClean="0"/>
+              <a:t>Présente des méthodes d’interaction avec l’application (requêtes HTTP)</a:t>
+            </a:r>
+          </a:p>
+          <a:p>
+            <a:pPr indent="-540000">
+              <a:buFont typeface="Wingdings" panose="05000000000000000000" pitchFamily="2" charset="2"/>
+              <a:buChar char="Ø"/>
+            </a:pPr>
+            <a:r>
+              <a:rPr lang="fr-FR" dirty="0" smtClean="0"/>
+              <a:t>Affiche les champs des formulaires et boutons</a:t>
+            </a:r>
+          </a:p>
+          <a:p>
+            <a:pPr indent="-540000">
+              <a:buFont typeface="Wingdings" panose="05000000000000000000" pitchFamily="2" charset="2"/>
+              <a:buChar char="Ø"/>
+            </a:pPr>
+            <a:r>
+              <a:rPr lang="fr-FR" dirty="0" smtClean="0"/>
+              <a:t>Offre un retour visuel du fonctionnement de la solution</a:t>
+            </a:r>
+          </a:p>
+          <a:p>
+            <a:pPr indent="-540000">
+              <a:buFont typeface="Wingdings" panose="05000000000000000000" pitchFamily="2" charset="2"/>
+              <a:buChar char="Ø"/>
+            </a:pPr>
+            <a:endParaRPr lang="fr-FR" dirty="0"/>
           </a:p>
         </p:txBody>
       </p:sp>
@@ -7172,60 +7622,580 @@
           </a:p>
         </p:txBody>
       </p:sp>
+      <p:sp>
+        <p:nvSpPr>
+          <p:cNvPr id="7" name="Ellipse 6"/>
+          <p:cNvSpPr/>
+          <p:nvPr/>
+        </p:nvSpPr>
+        <p:spPr>
+          <a:xfrm>
+            <a:off x="993751" y="267481"/>
+            <a:ext cx="126249" cy="129472"/>
+          </a:xfrm>
+          <a:prstGeom prst="ellipse">
+            <a:avLst/>
+          </a:prstGeom>
+          <a:solidFill>
+            <a:schemeClr val="accent1"/>
+          </a:solidFill>
+        </p:spPr>
+        <p:style>
+          <a:lnRef idx="2">
+            <a:schemeClr val="accent1">
+              <a:shade val="50000"/>
+            </a:schemeClr>
+          </a:lnRef>
+          <a:fillRef idx="1">
+            <a:schemeClr val="accent1"/>
+          </a:fillRef>
+          <a:effectRef idx="0">
+            <a:schemeClr val="accent1"/>
+          </a:effectRef>
+          <a:fontRef idx="minor">
+            <a:schemeClr val="lt1"/>
+          </a:fontRef>
+        </p:style>
+        <p:txBody>
+          <a:bodyPr rtlCol="0" anchor="ctr"/>
+          <a:lstStyle/>
+          <a:p>
+            <a:pPr algn="ctr"/>
+            <a:endParaRPr lang="de-DE"/>
+          </a:p>
+        </p:txBody>
+      </p:sp>
+      <p:sp>
+        <p:nvSpPr>
+          <p:cNvPr id="10" name="Ellipse 9"/>
+          <p:cNvSpPr/>
+          <p:nvPr/>
+        </p:nvSpPr>
+        <p:spPr>
+          <a:xfrm>
+            <a:off x="1232466" y="267481"/>
+            <a:ext cx="126249" cy="129472"/>
+          </a:xfrm>
+          <a:prstGeom prst="ellipse">
+            <a:avLst/>
+          </a:prstGeom>
+          <a:solidFill>
+            <a:schemeClr val="accent1"/>
+          </a:solidFill>
+        </p:spPr>
+        <p:style>
+          <a:lnRef idx="2">
+            <a:schemeClr val="accent1">
+              <a:shade val="50000"/>
+            </a:schemeClr>
+          </a:lnRef>
+          <a:fillRef idx="1">
+            <a:schemeClr val="accent1"/>
+          </a:fillRef>
+          <a:effectRef idx="0">
+            <a:schemeClr val="accent1"/>
+          </a:effectRef>
+          <a:fontRef idx="minor">
+            <a:schemeClr val="lt1"/>
+          </a:fontRef>
+        </p:style>
+        <p:txBody>
+          <a:bodyPr rtlCol="0" anchor="ctr"/>
+          <a:lstStyle/>
+          <a:p>
+            <a:pPr algn="ctr"/>
+            <a:endParaRPr lang="de-DE"/>
+          </a:p>
+        </p:txBody>
+      </p:sp>
+      <p:sp>
+        <p:nvSpPr>
+          <p:cNvPr id="11" name="Ellipse 10"/>
+          <p:cNvSpPr/>
+          <p:nvPr/>
+        </p:nvSpPr>
+        <p:spPr>
+          <a:xfrm>
+            <a:off x="2120113" y="267481"/>
+            <a:ext cx="126249" cy="129472"/>
+          </a:xfrm>
+          <a:prstGeom prst="ellipse">
+            <a:avLst/>
+          </a:prstGeom>
+          <a:solidFill>
+            <a:schemeClr val="accent1"/>
+          </a:solidFill>
+        </p:spPr>
+        <p:style>
+          <a:lnRef idx="2">
+            <a:schemeClr val="accent1">
+              <a:shade val="50000"/>
+            </a:schemeClr>
+          </a:lnRef>
+          <a:fillRef idx="1">
+            <a:schemeClr val="accent1"/>
+          </a:fillRef>
+          <a:effectRef idx="0">
+            <a:schemeClr val="accent1"/>
+          </a:effectRef>
+          <a:fontRef idx="minor">
+            <a:schemeClr val="lt1"/>
+          </a:fontRef>
+        </p:style>
+        <p:txBody>
+          <a:bodyPr rtlCol="0" anchor="ctr"/>
+          <a:lstStyle/>
+          <a:p>
+            <a:pPr algn="ctr"/>
+            <a:endParaRPr lang="de-DE"/>
+          </a:p>
+        </p:txBody>
+      </p:sp>
+      <p:sp>
+        <p:nvSpPr>
+          <p:cNvPr id="12" name="Ellipse 11"/>
+          <p:cNvSpPr/>
+          <p:nvPr/>
+        </p:nvSpPr>
+        <p:spPr>
+          <a:xfrm>
+            <a:off x="2379057" y="267481"/>
+            <a:ext cx="126249" cy="129472"/>
+          </a:xfrm>
+          <a:prstGeom prst="ellipse">
+            <a:avLst/>
+          </a:prstGeom>
+          <a:solidFill>
+            <a:schemeClr val="accent1"/>
+          </a:solidFill>
+        </p:spPr>
+        <p:style>
+          <a:lnRef idx="2">
+            <a:schemeClr val="accent1">
+              <a:shade val="50000"/>
+            </a:schemeClr>
+          </a:lnRef>
+          <a:fillRef idx="1">
+            <a:schemeClr val="accent1"/>
+          </a:fillRef>
+          <a:effectRef idx="0">
+            <a:schemeClr val="accent1"/>
+          </a:effectRef>
+          <a:fontRef idx="minor">
+            <a:schemeClr val="lt1"/>
+          </a:fontRef>
+        </p:style>
+        <p:txBody>
+          <a:bodyPr rtlCol="0" anchor="ctr"/>
+          <a:lstStyle/>
+          <a:p>
+            <a:pPr algn="ctr"/>
+            <a:endParaRPr lang="de-DE"/>
+          </a:p>
+        </p:txBody>
+      </p:sp>
+      <p:sp>
+        <p:nvSpPr>
+          <p:cNvPr id="13" name="Ellipse 12"/>
+          <p:cNvSpPr/>
+          <p:nvPr/>
+        </p:nvSpPr>
+        <p:spPr>
+          <a:xfrm>
+            <a:off x="2638001" y="267481"/>
+            <a:ext cx="126249" cy="129472"/>
+          </a:xfrm>
+          <a:prstGeom prst="ellipse">
+            <a:avLst/>
+          </a:prstGeom>
+          <a:solidFill>
+            <a:schemeClr val="accent1"/>
+          </a:solidFill>
+        </p:spPr>
+        <p:style>
+          <a:lnRef idx="2">
+            <a:schemeClr val="accent1">
+              <a:shade val="50000"/>
+            </a:schemeClr>
+          </a:lnRef>
+          <a:fillRef idx="1">
+            <a:schemeClr val="accent1"/>
+          </a:fillRef>
+          <a:effectRef idx="0">
+            <a:schemeClr val="accent1"/>
+          </a:effectRef>
+          <a:fontRef idx="minor">
+            <a:schemeClr val="lt1"/>
+          </a:fontRef>
+        </p:style>
+        <p:txBody>
+          <a:bodyPr rtlCol="0" anchor="ctr"/>
+          <a:lstStyle/>
+          <a:p>
+            <a:pPr algn="ctr"/>
+            <a:endParaRPr lang="de-DE"/>
+          </a:p>
+        </p:txBody>
+      </p:sp>
+      <p:sp>
+        <p:nvSpPr>
+          <p:cNvPr id="14" name="Ellipse 13"/>
+          <p:cNvSpPr/>
+          <p:nvPr/>
+        </p:nvSpPr>
+        <p:spPr>
+          <a:xfrm>
+            <a:off x="2896945" y="267481"/>
+            <a:ext cx="126249" cy="129472"/>
+          </a:xfrm>
+          <a:prstGeom prst="ellipse">
+            <a:avLst/>
+          </a:prstGeom>
+          <a:solidFill>
+            <a:schemeClr val="accent1"/>
+          </a:solidFill>
+        </p:spPr>
+        <p:style>
+          <a:lnRef idx="2">
+            <a:schemeClr val="accent1">
+              <a:shade val="50000"/>
+            </a:schemeClr>
+          </a:lnRef>
+          <a:fillRef idx="1">
+            <a:schemeClr val="accent1"/>
+          </a:fillRef>
+          <a:effectRef idx="0">
+            <a:schemeClr val="accent1"/>
+          </a:effectRef>
+          <a:fontRef idx="minor">
+            <a:schemeClr val="lt1"/>
+          </a:fontRef>
+        </p:style>
+        <p:txBody>
+          <a:bodyPr rtlCol="0" anchor="ctr"/>
+          <a:lstStyle/>
+          <a:p>
+            <a:pPr algn="ctr"/>
+            <a:endParaRPr lang="de-DE">
+              <a:solidFill>
+                <a:schemeClr val="accent1"/>
+              </a:solidFill>
+            </a:endParaRPr>
+          </a:p>
+        </p:txBody>
+      </p:sp>
+      <p:sp>
+        <p:nvSpPr>
+          <p:cNvPr id="15" name="Ellipse 14"/>
+          <p:cNvSpPr/>
+          <p:nvPr/>
+        </p:nvSpPr>
+        <p:spPr>
+          <a:xfrm>
+            <a:off x="4253985" y="264724"/>
+            <a:ext cx="126249" cy="129472"/>
+          </a:xfrm>
+          <a:prstGeom prst="ellipse">
+            <a:avLst/>
+          </a:prstGeom>
+          <a:solidFill>
+            <a:schemeClr val="tx1"/>
+          </a:solidFill>
+        </p:spPr>
+        <p:style>
+          <a:lnRef idx="2">
+            <a:schemeClr val="accent1">
+              <a:shade val="50000"/>
+            </a:schemeClr>
+          </a:lnRef>
+          <a:fillRef idx="1">
+            <a:schemeClr val="accent1"/>
+          </a:fillRef>
+          <a:effectRef idx="0">
+            <a:schemeClr val="accent1"/>
+          </a:effectRef>
+          <a:fontRef idx="minor">
+            <a:schemeClr val="lt1"/>
+          </a:fontRef>
+        </p:style>
+        <p:txBody>
+          <a:bodyPr rtlCol="0" anchor="ctr"/>
+          <a:lstStyle/>
+          <a:p>
+            <a:pPr algn="ctr"/>
+            <a:endParaRPr lang="de-DE"/>
+          </a:p>
+        </p:txBody>
+      </p:sp>
+      <p:sp>
+        <p:nvSpPr>
+          <p:cNvPr id="16" name="Ellipse 15"/>
+          <p:cNvSpPr/>
+          <p:nvPr/>
+        </p:nvSpPr>
+        <p:spPr>
+          <a:xfrm>
+            <a:off x="4512930" y="264724"/>
+            <a:ext cx="126249" cy="129472"/>
+          </a:xfrm>
+          <a:prstGeom prst="ellipse">
+            <a:avLst/>
+          </a:prstGeom>
+          <a:solidFill>
+            <a:schemeClr val="tx1"/>
+          </a:solidFill>
+        </p:spPr>
+        <p:style>
+          <a:lnRef idx="2">
+            <a:schemeClr val="accent1">
+              <a:shade val="50000"/>
+            </a:schemeClr>
+          </a:lnRef>
+          <a:fillRef idx="1">
+            <a:schemeClr val="accent1"/>
+          </a:fillRef>
+          <a:effectRef idx="0">
+            <a:schemeClr val="accent1"/>
+          </a:effectRef>
+          <a:fontRef idx="minor">
+            <a:schemeClr val="lt1"/>
+          </a:fontRef>
+        </p:style>
+        <p:txBody>
+          <a:bodyPr rtlCol="0" anchor="ctr"/>
+          <a:lstStyle/>
+          <a:p>
+            <a:pPr algn="ctr"/>
+            <a:endParaRPr lang="de-DE"/>
+          </a:p>
+        </p:txBody>
+      </p:sp>
+      <p:sp>
+        <p:nvSpPr>
+          <p:cNvPr id="17" name="Ellipse 16"/>
+          <p:cNvSpPr/>
+          <p:nvPr/>
+        </p:nvSpPr>
+        <p:spPr>
+          <a:xfrm>
+            <a:off x="5833187" y="262411"/>
+            <a:ext cx="126249" cy="129472"/>
+          </a:xfrm>
+          <a:prstGeom prst="ellipse">
+            <a:avLst/>
+          </a:prstGeom>
+          <a:solidFill>
+            <a:schemeClr val="tx1"/>
+          </a:solidFill>
+        </p:spPr>
+        <p:style>
+          <a:lnRef idx="2">
+            <a:schemeClr val="accent1">
+              <a:shade val="50000"/>
+            </a:schemeClr>
+          </a:lnRef>
+          <a:fillRef idx="1">
+            <a:schemeClr val="accent1"/>
+          </a:fillRef>
+          <a:effectRef idx="0">
+            <a:schemeClr val="accent1"/>
+          </a:effectRef>
+          <a:fontRef idx="minor">
+            <a:schemeClr val="lt1"/>
+          </a:fontRef>
+        </p:style>
+        <p:txBody>
+          <a:bodyPr rtlCol="0" anchor="ctr"/>
+          <a:lstStyle/>
+          <a:p>
+            <a:pPr algn="ctr"/>
+            <a:endParaRPr lang="de-DE"/>
+          </a:p>
+        </p:txBody>
+      </p:sp>
+      <p:sp>
+        <p:nvSpPr>
+          <p:cNvPr id="18" name="ZoneTexte 17"/>
+          <p:cNvSpPr txBox="1"/>
+          <p:nvPr/>
+        </p:nvSpPr>
+        <p:spPr>
+          <a:xfrm>
+            <a:off x="774101" y="9616"/>
+            <a:ext cx="818044" cy="230832"/>
+          </a:xfrm>
+          <a:prstGeom prst="rect">
+            <a:avLst/>
+          </a:prstGeom>
+          <a:noFill/>
+        </p:spPr>
+        <p:txBody>
+          <a:bodyPr wrap="square" rtlCol="0">
+            <a:spAutoFit/>
+          </a:bodyPr>
+          <a:lstStyle/>
+          <a:p>
+            <a:pPr algn="ctr"/>
+            <a:r>
+              <a:rPr lang="fr-FR" sz="900" dirty="0" smtClean="0"/>
+              <a:t>Introduction</a:t>
+            </a:r>
+            <a:endParaRPr lang="de-DE" dirty="0"/>
+          </a:p>
+        </p:txBody>
+      </p:sp>
+      <p:sp>
+        <p:nvSpPr>
+          <p:cNvPr id="19" name="ZoneTexte 18"/>
+          <p:cNvSpPr txBox="1"/>
+          <p:nvPr/>
+        </p:nvSpPr>
+        <p:spPr>
+          <a:xfrm>
+            <a:off x="1729778" y="9616"/>
+            <a:ext cx="1765981" cy="230832"/>
+          </a:xfrm>
+          <a:prstGeom prst="rect">
+            <a:avLst/>
+          </a:prstGeom>
+          <a:noFill/>
+        </p:spPr>
+        <p:txBody>
+          <a:bodyPr wrap="square" rtlCol="0">
+            <a:spAutoFit/>
+          </a:bodyPr>
+          <a:lstStyle/>
+          <a:p>
+            <a:pPr algn="ctr"/>
+            <a:r>
+              <a:rPr lang="fr-FR" sz="900" dirty="0" smtClean="0"/>
+              <a:t>Etude fonctionnelle et technique</a:t>
+            </a:r>
+            <a:endParaRPr lang="de-DE" dirty="0"/>
+          </a:p>
+        </p:txBody>
+      </p:sp>
+      <p:sp>
+        <p:nvSpPr>
+          <p:cNvPr id="20" name="ZoneTexte 19"/>
+          <p:cNvSpPr txBox="1"/>
+          <p:nvPr/>
+        </p:nvSpPr>
+        <p:spPr>
+          <a:xfrm>
+            <a:off x="3593475" y="9616"/>
+            <a:ext cx="1765981" cy="230832"/>
+          </a:xfrm>
+          <a:prstGeom prst="rect">
+            <a:avLst/>
+          </a:prstGeom>
+          <a:noFill/>
+        </p:spPr>
+        <p:txBody>
+          <a:bodyPr wrap="square" rtlCol="0">
+            <a:spAutoFit/>
+          </a:bodyPr>
+          <a:lstStyle/>
+          <a:p>
+            <a:pPr algn="ctr"/>
+            <a:r>
+              <a:rPr lang="fr-FR" sz="900" dirty="0" smtClean="0"/>
+              <a:t>Résultats et perspectives</a:t>
+            </a:r>
+            <a:endParaRPr lang="de-DE" dirty="0"/>
+          </a:p>
+        </p:txBody>
+      </p:sp>
+      <p:sp>
+        <p:nvSpPr>
+          <p:cNvPr id="21" name="ZoneTexte 20"/>
+          <p:cNvSpPr txBox="1"/>
+          <p:nvPr/>
+        </p:nvSpPr>
+        <p:spPr>
+          <a:xfrm>
+            <a:off x="5359456" y="9616"/>
+            <a:ext cx="1073712" cy="230832"/>
+          </a:xfrm>
+          <a:prstGeom prst="rect">
+            <a:avLst/>
+          </a:prstGeom>
+          <a:noFill/>
+        </p:spPr>
+        <p:txBody>
+          <a:bodyPr wrap="square" rtlCol="0">
+            <a:spAutoFit/>
+          </a:bodyPr>
+          <a:lstStyle/>
+          <a:p>
+            <a:pPr algn="ctr"/>
+            <a:r>
+              <a:rPr lang="fr-FR" sz="900" dirty="0" smtClean="0"/>
+              <a:t>Conclusion</a:t>
+            </a:r>
+            <a:endParaRPr lang="de-DE" dirty="0"/>
+          </a:p>
+        </p:txBody>
+      </p:sp>
       <p:pic>
         <p:nvPicPr>
-          <p:cNvPr id="6" name="Image 5">
-            <a:extLst>
-              <a:ext uri="{FF2B5EF4-FFF2-40B4-BE49-F238E27FC236}">
-                <a16:creationId xmlns:a16="http://schemas.microsoft.com/office/drawing/2014/main" id="{8162DC9D-AE7B-480C-A312-D0E76BC12A04}"/>
-              </a:ext>
-            </a:extLst>
-          </p:cNvPr>
+          <p:cNvPr id="22" name="Image 21" descr="C:\Users\Clément\Downloads\toto.png"/>
           <p:cNvPicPr>
             <a:picLocks noChangeAspect="1"/>
           </p:cNvPicPr>
           <p:nvPr/>
         </p:nvPicPr>
         <p:blipFill>
-          <a:blip r:embed="rId3"/>
+          <a:blip r:embed="rId3">
+            <a:extLst>
+              <a:ext uri="{28A0092B-C50C-407E-A947-70E740481C1C}">
+                <a14:useLocalDpi xmlns:a14="http://schemas.microsoft.com/office/drawing/2010/main" val="0"/>
+              </a:ext>
+            </a:extLst>
+          </a:blip>
+          <a:srcRect/>
           <a:stretch>
             <a:fillRect/>
           </a:stretch>
         </p:blipFill>
-        <p:spPr>
-          <a:xfrm>
-            <a:off x="2151072" y="2610036"/>
-            <a:ext cx="7028437" cy="3953496"/>
+        <p:spPr bwMode="auto">
+          <a:xfrm>
+            <a:off x="356168" y="4049130"/>
+            <a:ext cx="6279182" cy="2473051"/>
           </a:xfrm>
           <a:prstGeom prst="rect">
             <a:avLst/>
           </a:prstGeom>
+          <a:noFill/>
+          <a:ln>
+            <a:noFill/>
+          </a:ln>
         </p:spPr>
       </p:pic>
       <p:pic>
         <p:nvPicPr>
-          <p:cNvPr id="9" name="Image 8">
-            <a:extLst>
-              <a:ext uri="{FF2B5EF4-FFF2-40B4-BE49-F238E27FC236}">
-                <a16:creationId xmlns:a16="http://schemas.microsoft.com/office/drawing/2014/main" id="{6B8D641A-665B-490C-88E3-7E06FAFA2B28}"/>
-              </a:ext>
-            </a:extLst>
-          </p:cNvPr>
+          <p:cNvPr id="4" name="Image 3"/>
           <p:cNvPicPr>
             <a:picLocks noChangeAspect="1"/>
           </p:cNvPicPr>
           <p:nvPr/>
         </p:nvPicPr>
         <p:blipFill>
-          <a:blip r:embed="rId4"/>
+          <a:blip r:embed="rId4">
+            <a:extLst>
+              <a:ext uri="{28A0092B-C50C-407E-A947-70E740481C1C}">
+                <a14:useLocalDpi xmlns:a14="http://schemas.microsoft.com/office/drawing/2010/main" val="0"/>
+              </a:ext>
+            </a:extLst>
+          </a:blip>
           <a:stretch>
             <a:fillRect/>
           </a:stretch>
         </p:blipFill>
         <p:spPr>
           <a:xfrm>
-            <a:off x="9481352" y="398343"/>
-            <a:ext cx="1872448" cy="1404336"/>
+            <a:off x="7023887" y="4309632"/>
+            <a:ext cx="4674499" cy="1881491"/>
           </a:xfrm>
           <a:prstGeom prst="rect">
             <a:avLst/>
@@ -7242,6 +8212,25 @@
   <p:clrMapOvr>
     <a:masterClrMapping/>
   </p:clrMapOvr>
+  <mc:AlternateContent xmlns:mc="http://schemas.openxmlformats.org/markup-compatibility/2006">
+    <mc:Choice xmlns:p14="http://schemas.microsoft.com/office/powerpoint/2010/main" Requires="p14">
+      <p:transition spd="slow">
+        <p14:warp dir="in"/>
+      </p:transition>
+    </mc:Choice>
+    <mc:Fallback>
+      <p:transition spd="slow">
+        <p:fade/>
+      </p:transition>
+    </mc:Fallback>
+  </mc:AlternateContent>
+  <p:timing>
+    <p:tnLst>
+      <p:par>
+        <p:cTn id="1" dur="indefinite" restart="never" nodeType="tmRoot"/>
+      </p:par>
+    </p:tnLst>
+  </p:timing>
 </p:sld>
 </file>
 
@@ -7307,8 +8296,8 @@
         </p:nvSpPr>
         <p:spPr>
           <a:xfrm>
-            <a:off x="854532" y="4625492"/>
-            <a:ext cx="9144000" cy="754025"/>
+            <a:off x="838200" y="3823728"/>
+            <a:ext cx="9144000" cy="645676"/>
           </a:xfrm>
         </p:spPr>
         <p:txBody>
@@ -7316,9 +8305,10 @@
           <a:lstStyle/>
           <a:p>
             <a:r>
-              <a:rPr lang="fr-FR" dirty="0"/>
-              <a:t>Aller toujours plus loin</a:t>
-            </a:r>
+              <a:rPr lang="fr-FR" dirty="0" smtClean="0"/>
+              <a:t>Utilisation de la solution</a:t>
+            </a:r>
+            <a:endParaRPr lang="fr-FR" dirty="0"/>
           </a:p>
         </p:txBody>
       </p:sp>
@@ -7355,6 +8345,25 @@
   <p:clrMapOvr>
     <a:masterClrMapping/>
   </p:clrMapOvr>
+  <mc:AlternateContent xmlns:mc="http://schemas.openxmlformats.org/markup-compatibility/2006">
+    <mc:Choice xmlns:p14="http://schemas.microsoft.com/office/powerpoint/2010/main" Requires="p14">
+      <p:transition spd="slow">
+        <p14:warp dir="in"/>
+      </p:transition>
+    </mc:Choice>
+    <mc:Fallback>
+      <p:transition spd="slow">
+        <p:fade/>
+      </p:transition>
+    </mc:Fallback>
+  </mc:AlternateContent>
+  <p:timing>
+    <p:tnLst>
+      <p:par>
+        <p:cTn id="1" dur="indefinite" restart="never" nodeType="tmRoot"/>
+      </p:par>
+    </p:tnLst>
+  </p:timing>
 </p:sld>
 </file>
 
@@ -7377,36 +8386,6 @@
       </p:grpSpPr>
       <p:sp>
         <p:nvSpPr>
-          <p:cNvPr id="2" name="Titre 1"/>
-          <p:cNvSpPr>
-            <a:spLocks noGrp="1"/>
-          </p:cNvSpPr>
-          <p:nvPr>
-            <p:ph type="title"/>
-          </p:nvPr>
-        </p:nvSpPr>
-        <p:spPr>
-          <a:xfrm>
-            <a:off x="3155272" y="2569155"/>
-            <a:ext cx="10515600" cy="1325563"/>
-          </a:xfrm>
-        </p:spPr>
-        <p:txBody>
-          <a:bodyPr>
-            <a:normAutofit/>
-          </a:bodyPr>
-          <a:lstStyle/>
-          <a:p>
-            <a:r>
-              <a:rPr lang="fr-FR" dirty="0"/>
-              <a:t>Démonstration</a:t>
-            </a:r>
-            <a:endParaRPr lang="de-DE" dirty="0"/>
-          </a:p>
-        </p:txBody>
-      </p:sp>
-      <p:sp>
-        <p:nvSpPr>
           <p:cNvPr id="5" name="Espace réservé du numéro de diapositive 4"/>
           <p:cNvSpPr>
             <a:spLocks noGrp="1"/>
@@ -7426,6 +8405,590 @@
               <a:t>12</a:t>
             </a:fld>
             <a:endParaRPr lang="en-US" sz="1600" dirty="0"/>
+          </a:p>
+        </p:txBody>
+      </p:sp>
+      <p:sp>
+        <p:nvSpPr>
+          <p:cNvPr id="4" name="Ellipse 3"/>
+          <p:cNvSpPr/>
+          <p:nvPr/>
+        </p:nvSpPr>
+        <p:spPr>
+          <a:xfrm>
+            <a:off x="993751" y="267481"/>
+            <a:ext cx="126249" cy="129472"/>
+          </a:xfrm>
+          <a:prstGeom prst="ellipse">
+            <a:avLst/>
+          </a:prstGeom>
+          <a:solidFill>
+            <a:schemeClr val="accent1"/>
+          </a:solidFill>
+        </p:spPr>
+        <p:style>
+          <a:lnRef idx="2">
+            <a:schemeClr val="accent1">
+              <a:shade val="50000"/>
+            </a:schemeClr>
+          </a:lnRef>
+          <a:fillRef idx="1">
+            <a:schemeClr val="accent1"/>
+          </a:fillRef>
+          <a:effectRef idx="0">
+            <a:schemeClr val="accent1"/>
+          </a:effectRef>
+          <a:fontRef idx="minor">
+            <a:schemeClr val="lt1"/>
+          </a:fontRef>
+        </p:style>
+        <p:txBody>
+          <a:bodyPr rtlCol="0" anchor="ctr"/>
+          <a:lstStyle/>
+          <a:p>
+            <a:pPr algn="ctr"/>
+            <a:endParaRPr lang="de-DE"/>
+          </a:p>
+        </p:txBody>
+      </p:sp>
+      <p:sp>
+        <p:nvSpPr>
+          <p:cNvPr id="6" name="Ellipse 5"/>
+          <p:cNvSpPr/>
+          <p:nvPr/>
+        </p:nvSpPr>
+        <p:spPr>
+          <a:xfrm>
+            <a:off x="1232466" y="267481"/>
+            <a:ext cx="126249" cy="129472"/>
+          </a:xfrm>
+          <a:prstGeom prst="ellipse">
+            <a:avLst/>
+          </a:prstGeom>
+          <a:solidFill>
+            <a:schemeClr val="accent1"/>
+          </a:solidFill>
+        </p:spPr>
+        <p:style>
+          <a:lnRef idx="2">
+            <a:schemeClr val="accent1">
+              <a:shade val="50000"/>
+            </a:schemeClr>
+          </a:lnRef>
+          <a:fillRef idx="1">
+            <a:schemeClr val="accent1"/>
+          </a:fillRef>
+          <a:effectRef idx="0">
+            <a:schemeClr val="accent1"/>
+          </a:effectRef>
+          <a:fontRef idx="minor">
+            <a:schemeClr val="lt1"/>
+          </a:fontRef>
+        </p:style>
+        <p:txBody>
+          <a:bodyPr rtlCol="0" anchor="ctr"/>
+          <a:lstStyle/>
+          <a:p>
+            <a:pPr algn="ctr"/>
+            <a:endParaRPr lang="de-DE"/>
+          </a:p>
+        </p:txBody>
+      </p:sp>
+      <p:sp>
+        <p:nvSpPr>
+          <p:cNvPr id="7" name="Ellipse 6"/>
+          <p:cNvSpPr/>
+          <p:nvPr/>
+        </p:nvSpPr>
+        <p:spPr>
+          <a:xfrm>
+            <a:off x="2120113" y="267481"/>
+            <a:ext cx="126249" cy="129472"/>
+          </a:xfrm>
+          <a:prstGeom prst="ellipse">
+            <a:avLst/>
+          </a:prstGeom>
+          <a:solidFill>
+            <a:schemeClr val="accent1"/>
+          </a:solidFill>
+        </p:spPr>
+        <p:style>
+          <a:lnRef idx="2">
+            <a:schemeClr val="accent1">
+              <a:shade val="50000"/>
+            </a:schemeClr>
+          </a:lnRef>
+          <a:fillRef idx="1">
+            <a:schemeClr val="accent1"/>
+          </a:fillRef>
+          <a:effectRef idx="0">
+            <a:schemeClr val="accent1"/>
+          </a:effectRef>
+          <a:fontRef idx="minor">
+            <a:schemeClr val="lt1"/>
+          </a:fontRef>
+        </p:style>
+        <p:txBody>
+          <a:bodyPr rtlCol="0" anchor="ctr"/>
+          <a:lstStyle/>
+          <a:p>
+            <a:pPr algn="ctr"/>
+            <a:endParaRPr lang="de-DE"/>
+          </a:p>
+        </p:txBody>
+      </p:sp>
+      <p:sp>
+        <p:nvSpPr>
+          <p:cNvPr id="8" name="Ellipse 7"/>
+          <p:cNvSpPr/>
+          <p:nvPr/>
+        </p:nvSpPr>
+        <p:spPr>
+          <a:xfrm>
+            <a:off x="2379057" y="267481"/>
+            <a:ext cx="126249" cy="129472"/>
+          </a:xfrm>
+          <a:prstGeom prst="ellipse">
+            <a:avLst/>
+          </a:prstGeom>
+          <a:solidFill>
+            <a:schemeClr val="accent1"/>
+          </a:solidFill>
+        </p:spPr>
+        <p:style>
+          <a:lnRef idx="2">
+            <a:schemeClr val="accent1">
+              <a:shade val="50000"/>
+            </a:schemeClr>
+          </a:lnRef>
+          <a:fillRef idx="1">
+            <a:schemeClr val="accent1"/>
+          </a:fillRef>
+          <a:effectRef idx="0">
+            <a:schemeClr val="accent1"/>
+          </a:effectRef>
+          <a:fontRef idx="minor">
+            <a:schemeClr val="lt1"/>
+          </a:fontRef>
+        </p:style>
+        <p:txBody>
+          <a:bodyPr rtlCol="0" anchor="ctr"/>
+          <a:lstStyle/>
+          <a:p>
+            <a:pPr algn="ctr"/>
+            <a:endParaRPr lang="de-DE"/>
+          </a:p>
+        </p:txBody>
+      </p:sp>
+      <p:sp>
+        <p:nvSpPr>
+          <p:cNvPr id="9" name="Ellipse 8"/>
+          <p:cNvSpPr/>
+          <p:nvPr/>
+        </p:nvSpPr>
+        <p:spPr>
+          <a:xfrm>
+            <a:off x="2638001" y="267481"/>
+            <a:ext cx="126249" cy="129472"/>
+          </a:xfrm>
+          <a:prstGeom prst="ellipse">
+            <a:avLst/>
+          </a:prstGeom>
+          <a:solidFill>
+            <a:schemeClr val="accent1"/>
+          </a:solidFill>
+        </p:spPr>
+        <p:style>
+          <a:lnRef idx="2">
+            <a:schemeClr val="accent1">
+              <a:shade val="50000"/>
+            </a:schemeClr>
+          </a:lnRef>
+          <a:fillRef idx="1">
+            <a:schemeClr val="accent1"/>
+          </a:fillRef>
+          <a:effectRef idx="0">
+            <a:schemeClr val="accent1"/>
+          </a:effectRef>
+          <a:fontRef idx="minor">
+            <a:schemeClr val="lt1"/>
+          </a:fontRef>
+        </p:style>
+        <p:txBody>
+          <a:bodyPr rtlCol="0" anchor="ctr"/>
+          <a:lstStyle/>
+          <a:p>
+            <a:pPr algn="ctr"/>
+            <a:endParaRPr lang="de-DE"/>
+          </a:p>
+        </p:txBody>
+      </p:sp>
+      <p:sp>
+        <p:nvSpPr>
+          <p:cNvPr id="10" name="Ellipse 9"/>
+          <p:cNvSpPr/>
+          <p:nvPr/>
+        </p:nvSpPr>
+        <p:spPr>
+          <a:xfrm>
+            <a:off x="2896945" y="267481"/>
+            <a:ext cx="126249" cy="129472"/>
+          </a:xfrm>
+          <a:prstGeom prst="ellipse">
+            <a:avLst/>
+          </a:prstGeom>
+          <a:solidFill>
+            <a:schemeClr val="accent1"/>
+          </a:solidFill>
+        </p:spPr>
+        <p:style>
+          <a:lnRef idx="2">
+            <a:schemeClr val="accent1">
+              <a:shade val="50000"/>
+            </a:schemeClr>
+          </a:lnRef>
+          <a:fillRef idx="1">
+            <a:schemeClr val="accent1"/>
+          </a:fillRef>
+          <a:effectRef idx="0">
+            <a:schemeClr val="accent1"/>
+          </a:effectRef>
+          <a:fontRef idx="minor">
+            <a:schemeClr val="lt1"/>
+          </a:fontRef>
+        </p:style>
+        <p:txBody>
+          <a:bodyPr rtlCol="0" anchor="ctr"/>
+          <a:lstStyle/>
+          <a:p>
+            <a:pPr algn="ctr"/>
+            <a:endParaRPr lang="de-DE">
+              <a:solidFill>
+                <a:schemeClr val="accent1"/>
+              </a:solidFill>
+            </a:endParaRPr>
+          </a:p>
+        </p:txBody>
+      </p:sp>
+      <p:sp>
+        <p:nvSpPr>
+          <p:cNvPr id="11" name="Ellipse 10"/>
+          <p:cNvSpPr/>
+          <p:nvPr/>
+        </p:nvSpPr>
+        <p:spPr>
+          <a:xfrm>
+            <a:off x="4253985" y="264724"/>
+            <a:ext cx="126249" cy="129472"/>
+          </a:xfrm>
+          <a:prstGeom prst="ellipse">
+            <a:avLst/>
+          </a:prstGeom>
+          <a:solidFill>
+            <a:schemeClr val="accent1"/>
+          </a:solidFill>
+        </p:spPr>
+        <p:style>
+          <a:lnRef idx="2">
+            <a:schemeClr val="accent1">
+              <a:shade val="50000"/>
+            </a:schemeClr>
+          </a:lnRef>
+          <a:fillRef idx="1">
+            <a:schemeClr val="accent1"/>
+          </a:fillRef>
+          <a:effectRef idx="0">
+            <a:schemeClr val="accent1"/>
+          </a:effectRef>
+          <a:fontRef idx="minor">
+            <a:schemeClr val="lt1"/>
+          </a:fontRef>
+        </p:style>
+        <p:txBody>
+          <a:bodyPr rtlCol="0" anchor="ctr"/>
+          <a:lstStyle/>
+          <a:p>
+            <a:pPr algn="ctr"/>
+            <a:endParaRPr lang="de-DE"/>
+          </a:p>
+        </p:txBody>
+      </p:sp>
+      <p:sp>
+        <p:nvSpPr>
+          <p:cNvPr id="12" name="Ellipse 11"/>
+          <p:cNvSpPr/>
+          <p:nvPr/>
+        </p:nvSpPr>
+        <p:spPr>
+          <a:xfrm>
+            <a:off x="4512930" y="264724"/>
+            <a:ext cx="126249" cy="129472"/>
+          </a:xfrm>
+          <a:prstGeom prst="ellipse">
+            <a:avLst/>
+          </a:prstGeom>
+          <a:solidFill>
+            <a:schemeClr val="tx1"/>
+          </a:solidFill>
+        </p:spPr>
+        <p:style>
+          <a:lnRef idx="2">
+            <a:schemeClr val="accent1">
+              <a:shade val="50000"/>
+            </a:schemeClr>
+          </a:lnRef>
+          <a:fillRef idx="1">
+            <a:schemeClr val="accent1"/>
+          </a:fillRef>
+          <a:effectRef idx="0">
+            <a:schemeClr val="accent1"/>
+          </a:effectRef>
+          <a:fontRef idx="minor">
+            <a:schemeClr val="lt1"/>
+          </a:fontRef>
+        </p:style>
+        <p:txBody>
+          <a:bodyPr rtlCol="0" anchor="ctr"/>
+          <a:lstStyle/>
+          <a:p>
+            <a:pPr algn="ctr"/>
+            <a:endParaRPr lang="de-DE"/>
+          </a:p>
+        </p:txBody>
+      </p:sp>
+      <p:sp>
+        <p:nvSpPr>
+          <p:cNvPr id="13" name="Ellipse 12"/>
+          <p:cNvSpPr/>
+          <p:nvPr/>
+        </p:nvSpPr>
+        <p:spPr>
+          <a:xfrm>
+            <a:off x="5833187" y="262411"/>
+            <a:ext cx="126249" cy="129472"/>
+          </a:xfrm>
+          <a:prstGeom prst="ellipse">
+            <a:avLst/>
+          </a:prstGeom>
+          <a:solidFill>
+            <a:schemeClr val="tx1"/>
+          </a:solidFill>
+        </p:spPr>
+        <p:style>
+          <a:lnRef idx="2">
+            <a:schemeClr val="accent1">
+              <a:shade val="50000"/>
+            </a:schemeClr>
+          </a:lnRef>
+          <a:fillRef idx="1">
+            <a:schemeClr val="accent1"/>
+          </a:fillRef>
+          <a:effectRef idx="0">
+            <a:schemeClr val="accent1"/>
+          </a:effectRef>
+          <a:fontRef idx="minor">
+            <a:schemeClr val="lt1"/>
+          </a:fontRef>
+        </p:style>
+        <p:txBody>
+          <a:bodyPr rtlCol="0" anchor="ctr"/>
+          <a:lstStyle/>
+          <a:p>
+            <a:pPr algn="ctr"/>
+            <a:endParaRPr lang="de-DE"/>
+          </a:p>
+        </p:txBody>
+      </p:sp>
+      <p:sp>
+        <p:nvSpPr>
+          <p:cNvPr id="14" name="ZoneTexte 13"/>
+          <p:cNvSpPr txBox="1"/>
+          <p:nvPr/>
+        </p:nvSpPr>
+        <p:spPr>
+          <a:xfrm>
+            <a:off x="774101" y="9616"/>
+            <a:ext cx="818044" cy="230832"/>
+          </a:xfrm>
+          <a:prstGeom prst="rect">
+            <a:avLst/>
+          </a:prstGeom>
+          <a:noFill/>
+        </p:spPr>
+        <p:txBody>
+          <a:bodyPr wrap="square" rtlCol="0">
+            <a:spAutoFit/>
+          </a:bodyPr>
+          <a:lstStyle/>
+          <a:p>
+            <a:pPr algn="ctr"/>
+            <a:r>
+              <a:rPr lang="fr-FR" sz="900" dirty="0" smtClean="0"/>
+              <a:t>Introduction</a:t>
+            </a:r>
+            <a:endParaRPr lang="de-DE" dirty="0"/>
+          </a:p>
+        </p:txBody>
+      </p:sp>
+      <p:sp>
+        <p:nvSpPr>
+          <p:cNvPr id="15" name="ZoneTexte 14"/>
+          <p:cNvSpPr txBox="1"/>
+          <p:nvPr/>
+        </p:nvSpPr>
+        <p:spPr>
+          <a:xfrm>
+            <a:off x="1729778" y="9616"/>
+            <a:ext cx="1765981" cy="230832"/>
+          </a:xfrm>
+          <a:prstGeom prst="rect">
+            <a:avLst/>
+          </a:prstGeom>
+          <a:noFill/>
+        </p:spPr>
+        <p:txBody>
+          <a:bodyPr wrap="square" rtlCol="0">
+            <a:spAutoFit/>
+          </a:bodyPr>
+          <a:lstStyle/>
+          <a:p>
+            <a:pPr algn="ctr"/>
+            <a:r>
+              <a:rPr lang="fr-FR" sz="900" dirty="0" smtClean="0"/>
+              <a:t>Etude fonctionnelle et technique</a:t>
+            </a:r>
+            <a:endParaRPr lang="de-DE" dirty="0"/>
+          </a:p>
+        </p:txBody>
+      </p:sp>
+      <p:sp>
+        <p:nvSpPr>
+          <p:cNvPr id="16" name="ZoneTexte 15"/>
+          <p:cNvSpPr txBox="1"/>
+          <p:nvPr/>
+        </p:nvSpPr>
+        <p:spPr>
+          <a:xfrm>
+            <a:off x="3593475" y="9616"/>
+            <a:ext cx="1765981" cy="230832"/>
+          </a:xfrm>
+          <a:prstGeom prst="rect">
+            <a:avLst/>
+          </a:prstGeom>
+          <a:noFill/>
+        </p:spPr>
+        <p:txBody>
+          <a:bodyPr wrap="square" rtlCol="0">
+            <a:spAutoFit/>
+          </a:bodyPr>
+          <a:lstStyle/>
+          <a:p>
+            <a:pPr algn="ctr"/>
+            <a:r>
+              <a:rPr lang="fr-FR" sz="900" dirty="0" smtClean="0"/>
+              <a:t>Résultats et perspectives</a:t>
+            </a:r>
+            <a:endParaRPr lang="de-DE" dirty="0"/>
+          </a:p>
+        </p:txBody>
+      </p:sp>
+      <p:sp>
+        <p:nvSpPr>
+          <p:cNvPr id="17" name="ZoneTexte 16"/>
+          <p:cNvSpPr txBox="1"/>
+          <p:nvPr/>
+        </p:nvSpPr>
+        <p:spPr>
+          <a:xfrm>
+            <a:off x="5359456" y="9616"/>
+            <a:ext cx="1073712" cy="230832"/>
+          </a:xfrm>
+          <a:prstGeom prst="rect">
+            <a:avLst/>
+          </a:prstGeom>
+          <a:noFill/>
+        </p:spPr>
+        <p:txBody>
+          <a:bodyPr wrap="square" rtlCol="0">
+            <a:spAutoFit/>
+          </a:bodyPr>
+          <a:lstStyle/>
+          <a:p>
+            <a:pPr algn="ctr"/>
+            <a:r>
+              <a:rPr lang="fr-FR" sz="900" dirty="0" smtClean="0"/>
+              <a:t>Conclusion</a:t>
+            </a:r>
+            <a:endParaRPr lang="de-DE" dirty="0"/>
+          </a:p>
+        </p:txBody>
+      </p:sp>
+      <p:sp>
+        <p:nvSpPr>
+          <p:cNvPr id="18" name="Titre 1"/>
+          <p:cNvSpPr txBox="1">
+            <a:spLocks/>
+          </p:cNvSpPr>
+          <p:nvPr/>
+        </p:nvSpPr>
+        <p:spPr>
+          <a:xfrm>
+            <a:off x="676360" y="464120"/>
+            <a:ext cx="10515600" cy="1325563"/>
+          </a:xfrm>
+          <a:prstGeom prst="rect">
+            <a:avLst/>
+          </a:prstGeom>
+        </p:spPr>
+        <p:txBody>
+          <a:bodyPr vert="horz" lIns="91440" tIns="45720" rIns="91440" bIns="45720" rtlCol="0" anchor="ctr">
+            <a:normAutofit/>
+          </a:bodyPr>
+          <a:lstStyle>
+            <a:lvl1pPr algn="l" defTabSz="914400" rtl="0" eaLnBrk="1" latinLnBrk="0" hangingPunct="1">
+              <a:lnSpc>
+                <a:spcPct val="90000"/>
+              </a:lnSpc>
+              <a:spcBef>
+                <a:spcPct val="0"/>
+              </a:spcBef>
+              <a:buNone/>
+              <a:defRPr sz="5400" b="0" kern="1200">
+                <a:gradFill flip="none" rotWithShape="1">
+                  <a:gsLst>
+                    <a:gs pos="28000">
+                      <a:schemeClr val="tx1">
+                        <a:lumMod val="93000"/>
+                      </a:schemeClr>
+                    </a:gs>
+                    <a:gs pos="0">
+                      <a:schemeClr val="bg1">
+                        <a:lumMod val="25000"/>
+                        <a:lumOff val="75000"/>
+                      </a:schemeClr>
+                    </a:gs>
+                    <a:gs pos="100000">
+                      <a:schemeClr val="tx2">
+                        <a:lumMod val="0"/>
+                        <a:lumOff val="100000"/>
+                      </a:schemeClr>
+                    </a:gs>
+                  </a:gsLst>
+                  <a:lin ang="4800000" scaled="0"/>
+                  <a:tileRect/>
+                </a:gradFill>
+                <a:latin typeface="+mj-lt"/>
+                <a:ea typeface="+mj-ea"/>
+                <a:cs typeface="+mj-cs"/>
+              </a:defRPr>
+            </a:lvl1pPr>
+          </a:lstStyle>
+          <a:p>
+            <a:r>
+              <a:rPr lang="fr-FR" dirty="0" smtClean="0"/>
+              <a:t>Démonstration</a:t>
+            </a:r>
+            <a:endParaRPr lang="de-DE" dirty="0"/>
           </a:p>
         </p:txBody>
       </p:sp>
@@ -7439,6 +9002,25 @@
   <p:clrMapOvr>
     <a:masterClrMapping/>
   </p:clrMapOvr>
+  <mc:AlternateContent xmlns:mc="http://schemas.openxmlformats.org/markup-compatibility/2006">
+    <mc:Choice xmlns:p14="http://schemas.microsoft.com/office/powerpoint/2010/main" Requires="p14">
+      <p:transition spd="slow">
+        <p14:warp dir="in"/>
+      </p:transition>
+    </mc:Choice>
+    <mc:Fallback>
+      <p:transition spd="slow">
+        <p:fade/>
+      </p:transition>
+    </mc:Fallback>
+  </mc:AlternateContent>
+  <p:timing>
+    <p:tnLst>
+      <p:par>
+        <p:cTn id="1" dur="indefinite" restart="never" nodeType="tmRoot"/>
+      </p:par>
+    </p:tnLst>
+  </p:timing>
 </p:sld>
 </file>
 
@@ -7471,7 +9053,7 @@
         </p:nvSpPr>
         <p:spPr>
           <a:xfrm>
-            <a:off x="838200" y="243205"/>
+            <a:off x="838200" y="445505"/>
             <a:ext cx="10515600" cy="1325563"/>
           </a:xfrm>
         </p:spPr>
@@ -7501,7 +9083,7 @@
         </p:nvSpPr>
         <p:spPr>
           <a:xfrm>
-            <a:off x="838200" y="1802679"/>
+            <a:off x="838200" y="1772320"/>
             <a:ext cx="10515600" cy="2884731"/>
           </a:xfrm>
         </p:spPr>
@@ -7527,7 +9109,15 @@
             </a:pPr>
             <a:r>
               <a:rPr lang="fr-FR" dirty="0"/>
-              <a:t>Envoi de mails</a:t>
+              <a:t>Envoi </a:t>
+            </a:r>
+            <a:r>
+              <a:rPr lang="fr-FR" dirty="0" smtClean="0"/>
+              <a:t>automatique de </a:t>
+            </a:r>
+            <a:r>
+              <a:rPr lang="fr-FR" dirty="0"/>
+              <a:t>mails</a:t>
             </a:r>
           </a:p>
           <a:p>
@@ -7536,10 +9126,34 @@
               <a:buChar char="Ø"/>
             </a:pPr>
             <a:r>
-              <a:rPr lang="fr-FR" dirty="0" err="1"/>
+              <a:rPr lang="fr-FR" dirty="0" smtClean="0"/>
+              <a:t>Utilisation des </a:t>
+            </a:r>
+            <a:r>
+              <a:rPr lang="fr-FR" i="1" dirty="0" err="1" smtClean="0"/>
+              <a:t>frameworks</a:t>
+            </a:r>
+            <a:r>
+              <a:rPr lang="fr-FR" dirty="0" smtClean="0"/>
+              <a:t> </a:t>
+            </a:r>
+            <a:r>
+              <a:rPr lang="fr-FR" i="1" dirty="0" err="1" smtClean="0"/>
               <a:t>Jhipster</a:t>
             </a:r>
-            <a:endParaRPr lang="fr-FR" dirty="0"/>
+            <a:r>
+              <a:rPr lang="fr-FR" i="1" dirty="0" smtClean="0"/>
+              <a:t> </a:t>
+            </a:r>
+            <a:r>
+              <a:rPr lang="fr-FR" dirty="0" smtClean="0"/>
+              <a:t>et </a:t>
+            </a:r>
+            <a:r>
+              <a:rPr lang="fr-FR" i="1" dirty="0" smtClean="0"/>
+              <a:t>Electron</a:t>
+            </a:r>
+            <a:endParaRPr lang="fr-FR" i="1" dirty="0"/>
           </a:p>
           <a:p>
             <a:pPr indent="-540000">
@@ -7547,9 +9161,14 @@
               <a:buChar char="Ø"/>
             </a:pPr>
             <a:r>
-              <a:rPr lang="fr-FR" dirty="0"/>
-              <a:t>…..</a:t>
-            </a:r>
+              <a:rPr lang="fr-FR" dirty="0" smtClean="0"/>
+              <a:t>Mise en place d’une </a:t>
+            </a:r>
+            <a:r>
+              <a:rPr lang="fr-FR" i="1" dirty="0" smtClean="0"/>
+              <a:t>API REST</a:t>
+            </a:r>
+            <a:endParaRPr lang="fr-FR" i="1" dirty="0"/>
           </a:p>
           <a:p>
             <a:pPr indent="-540000">
@@ -7586,10 +9205,10 @@
       </p:sp>
       <p:pic>
         <p:nvPicPr>
-          <p:cNvPr id="4" name="Image 3">
+          <p:cNvPr id="9" name="Image 8">
             <a:extLst>
               <a:ext uri="{FF2B5EF4-FFF2-40B4-BE49-F238E27FC236}">
-                <a16:creationId xmlns:a16="http://schemas.microsoft.com/office/drawing/2014/main" id="{6A3BBC42-B7D2-4365-86CC-B13E10709891}"/>
+                <a16:creationId xmlns:a16="http://schemas.microsoft.com/office/drawing/2014/main" xmlns="" id="{57E29A5C-C6CE-4DB8-B228-326E848D35CC}"/>
               </a:ext>
             </a:extLst>
           </p:cNvPr>
@@ -7606,38 +9225,611 @@
         </p:blipFill>
         <p:spPr>
           <a:xfrm>
-            <a:off x="8319971" y="3290376"/>
-            <a:ext cx="2457520" cy="1630945"/>
+            <a:off x="5377735" y="4410423"/>
+            <a:ext cx="1752473" cy="1584973"/>
           </a:xfrm>
           <a:prstGeom prst="rect">
             <a:avLst/>
           </a:prstGeom>
         </p:spPr>
       </p:pic>
+      <p:sp>
+        <p:nvSpPr>
+          <p:cNvPr id="7" name="Ellipse 6"/>
+          <p:cNvSpPr/>
+          <p:nvPr/>
+        </p:nvSpPr>
+        <p:spPr>
+          <a:xfrm>
+            <a:off x="993751" y="267481"/>
+            <a:ext cx="126249" cy="129472"/>
+          </a:xfrm>
+          <a:prstGeom prst="ellipse">
+            <a:avLst/>
+          </a:prstGeom>
+          <a:solidFill>
+            <a:schemeClr val="accent1"/>
+          </a:solidFill>
+        </p:spPr>
+        <p:style>
+          <a:lnRef idx="2">
+            <a:schemeClr val="accent1">
+              <a:shade val="50000"/>
+            </a:schemeClr>
+          </a:lnRef>
+          <a:fillRef idx="1">
+            <a:schemeClr val="accent1"/>
+          </a:fillRef>
+          <a:effectRef idx="0">
+            <a:schemeClr val="accent1"/>
+          </a:effectRef>
+          <a:fontRef idx="minor">
+            <a:schemeClr val="lt1"/>
+          </a:fontRef>
+        </p:style>
+        <p:txBody>
+          <a:bodyPr rtlCol="0" anchor="ctr"/>
+          <a:lstStyle/>
+          <a:p>
+            <a:pPr algn="ctr"/>
+            <a:endParaRPr lang="de-DE"/>
+          </a:p>
+        </p:txBody>
+      </p:sp>
+      <p:sp>
+        <p:nvSpPr>
+          <p:cNvPr id="10" name="Ellipse 9"/>
+          <p:cNvSpPr/>
+          <p:nvPr/>
+        </p:nvSpPr>
+        <p:spPr>
+          <a:xfrm>
+            <a:off x="1232466" y="267481"/>
+            <a:ext cx="126249" cy="129472"/>
+          </a:xfrm>
+          <a:prstGeom prst="ellipse">
+            <a:avLst/>
+          </a:prstGeom>
+          <a:solidFill>
+            <a:schemeClr val="accent1"/>
+          </a:solidFill>
+        </p:spPr>
+        <p:style>
+          <a:lnRef idx="2">
+            <a:schemeClr val="accent1">
+              <a:shade val="50000"/>
+            </a:schemeClr>
+          </a:lnRef>
+          <a:fillRef idx="1">
+            <a:schemeClr val="accent1"/>
+          </a:fillRef>
+          <a:effectRef idx="0">
+            <a:schemeClr val="accent1"/>
+          </a:effectRef>
+          <a:fontRef idx="minor">
+            <a:schemeClr val="lt1"/>
+          </a:fontRef>
+        </p:style>
+        <p:txBody>
+          <a:bodyPr rtlCol="0" anchor="ctr"/>
+          <a:lstStyle/>
+          <a:p>
+            <a:pPr algn="ctr"/>
+            <a:endParaRPr lang="de-DE"/>
+          </a:p>
+        </p:txBody>
+      </p:sp>
+      <p:sp>
+        <p:nvSpPr>
+          <p:cNvPr id="11" name="Ellipse 10"/>
+          <p:cNvSpPr/>
+          <p:nvPr/>
+        </p:nvSpPr>
+        <p:spPr>
+          <a:xfrm>
+            <a:off x="2120113" y="267481"/>
+            <a:ext cx="126249" cy="129472"/>
+          </a:xfrm>
+          <a:prstGeom prst="ellipse">
+            <a:avLst/>
+          </a:prstGeom>
+          <a:solidFill>
+            <a:schemeClr val="accent1"/>
+          </a:solidFill>
+        </p:spPr>
+        <p:style>
+          <a:lnRef idx="2">
+            <a:schemeClr val="accent1">
+              <a:shade val="50000"/>
+            </a:schemeClr>
+          </a:lnRef>
+          <a:fillRef idx="1">
+            <a:schemeClr val="accent1"/>
+          </a:fillRef>
+          <a:effectRef idx="0">
+            <a:schemeClr val="accent1"/>
+          </a:effectRef>
+          <a:fontRef idx="minor">
+            <a:schemeClr val="lt1"/>
+          </a:fontRef>
+        </p:style>
+        <p:txBody>
+          <a:bodyPr rtlCol="0" anchor="ctr"/>
+          <a:lstStyle/>
+          <a:p>
+            <a:pPr algn="ctr"/>
+            <a:endParaRPr lang="de-DE"/>
+          </a:p>
+        </p:txBody>
+      </p:sp>
+      <p:sp>
+        <p:nvSpPr>
+          <p:cNvPr id="12" name="Ellipse 11"/>
+          <p:cNvSpPr/>
+          <p:nvPr/>
+        </p:nvSpPr>
+        <p:spPr>
+          <a:xfrm>
+            <a:off x="2379057" y="267481"/>
+            <a:ext cx="126249" cy="129472"/>
+          </a:xfrm>
+          <a:prstGeom prst="ellipse">
+            <a:avLst/>
+          </a:prstGeom>
+          <a:solidFill>
+            <a:schemeClr val="accent1"/>
+          </a:solidFill>
+        </p:spPr>
+        <p:style>
+          <a:lnRef idx="2">
+            <a:schemeClr val="accent1">
+              <a:shade val="50000"/>
+            </a:schemeClr>
+          </a:lnRef>
+          <a:fillRef idx="1">
+            <a:schemeClr val="accent1"/>
+          </a:fillRef>
+          <a:effectRef idx="0">
+            <a:schemeClr val="accent1"/>
+          </a:effectRef>
+          <a:fontRef idx="minor">
+            <a:schemeClr val="lt1"/>
+          </a:fontRef>
+        </p:style>
+        <p:txBody>
+          <a:bodyPr rtlCol="0" anchor="ctr"/>
+          <a:lstStyle/>
+          <a:p>
+            <a:pPr algn="ctr"/>
+            <a:endParaRPr lang="de-DE"/>
+          </a:p>
+        </p:txBody>
+      </p:sp>
+      <p:sp>
+        <p:nvSpPr>
+          <p:cNvPr id="13" name="Ellipse 12"/>
+          <p:cNvSpPr/>
+          <p:nvPr/>
+        </p:nvSpPr>
+        <p:spPr>
+          <a:xfrm>
+            <a:off x="2638001" y="267481"/>
+            <a:ext cx="126249" cy="129472"/>
+          </a:xfrm>
+          <a:prstGeom prst="ellipse">
+            <a:avLst/>
+          </a:prstGeom>
+          <a:solidFill>
+            <a:schemeClr val="accent1"/>
+          </a:solidFill>
+        </p:spPr>
+        <p:style>
+          <a:lnRef idx="2">
+            <a:schemeClr val="accent1">
+              <a:shade val="50000"/>
+            </a:schemeClr>
+          </a:lnRef>
+          <a:fillRef idx="1">
+            <a:schemeClr val="accent1"/>
+          </a:fillRef>
+          <a:effectRef idx="0">
+            <a:schemeClr val="accent1"/>
+          </a:effectRef>
+          <a:fontRef idx="minor">
+            <a:schemeClr val="lt1"/>
+          </a:fontRef>
+        </p:style>
+        <p:txBody>
+          <a:bodyPr rtlCol="0" anchor="ctr"/>
+          <a:lstStyle/>
+          <a:p>
+            <a:pPr algn="ctr"/>
+            <a:endParaRPr lang="de-DE"/>
+          </a:p>
+        </p:txBody>
+      </p:sp>
+      <p:sp>
+        <p:nvSpPr>
+          <p:cNvPr id="14" name="Ellipse 13"/>
+          <p:cNvSpPr/>
+          <p:nvPr/>
+        </p:nvSpPr>
+        <p:spPr>
+          <a:xfrm>
+            <a:off x="2896945" y="267481"/>
+            <a:ext cx="126249" cy="129472"/>
+          </a:xfrm>
+          <a:prstGeom prst="ellipse">
+            <a:avLst/>
+          </a:prstGeom>
+          <a:solidFill>
+            <a:schemeClr val="accent1"/>
+          </a:solidFill>
+        </p:spPr>
+        <p:style>
+          <a:lnRef idx="2">
+            <a:schemeClr val="accent1">
+              <a:shade val="50000"/>
+            </a:schemeClr>
+          </a:lnRef>
+          <a:fillRef idx="1">
+            <a:schemeClr val="accent1"/>
+          </a:fillRef>
+          <a:effectRef idx="0">
+            <a:schemeClr val="accent1"/>
+          </a:effectRef>
+          <a:fontRef idx="minor">
+            <a:schemeClr val="lt1"/>
+          </a:fontRef>
+        </p:style>
+        <p:txBody>
+          <a:bodyPr rtlCol="0" anchor="ctr"/>
+          <a:lstStyle/>
+          <a:p>
+            <a:pPr algn="ctr"/>
+            <a:endParaRPr lang="de-DE">
+              <a:solidFill>
+                <a:schemeClr val="accent1"/>
+              </a:solidFill>
+            </a:endParaRPr>
+          </a:p>
+        </p:txBody>
+      </p:sp>
+      <p:sp>
+        <p:nvSpPr>
+          <p:cNvPr id="15" name="Ellipse 14"/>
+          <p:cNvSpPr/>
+          <p:nvPr/>
+        </p:nvSpPr>
+        <p:spPr>
+          <a:xfrm>
+            <a:off x="4253985" y="264724"/>
+            <a:ext cx="126249" cy="129472"/>
+          </a:xfrm>
+          <a:prstGeom prst="ellipse">
+            <a:avLst/>
+          </a:prstGeom>
+          <a:solidFill>
+            <a:schemeClr val="accent1"/>
+          </a:solidFill>
+        </p:spPr>
+        <p:style>
+          <a:lnRef idx="2">
+            <a:schemeClr val="accent1">
+              <a:shade val="50000"/>
+            </a:schemeClr>
+          </a:lnRef>
+          <a:fillRef idx="1">
+            <a:schemeClr val="accent1"/>
+          </a:fillRef>
+          <a:effectRef idx="0">
+            <a:schemeClr val="accent1"/>
+          </a:effectRef>
+          <a:fontRef idx="minor">
+            <a:schemeClr val="lt1"/>
+          </a:fontRef>
+        </p:style>
+        <p:txBody>
+          <a:bodyPr rtlCol="0" anchor="ctr"/>
+          <a:lstStyle/>
+          <a:p>
+            <a:pPr algn="ctr"/>
+            <a:endParaRPr lang="de-DE"/>
+          </a:p>
+        </p:txBody>
+      </p:sp>
+      <p:sp>
+        <p:nvSpPr>
+          <p:cNvPr id="16" name="Ellipse 15"/>
+          <p:cNvSpPr/>
+          <p:nvPr/>
+        </p:nvSpPr>
+        <p:spPr>
+          <a:xfrm>
+            <a:off x="4512930" y="264724"/>
+            <a:ext cx="126249" cy="129472"/>
+          </a:xfrm>
+          <a:prstGeom prst="ellipse">
+            <a:avLst/>
+          </a:prstGeom>
+          <a:solidFill>
+            <a:schemeClr val="accent1"/>
+          </a:solidFill>
+        </p:spPr>
+        <p:style>
+          <a:lnRef idx="2">
+            <a:schemeClr val="accent1">
+              <a:shade val="50000"/>
+            </a:schemeClr>
+          </a:lnRef>
+          <a:fillRef idx="1">
+            <a:schemeClr val="accent1"/>
+          </a:fillRef>
+          <a:effectRef idx="0">
+            <a:schemeClr val="accent1"/>
+          </a:effectRef>
+          <a:fontRef idx="minor">
+            <a:schemeClr val="lt1"/>
+          </a:fontRef>
+        </p:style>
+        <p:txBody>
+          <a:bodyPr rtlCol="0" anchor="ctr"/>
+          <a:lstStyle/>
+          <a:p>
+            <a:pPr algn="ctr"/>
+            <a:endParaRPr lang="de-DE"/>
+          </a:p>
+        </p:txBody>
+      </p:sp>
+      <p:sp>
+        <p:nvSpPr>
+          <p:cNvPr id="17" name="Ellipse 16"/>
+          <p:cNvSpPr/>
+          <p:nvPr/>
+        </p:nvSpPr>
+        <p:spPr>
+          <a:xfrm>
+            <a:off x="5833187" y="262411"/>
+            <a:ext cx="126249" cy="129472"/>
+          </a:xfrm>
+          <a:prstGeom prst="ellipse">
+            <a:avLst/>
+          </a:prstGeom>
+          <a:solidFill>
+            <a:schemeClr val="tx1"/>
+          </a:solidFill>
+        </p:spPr>
+        <p:style>
+          <a:lnRef idx="2">
+            <a:schemeClr val="accent1">
+              <a:shade val="50000"/>
+            </a:schemeClr>
+          </a:lnRef>
+          <a:fillRef idx="1">
+            <a:schemeClr val="accent1"/>
+          </a:fillRef>
+          <a:effectRef idx="0">
+            <a:schemeClr val="accent1"/>
+          </a:effectRef>
+          <a:fontRef idx="minor">
+            <a:schemeClr val="lt1"/>
+          </a:fontRef>
+        </p:style>
+        <p:txBody>
+          <a:bodyPr rtlCol="0" anchor="ctr"/>
+          <a:lstStyle/>
+          <a:p>
+            <a:pPr algn="ctr"/>
+            <a:endParaRPr lang="de-DE"/>
+          </a:p>
+        </p:txBody>
+      </p:sp>
+      <p:sp>
+        <p:nvSpPr>
+          <p:cNvPr id="18" name="ZoneTexte 17"/>
+          <p:cNvSpPr txBox="1"/>
+          <p:nvPr/>
+        </p:nvSpPr>
+        <p:spPr>
+          <a:xfrm>
+            <a:off x="774101" y="9616"/>
+            <a:ext cx="818044" cy="230832"/>
+          </a:xfrm>
+          <a:prstGeom prst="rect">
+            <a:avLst/>
+          </a:prstGeom>
+          <a:noFill/>
+        </p:spPr>
+        <p:txBody>
+          <a:bodyPr wrap="square" rtlCol="0">
+            <a:spAutoFit/>
+          </a:bodyPr>
+          <a:lstStyle/>
+          <a:p>
+            <a:pPr algn="ctr"/>
+            <a:r>
+              <a:rPr lang="fr-FR" sz="900" dirty="0" smtClean="0"/>
+              <a:t>Introduction</a:t>
+            </a:r>
+            <a:endParaRPr lang="de-DE" dirty="0"/>
+          </a:p>
+        </p:txBody>
+      </p:sp>
+      <p:sp>
+        <p:nvSpPr>
+          <p:cNvPr id="19" name="ZoneTexte 18"/>
+          <p:cNvSpPr txBox="1"/>
+          <p:nvPr/>
+        </p:nvSpPr>
+        <p:spPr>
+          <a:xfrm>
+            <a:off x="1729778" y="9616"/>
+            <a:ext cx="1765981" cy="230832"/>
+          </a:xfrm>
+          <a:prstGeom prst="rect">
+            <a:avLst/>
+          </a:prstGeom>
+          <a:noFill/>
+        </p:spPr>
+        <p:txBody>
+          <a:bodyPr wrap="square" rtlCol="0">
+            <a:spAutoFit/>
+          </a:bodyPr>
+          <a:lstStyle/>
+          <a:p>
+            <a:pPr algn="ctr"/>
+            <a:r>
+              <a:rPr lang="fr-FR" sz="900" dirty="0" smtClean="0"/>
+              <a:t>Etude fonctionnelle et technique</a:t>
+            </a:r>
+            <a:endParaRPr lang="de-DE" dirty="0"/>
+          </a:p>
+        </p:txBody>
+      </p:sp>
+      <p:sp>
+        <p:nvSpPr>
+          <p:cNvPr id="20" name="ZoneTexte 19"/>
+          <p:cNvSpPr txBox="1"/>
+          <p:nvPr/>
+        </p:nvSpPr>
+        <p:spPr>
+          <a:xfrm>
+            <a:off x="3593475" y="9616"/>
+            <a:ext cx="1765981" cy="230832"/>
+          </a:xfrm>
+          <a:prstGeom prst="rect">
+            <a:avLst/>
+          </a:prstGeom>
+          <a:noFill/>
+        </p:spPr>
+        <p:txBody>
+          <a:bodyPr wrap="square" rtlCol="0">
+            <a:spAutoFit/>
+          </a:bodyPr>
+          <a:lstStyle/>
+          <a:p>
+            <a:pPr algn="ctr"/>
+            <a:r>
+              <a:rPr lang="fr-FR" sz="900" dirty="0" smtClean="0"/>
+              <a:t>Résultats et perspectives</a:t>
+            </a:r>
+            <a:endParaRPr lang="de-DE" dirty="0"/>
+          </a:p>
+        </p:txBody>
+      </p:sp>
+      <p:sp>
+        <p:nvSpPr>
+          <p:cNvPr id="21" name="ZoneTexte 20"/>
+          <p:cNvSpPr txBox="1"/>
+          <p:nvPr/>
+        </p:nvSpPr>
+        <p:spPr>
+          <a:xfrm>
+            <a:off x="5359456" y="9616"/>
+            <a:ext cx="1073712" cy="230832"/>
+          </a:xfrm>
+          <a:prstGeom prst="rect">
+            <a:avLst/>
+          </a:prstGeom>
+          <a:noFill/>
+        </p:spPr>
+        <p:txBody>
+          <a:bodyPr wrap="square" rtlCol="0">
+            <a:spAutoFit/>
+          </a:bodyPr>
+          <a:lstStyle/>
+          <a:p>
+            <a:pPr algn="ctr"/>
+            <a:r>
+              <a:rPr lang="fr-FR" sz="900" dirty="0" smtClean="0"/>
+              <a:t>Conclusion</a:t>
+            </a:r>
+            <a:endParaRPr lang="de-DE" dirty="0"/>
+          </a:p>
+        </p:txBody>
+      </p:sp>
       <p:pic>
         <p:nvPicPr>
-          <p:cNvPr id="9" name="Image 8">
-            <a:extLst>
-              <a:ext uri="{FF2B5EF4-FFF2-40B4-BE49-F238E27FC236}">
-                <a16:creationId xmlns:a16="http://schemas.microsoft.com/office/drawing/2014/main" id="{57E29A5C-C6CE-4DB8-B228-326E848D35CC}"/>
-              </a:ext>
-            </a:extLst>
-          </p:cNvPr>
+          <p:cNvPr id="3" name="Image 2"/>
           <p:cNvPicPr>
             <a:picLocks noChangeAspect="1"/>
           </p:cNvPicPr>
           <p:nvPr/>
         </p:nvPicPr>
         <p:blipFill>
-          <a:blip r:embed="rId4"/>
+          <a:blip r:embed="rId4">
+            <a:extLst>
+              <a:ext uri="{28A0092B-C50C-407E-A947-70E740481C1C}">
+                <a14:useLocalDpi xmlns:a14="http://schemas.microsoft.com/office/drawing/2010/main" val="0"/>
+              </a:ext>
+            </a:extLst>
+          </a:blip>
           <a:stretch>
             <a:fillRect/>
           </a:stretch>
         </p:blipFill>
         <p:spPr>
           <a:xfrm>
-            <a:off x="3449841" y="4773720"/>
-            <a:ext cx="1752473" cy="1584973"/>
+            <a:off x="8387963" y="3783518"/>
+            <a:ext cx="1544125" cy="1965250"/>
+          </a:xfrm>
+          <a:prstGeom prst="rect">
+            <a:avLst/>
+          </a:prstGeom>
+        </p:spPr>
+      </p:pic>
+      <p:pic>
+        <p:nvPicPr>
+          <p:cNvPr id="6" name="Image 5"/>
+          <p:cNvPicPr>
+            <a:picLocks noChangeAspect="1"/>
+          </p:cNvPicPr>
+          <p:nvPr/>
+        </p:nvPicPr>
+        <p:blipFill rotWithShape="1">
+          <a:blip r:embed="rId5">
+            <a:extLst>
+              <a:ext uri="{28A0092B-C50C-407E-A947-70E740481C1C}">
+                <a14:useLocalDpi xmlns:a14="http://schemas.microsoft.com/office/drawing/2010/main" val="0"/>
+              </a:ext>
+            </a:extLst>
+          </a:blip>
+          <a:srcRect l="29223" t="20605" b="26109"/>
+          <a:stretch/>
+        </p:blipFill>
+        <p:spPr>
+          <a:xfrm>
+            <a:off x="7757377" y="5834905"/>
+            <a:ext cx="2805296" cy="704007"/>
+          </a:xfrm>
+          <a:prstGeom prst="rect">
+            <a:avLst/>
+          </a:prstGeom>
+        </p:spPr>
+      </p:pic>
+      <p:pic>
+        <p:nvPicPr>
+          <p:cNvPr id="22" name="Image 21"/>
+          <p:cNvPicPr>
+            <a:picLocks noChangeAspect="1"/>
+          </p:cNvPicPr>
+          <p:nvPr/>
+        </p:nvPicPr>
+        <p:blipFill rotWithShape="1">
+          <a:blip r:embed="rId6">
+            <a:extLst>
+              <a:ext uri="{28A0092B-C50C-407E-A947-70E740481C1C}">
+                <a14:useLocalDpi xmlns:a14="http://schemas.microsoft.com/office/drawing/2010/main" val="0"/>
+              </a:ext>
+            </a:extLst>
+          </a:blip>
+          <a:srcRect b="42891"/>
+          <a:stretch/>
+        </p:blipFill>
+        <p:spPr>
+          <a:xfrm>
+            <a:off x="602854" y="4548578"/>
+            <a:ext cx="4021742" cy="1291940"/>
           </a:xfrm>
           <a:prstGeom prst="rect">
             <a:avLst/>
@@ -7654,6 +9846,25 @@
   <p:clrMapOvr>
     <a:masterClrMapping/>
   </p:clrMapOvr>
+  <mc:AlternateContent xmlns:mc="http://schemas.openxmlformats.org/markup-compatibility/2006">
+    <mc:Choice xmlns:p14="http://schemas.microsoft.com/office/powerpoint/2010/main" Requires="p14">
+      <p:transition spd="slow">
+        <p14:warp dir="in"/>
+      </p:transition>
+    </mc:Choice>
+    <mc:Fallback>
+      <p:transition spd="slow">
+        <p:fade/>
+      </p:transition>
+    </mc:Fallback>
+  </mc:AlternateContent>
+  <p:timing>
+    <p:tnLst>
+      <p:par>
+        <p:cTn id="1" dur="indefinite" restart="never" nodeType="tmRoot"/>
+      </p:par>
+    </p:tnLst>
+  </p:timing>
 </p:sld>
 </file>
 
@@ -7681,30 +9892,165 @@
             <a:spLocks noGrp="1"/>
           </p:cNvSpPr>
           <p:nvPr>
-            <p:ph type="ctrTitle"/>
-          </p:nvPr>
-        </p:nvSpPr>
-        <p:spPr>
-          <a:xfrm>
-            <a:off x="854532" y="3349326"/>
-            <a:ext cx="9144000" cy="1641490"/>
-          </a:xfrm>
-        </p:spPr>
-        <p:txBody>
-          <a:bodyPr/>
-          <a:lstStyle/>
-          <a:p>
+            <p:ph type="title"/>
+          </p:nvPr>
+        </p:nvSpPr>
+        <p:spPr>
+          <a:xfrm>
+            <a:off x="838200" y="445505"/>
+            <a:ext cx="10515600" cy="1325563"/>
+          </a:xfrm>
+        </p:spPr>
+        <p:txBody>
+          <a:bodyPr>
+            <a:normAutofit/>
+          </a:bodyPr>
+          <a:lstStyle/>
+          <a:p>
+            <a:r>
+              <a:rPr lang="fr-FR" dirty="0" smtClean="0"/>
+              <a:t>Conclusion</a:t>
+            </a:r>
+            <a:endParaRPr lang="de-DE" dirty="0"/>
+          </a:p>
+        </p:txBody>
+      </p:sp>
+      <p:sp>
+        <p:nvSpPr>
+          <p:cNvPr id="8" name="Espace réservé du contenu 7"/>
+          <p:cNvSpPr>
+            <a:spLocks noGrp="1"/>
+          </p:cNvSpPr>
+          <p:nvPr>
+            <p:ph idx="1"/>
+          </p:nvPr>
+        </p:nvSpPr>
+        <p:spPr>
+          <a:xfrm>
+            <a:off x="774101" y="1771068"/>
+            <a:ext cx="10579699" cy="4585281"/>
+          </a:xfrm>
+        </p:spPr>
+        <p:txBody>
+          <a:bodyPr>
+            <a:normAutofit/>
+          </a:bodyPr>
+          <a:lstStyle/>
+          <a:p>
+            <a:pPr marL="0" indent="0" algn="just">
+              <a:buNone/>
+            </a:pPr>
+            <a:r>
+              <a:rPr lang="fr-FR" dirty="0" smtClean="0"/>
+              <a:t>	</a:t>
+            </a:r>
+            <a:r>
+              <a:rPr lang="fr-FR" b="1" dirty="0" smtClean="0"/>
+              <a:t>Résumé technique :</a:t>
+            </a:r>
+          </a:p>
+          <a:p>
+            <a:pPr indent="-540000" algn="just">
+              <a:buFont typeface="Wingdings" panose="05000000000000000000" pitchFamily="2" charset="2"/>
+              <a:buChar char="Ø"/>
+            </a:pPr>
+            <a:r>
+              <a:rPr lang="fr-FR" dirty="0" smtClean="0"/>
+              <a:t>Solution adaptée aux besoins et actuellement fonctionnelle</a:t>
+            </a:r>
+            <a:endParaRPr lang="fr-FR" dirty="0"/>
+          </a:p>
+          <a:p>
+            <a:pPr indent="-540000" algn="just">
+              <a:buFont typeface="Wingdings" panose="05000000000000000000" pitchFamily="2" charset="2"/>
+              <a:buChar char="Ø"/>
+            </a:pPr>
+            <a:r>
+              <a:rPr lang="fr-FR" dirty="0" smtClean="0"/>
+              <a:t>Mais encore non terminée : nécessiter d’apporter des modifications</a:t>
+            </a:r>
+          </a:p>
+          <a:p>
+            <a:pPr indent="-540000" algn="just">
+              <a:buFont typeface="Wingdings" panose="05000000000000000000" pitchFamily="2" charset="2"/>
+              <a:buChar char="Ø"/>
+            </a:pPr>
+            <a:endParaRPr lang="fr-FR" dirty="0"/>
+          </a:p>
+          <a:p>
+            <a:pPr marL="0" indent="0" algn="just">
+              <a:buNone/>
+            </a:pPr>
+            <a:r>
+              <a:rPr lang="fr-FR" dirty="0" smtClean="0"/>
+              <a:t>	</a:t>
+            </a:r>
+            <a:r>
+              <a:rPr lang="fr-FR" b="1" dirty="0" smtClean="0"/>
+              <a:t>Bilans personnels :</a:t>
+            </a:r>
+          </a:p>
+          <a:p>
+            <a:pPr indent="-540000" algn="just">
+              <a:buFont typeface="Wingdings" panose="05000000000000000000" pitchFamily="2" charset="2"/>
+              <a:buChar char="Ø"/>
+            </a:pPr>
             <a:r>
               <a:rPr lang="fr-FR" dirty="0"/>
-              <a:t>Conclusion</a:t>
-            </a:r>
-            <a:endParaRPr lang="de-DE" dirty="0"/>
-          </a:p>
-        </p:txBody>
-      </p:sp>
-      <p:sp>
-        <p:nvSpPr>
-          <p:cNvPr id="4" name="Espace réservé du numéro de diapositive 3"/>
+              <a:t>Acquisition certaine de nouvelles </a:t>
+            </a:r>
+            <a:r>
+              <a:rPr lang="fr-FR" dirty="0" smtClean="0"/>
+              <a:t>compétences</a:t>
+            </a:r>
+            <a:endParaRPr lang="fr-FR" dirty="0"/>
+          </a:p>
+          <a:p>
+            <a:pPr indent="-540000" algn="just">
+              <a:buFont typeface="Wingdings" panose="05000000000000000000" pitchFamily="2" charset="2"/>
+              <a:buChar char="Ø"/>
+            </a:pPr>
+            <a:r>
+              <a:rPr lang="fr-FR" dirty="0"/>
+              <a:t>Malgré quelques </a:t>
+            </a:r>
+            <a:r>
+              <a:rPr lang="fr-FR" dirty="0" smtClean="0"/>
+              <a:t>difficultés :</a:t>
+            </a:r>
+          </a:p>
+          <a:p>
+            <a:pPr lvl="2" indent="-540000" algn="just"/>
+            <a:r>
+              <a:rPr lang="fr-FR" i="1" dirty="0" smtClean="0"/>
+              <a:t>Lancement du projet avec </a:t>
+            </a:r>
+            <a:r>
+              <a:rPr lang="fr-FR" i="1" dirty="0" err="1" smtClean="0"/>
+              <a:t>Symfony</a:t>
+            </a:r>
+            <a:endParaRPr lang="fr-FR" i="1" dirty="0" smtClean="0"/>
+          </a:p>
+          <a:p>
+            <a:pPr lvl="2" indent="-540000" algn="just"/>
+            <a:r>
+              <a:rPr lang="fr-FR" i="1" dirty="0" smtClean="0"/>
+              <a:t>Mise en place de la base de données avec ORM doctrine</a:t>
+            </a:r>
+          </a:p>
+          <a:p>
+            <a:pPr lvl="2" indent="-540000" algn="just"/>
+            <a:r>
+              <a:rPr lang="fr-FR" i="1" dirty="0" smtClean="0"/>
+              <a:t>Compréhension des attentes du client</a:t>
+            </a:r>
+            <a:endParaRPr lang="fr-FR" i="1" dirty="0"/>
+          </a:p>
+        </p:txBody>
+      </p:sp>
+      <p:sp>
+        <p:nvSpPr>
+          <p:cNvPr id="5" name="Espace réservé du numéro de diapositive 4"/>
           <p:cNvSpPr>
             <a:spLocks noGrp="1"/>
           </p:cNvSpPr>
@@ -7719,22 +10065,557 @@
           <a:p>
             <a:fld id="{6D22F896-40B5-4ADD-8801-0D06FADFA095}" type="slidenum">
               <a:rPr lang="en-US" sz="1600" smtClean="0"/>
+              <a:pPr/>
               <a:t>14</a:t>
             </a:fld>
             <a:endParaRPr lang="en-US" sz="1600" dirty="0"/>
           </a:p>
         </p:txBody>
       </p:sp>
+      <p:sp>
+        <p:nvSpPr>
+          <p:cNvPr id="7" name="Ellipse 6"/>
+          <p:cNvSpPr/>
+          <p:nvPr/>
+        </p:nvSpPr>
+        <p:spPr>
+          <a:xfrm>
+            <a:off x="993751" y="267481"/>
+            <a:ext cx="126249" cy="129472"/>
+          </a:xfrm>
+          <a:prstGeom prst="ellipse">
+            <a:avLst/>
+          </a:prstGeom>
+          <a:solidFill>
+            <a:schemeClr val="accent1"/>
+          </a:solidFill>
+        </p:spPr>
+        <p:style>
+          <a:lnRef idx="2">
+            <a:schemeClr val="accent1">
+              <a:shade val="50000"/>
+            </a:schemeClr>
+          </a:lnRef>
+          <a:fillRef idx="1">
+            <a:schemeClr val="accent1"/>
+          </a:fillRef>
+          <a:effectRef idx="0">
+            <a:schemeClr val="accent1"/>
+          </a:effectRef>
+          <a:fontRef idx="minor">
+            <a:schemeClr val="lt1"/>
+          </a:fontRef>
+        </p:style>
+        <p:txBody>
+          <a:bodyPr rtlCol="0" anchor="ctr"/>
+          <a:lstStyle/>
+          <a:p>
+            <a:pPr algn="ctr"/>
+            <a:endParaRPr lang="de-DE"/>
+          </a:p>
+        </p:txBody>
+      </p:sp>
+      <p:sp>
+        <p:nvSpPr>
+          <p:cNvPr id="10" name="Ellipse 9"/>
+          <p:cNvSpPr/>
+          <p:nvPr/>
+        </p:nvSpPr>
+        <p:spPr>
+          <a:xfrm>
+            <a:off x="1232466" y="267481"/>
+            <a:ext cx="126249" cy="129472"/>
+          </a:xfrm>
+          <a:prstGeom prst="ellipse">
+            <a:avLst/>
+          </a:prstGeom>
+          <a:solidFill>
+            <a:schemeClr val="accent1"/>
+          </a:solidFill>
+        </p:spPr>
+        <p:style>
+          <a:lnRef idx="2">
+            <a:schemeClr val="accent1">
+              <a:shade val="50000"/>
+            </a:schemeClr>
+          </a:lnRef>
+          <a:fillRef idx="1">
+            <a:schemeClr val="accent1"/>
+          </a:fillRef>
+          <a:effectRef idx="0">
+            <a:schemeClr val="accent1"/>
+          </a:effectRef>
+          <a:fontRef idx="minor">
+            <a:schemeClr val="lt1"/>
+          </a:fontRef>
+        </p:style>
+        <p:txBody>
+          <a:bodyPr rtlCol="0" anchor="ctr"/>
+          <a:lstStyle/>
+          <a:p>
+            <a:pPr algn="ctr"/>
+            <a:endParaRPr lang="de-DE"/>
+          </a:p>
+        </p:txBody>
+      </p:sp>
+      <p:sp>
+        <p:nvSpPr>
+          <p:cNvPr id="11" name="Ellipse 10"/>
+          <p:cNvSpPr/>
+          <p:nvPr/>
+        </p:nvSpPr>
+        <p:spPr>
+          <a:xfrm>
+            <a:off x="2120113" y="267481"/>
+            <a:ext cx="126249" cy="129472"/>
+          </a:xfrm>
+          <a:prstGeom prst="ellipse">
+            <a:avLst/>
+          </a:prstGeom>
+          <a:solidFill>
+            <a:schemeClr val="accent1"/>
+          </a:solidFill>
+        </p:spPr>
+        <p:style>
+          <a:lnRef idx="2">
+            <a:schemeClr val="accent1">
+              <a:shade val="50000"/>
+            </a:schemeClr>
+          </a:lnRef>
+          <a:fillRef idx="1">
+            <a:schemeClr val="accent1"/>
+          </a:fillRef>
+          <a:effectRef idx="0">
+            <a:schemeClr val="accent1"/>
+          </a:effectRef>
+          <a:fontRef idx="minor">
+            <a:schemeClr val="lt1"/>
+          </a:fontRef>
+        </p:style>
+        <p:txBody>
+          <a:bodyPr rtlCol="0" anchor="ctr"/>
+          <a:lstStyle/>
+          <a:p>
+            <a:pPr algn="ctr"/>
+            <a:endParaRPr lang="de-DE"/>
+          </a:p>
+        </p:txBody>
+      </p:sp>
+      <p:sp>
+        <p:nvSpPr>
+          <p:cNvPr id="12" name="Ellipse 11"/>
+          <p:cNvSpPr/>
+          <p:nvPr/>
+        </p:nvSpPr>
+        <p:spPr>
+          <a:xfrm>
+            <a:off x="2379057" y="267481"/>
+            <a:ext cx="126249" cy="129472"/>
+          </a:xfrm>
+          <a:prstGeom prst="ellipse">
+            <a:avLst/>
+          </a:prstGeom>
+          <a:solidFill>
+            <a:schemeClr val="accent1"/>
+          </a:solidFill>
+        </p:spPr>
+        <p:style>
+          <a:lnRef idx="2">
+            <a:schemeClr val="accent1">
+              <a:shade val="50000"/>
+            </a:schemeClr>
+          </a:lnRef>
+          <a:fillRef idx="1">
+            <a:schemeClr val="accent1"/>
+          </a:fillRef>
+          <a:effectRef idx="0">
+            <a:schemeClr val="accent1"/>
+          </a:effectRef>
+          <a:fontRef idx="minor">
+            <a:schemeClr val="lt1"/>
+          </a:fontRef>
+        </p:style>
+        <p:txBody>
+          <a:bodyPr rtlCol="0" anchor="ctr"/>
+          <a:lstStyle/>
+          <a:p>
+            <a:pPr algn="ctr"/>
+            <a:endParaRPr lang="de-DE"/>
+          </a:p>
+        </p:txBody>
+      </p:sp>
+      <p:sp>
+        <p:nvSpPr>
+          <p:cNvPr id="13" name="Ellipse 12"/>
+          <p:cNvSpPr/>
+          <p:nvPr/>
+        </p:nvSpPr>
+        <p:spPr>
+          <a:xfrm>
+            <a:off x="2638001" y="267481"/>
+            <a:ext cx="126249" cy="129472"/>
+          </a:xfrm>
+          <a:prstGeom prst="ellipse">
+            <a:avLst/>
+          </a:prstGeom>
+          <a:solidFill>
+            <a:schemeClr val="accent1"/>
+          </a:solidFill>
+        </p:spPr>
+        <p:style>
+          <a:lnRef idx="2">
+            <a:schemeClr val="accent1">
+              <a:shade val="50000"/>
+            </a:schemeClr>
+          </a:lnRef>
+          <a:fillRef idx="1">
+            <a:schemeClr val="accent1"/>
+          </a:fillRef>
+          <a:effectRef idx="0">
+            <a:schemeClr val="accent1"/>
+          </a:effectRef>
+          <a:fontRef idx="minor">
+            <a:schemeClr val="lt1"/>
+          </a:fontRef>
+        </p:style>
+        <p:txBody>
+          <a:bodyPr rtlCol="0" anchor="ctr"/>
+          <a:lstStyle/>
+          <a:p>
+            <a:pPr algn="ctr"/>
+            <a:endParaRPr lang="de-DE"/>
+          </a:p>
+        </p:txBody>
+      </p:sp>
+      <p:sp>
+        <p:nvSpPr>
+          <p:cNvPr id="14" name="Ellipse 13"/>
+          <p:cNvSpPr/>
+          <p:nvPr/>
+        </p:nvSpPr>
+        <p:spPr>
+          <a:xfrm>
+            <a:off x="2896945" y="267481"/>
+            <a:ext cx="126249" cy="129472"/>
+          </a:xfrm>
+          <a:prstGeom prst="ellipse">
+            <a:avLst/>
+          </a:prstGeom>
+          <a:solidFill>
+            <a:schemeClr val="accent1"/>
+          </a:solidFill>
+        </p:spPr>
+        <p:style>
+          <a:lnRef idx="2">
+            <a:schemeClr val="accent1">
+              <a:shade val="50000"/>
+            </a:schemeClr>
+          </a:lnRef>
+          <a:fillRef idx="1">
+            <a:schemeClr val="accent1"/>
+          </a:fillRef>
+          <a:effectRef idx="0">
+            <a:schemeClr val="accent1"/>
+          </a:effectRef>
+          <a:fontRef idx="minor">
+            <a:schemeClr val="lt1"/>
+          </a:fontRef>
+        </p:style>
+        <p:txBody>
+          <a:bodyPr rtlCol="0" anchor="ctr"/>
+          <a:lstStyle/>
+          <a:p>
+            <a:pPr algn="ctr"/>
+            <a:endParaRPr lang="de-DE">
+              <a:solidFill>
+                <a:schemeClr val="accent1"/>
+              </a:solidFill>
+            </a:endParaRPr>
+          </a:p>
+        </p:txBody>
+      </p:sp>
+      <p:sp>
+        <p:nvSpPr>
+          <p:cNvPr id="15" name="Ellipse 14"/>
+          <p:cNvSpPr/>
+          <p:nvPr/>
+        </p:nvSpPr>
+        <p:spPr>
+          <a:xfrm>
+            <a:off x="4253985" y="264724"/>
+            <a:ext cx="126249" cy="129472"/>
+          </a:xfrm>
+          <a:prstGeom prst="ellipse">
+            <a:avLst/>
+          </a:prstGeom>
+          <a:solidFill>
+            <a:schemeClr val="accent1"/>
+          </a:solidFill>
+        </p:spPr>
+        <p:style>
+          <a:lnRef idx="2">
+            <a:schemeClr val="accent1">
+              <a:shade val="50000"/>
+            </a:schemeClr>
+          </a:lnRef>
+          <a:fillRef idx="1">
+            <a:schemeClr val="accent1"/>
+          </a:fillRef>
+          <a:effectRef idx="0">
+            <a:schemeClr val="accent1"/>
+          </a:effectRef>
+          <a:fontRef idx="minor">
+            <a:schemeClr val="lt1"/>
+          </a:fontRef>
+        </p:style>
+        <p:txBody>
+          <a:bodyPr rtlCol="0" anchor="ctr"/>
+          <a:lstStyle/>
+          <a:p>
+            <a:pPr algn="ctr"/>
+            <a:endParaRPr lang="de-DE"/>
+          </a:p>
+        </p:txBody>
+      </p:sp>
+      <p:sp>
+        <p:nvSpPr>
+          <p:cNvPr id="16" name="Ellipse 15"/>
+          <p:cNvSpPr/>
+          <p:nvPr/>
+        </p:nvSpPr>
+        <p:spPr>
+          <a:xfrm>
+            <a:off x="4512930" y="264724"/>
+            <a:ext cx="126249" cy="129472"/>
+          </a:xfrm>
+          <a:prstGeom prst="ellipse">
+            <a:avLst/>
+          </a:prstGeom>
+          <a:solidFill>
+            <a:schemeClr val="accent1"/>
+          </a:solidFill>
+        </p:spPr>
+        <p:style>
+          <a:lnRef idx="2">
+            <a:schemeClr val="accent1">
+              <a:shade val="50000"/>
+            </a:schemeClr>
+          </a:lnRef>
+          <a:fillRef idx="1">
+            <a:schemeClr val="accent1"/>
+          </a:fillRef>
+          <a:effectRef idx="0">
+            <a:schemeClr val="accent1"/>
+          </a:effectRef>
+          <a:fontRef idx="minor">
+            <a:schemeClr val="lt1"/>
+          </a:fontRef>
+        </p:style>
+        <p:txBody>
+          <a:bodyPr rtlCol="0" anchor="ctr"/>
+          <a:lstStyle/>
+          <a:p>
+            <a:pPr algn="ctr"/>
+            <a:endParaRPr lang="de-DE"/>
+          </a:p>
+        </p:txBody>
+      </p:sp>
+      <p:sp>
+        <p:nvSpPr>
+          <p:cNvPr id="17" name="Ellipse 16"/>
+          <p:cNvSpPr/>
+          <p:nvPr/>
+        </p:nvSpPr>
+        <p:spPr>
+          <a:xfrm>
+            <a:off x="5833187" y="262411"/>
+            <a:ext cx="126249" cy="129472"/>
+          </a:xfrm>
+          <a:prstGeom prst="ellipse">
+            <a:avLst/>
+          </a:prstGeom>
+          <a:solidFill>
+            <a:schemeClr val="accent1"/>
+          </a:solidFill>
+        </p:spPr>
+        <p:style>
+          <a:lnRef idx="2">
+            <a:schemeClr val="accent1">
+              <a:shade val="50000"/>
+            </a:schemeClr>
+          </a:lnRef>
+          <a:fillRef idx="1">
+            <a:schemeClr val="accent1"/>
+          </a:fillRef>
+          <a:effectRef idx="0">
+            <a:schemeClr val="accent1"/>
+          </a:effectRef>
+          <a:fontRef idx="minor">
+            <a:schemeClr val="lt1"/>
+          </a:fontRef>
+        </p:style>
+        <p:txBody>
+          <a:bodyPr rtlCol="0" anchor="ctr"/>
+          <a:lstStyle/>
+          <a:p>
+            <a:pPr algn="ctr"/>
+            <a:endParaRPr lang="de-DE"/>
+          </a:p>
+        </p:txBody>
+      </p:sp>
+      <p:sp>
+        <p:nvSpPr>
+          <p:cNvPr id="18" name="ZoneTexte 17"/>
+          <p:cNvSpPr txBox="1"/>
+          <p:nvPr/>
+        </p:nvSpPr>
+        <p:spPr>
+          <a:xfrm>
+            <a:off x="774101" y="9616"/>
+            <a:ext cx="818044" cy="230832"/>
+          </a:xfrm>
+          <a:prstGeom prst="rect">
+            <a:avLst/>
+          </a:prstGeom>
+          <a:noFill/>
+        </p:spPr>
+        <p:txBody>
+          <a:bodyPr wrap="square" rtlCol="0">
+            <a:spAutoFit/>
+          </a:bodyPr>
+          <a:lstStyle/>
+          <a:p>
+            <a:pPr algn="ctr"/>
+            <a:r>
+              <a:rPr lang="fr-FR" sz="900" dirty="0" smtClean="0"/>
+              <a:t>Introduction</a:t>
+            </a:r>
+            <a:endParaRPr lang="de-DE" dirty="0"/>
+          </a:p>
+        </p:txBody>
+      </p:sp>
+      <p:sp>
+        <p:nvSpPr>
+          <p:cNvPr id="19" name="ZoneTexte 18"/>
+          <p:cNvSpPr txBox="1"/>
+          <p:nvPr/>
+        </p:nvSpPr>
+        <p:spPr>
+          <a:xfrm>
+            <a:off x="1729778" y="9616"/>
+            <a:ext cx="1765981" cy="230832"/>
+          </a:xfrm>
+          <a:prstGeom prst="rect">
+            <a:avLst/>
+          </a:prstGeom>
+          <a:noFill/>
+        </p:spPr>
+        <p:txBody>
+          <a:bodyPr wrap="square" rtlCol="0">
+            <a:spAutoFit/>
+          </a:bodyPr>
+          <a:lstStyle/>
+          <a:p>
+            <a:pPr algn="ctr"/>
+            <a:r>
+              <a:rPr lang="fr-FR" sz="900" dirty="0" smtClean="0"/>
+              <a:t>Etude fonctionnelle et technique</a:t>
+            </a:r>
+            <a:endParaRPr lang="de-DE" dirty="0"/>
+          </a:p>
+        </p:txBody>
+      </p:sp>
+      <p:sp>
+        <p:nvSpPr>
+          <p:cNvPr id="20" name="ZoneTexte 19"/>
+          <p:cNvSpPr txBox="1"/>
+          <p:nvPr/>
+        </p:nvSpPr>
+        <p:spPr>
+          <a:xfrm>
+            <a:off x="3593475" y="9616"/>
+            <a:ext cx="1765981" cy="230832"/>
+          </a:xfrm>
+          <a:prstGeom prst="rect">
+            <a:avLst/>
+          </a:prstGeom>
+          <a:noFill/>
+        </p:spPr>
+        <p:txBody>
+          <a:bodyPr wrap="square" rtlCol="0">
+            <a:spAutoFit/>
+          </a:bodyPr>
+          <a:lstStyle/>
+          <a:p>
+            <a:pPr algn="ctr"/>
+            <a:r>
+              <a:rPr lang="fr-FR" sz="900" dirty="0" smtClean="0"/>
+              <a:t>Résultats et perspectives</a:t>
+            </a:r>
+            <a:endParaRPr lang="de-DE" dirty="0"/>
+          </a:p>
+        </p:txBody>
+      </p:sp>
+      <p:sp>
+        <p:nvSpPr>
+          <p:cNvPr id="21" name="ZoneTexte 20"/>
+          <p:cNvSpPr txBox="1"/>
+          <p:nvPr/>
+        </p:nvSpPr>
+        <p:spPr>
+          <a:xfrm>
+            <a:off x="5359456" y="9616"/>
+            <a:ext cx="1073712" cy="230832"/>
+          </a:xfrm>
+          <a:prstGeom prst="rect">
+            <a:avLst/>
+          </a:prstGeom>
+          <a:noFill/>
+        </p:spPr>
+        <p:txBody>
+          <a:bodyPr wrap="square" rtlCol="0">
+            <a:spAutoFit/>
+          </a:bodyPr>
+          <a:lstStyle/>
+          <a:p>
+            <a:pPr algn="ctr"/>
+            <a:r>
+              <a:rPr lang="fr-FR" sz="900" dirty="0" smtClean="0"/>
+              <a:t>Conclusion</a:t>
+            </a:r>
+            <a:endParaRPr lang="de-DE" dirty="0"/>
+          </a:p>
+        </p:txBody>
+      </p:sp>
     </p:spTree>
     <p:extLst>
       <p:ext uri="{BB962C8B-B14F-4D97-AF65-F5344CB8AC3E}">
-        <p14:creationId xmlns:p14="http://schemas.microsoft.com/office/powerpoint/2010/main" val="1486653172"/>
+        <p14:creationId xmlns:p14="http://schemas.microsoft.com/office/powerpoint/2010/main" val="1338218882"/>
       </p:ext>
     </p:extLst>
   </p:cSld>
   <p:clrMapOvr>
     <a:masterClrMapping/>
   </p:clrMapOvr>
+  <mc:AlternateContent xmlns:mc="http://schemas.openxmlformats.org/markup-compatibility/2006">
+    <mc:Choice xmlns:p14="http://schemas.microsoft.com/office/powerpoint/2010/main" Requires="p14">
+      <p:transition spd="slow">
+        <p14:warp dir="in"/>
+      </p:transition>
+    </mc:Choice>
+    <mc:Fallback>
+      <p:transition spd="slow">
+        <p:fade/>
+      </p:transition>
+    </mc:Fallback>
+  </mc:AlternateContent>
+  <p:timing>
+    <p:tnLst>
+      <p:par>
+        <p:cTn id="1" dur="indefinite" restart="never" nodeType="tmRoot"/>
+      </p:par>
+    </p:tnLst>
+  </p:timing>
 </p:sld>
 </file>
 
@@ -7795,13 +10676,13 @@
         </p:nvSpPr>
         <p:spPr>
           <a:xfrm>
-            <a:off x="1120000" y="1489165"/>
-            <a:ext cx="10233800" cy="4998721"/>
+            <a:off x="1120000" y="1375647"/>
+            <a:ext cx="10233800" cy="5219362"/>
           </a:xfrm>
         </p:spPr>
         <p:txBody>
           <a:bodyPr>
-            <a:normAutofit lnSpcReduction="10000"/>
+            <a:normAutofit fontScale="92500" lnSpcReduction="20000"/>
           </a:bodyPr>
           <a:lstStyle/>
           <a:p>
@@ -7810,7 +10691,7 @@
               <a:buAutoNum type="romanUcPeriod"/>
             </a:pPr>
             <a:r>
-              <a:rPr lang="fr-FR" dirty="0"/>
+              <a:rPr lang="fr-FR" b="1" dirty="0"/>
               <a:t>Introduction</a:t>
             </a:r>
           </a:p>
@@ -7820,7 +10701,13 @@
               <a:buAutoNum type="arabicPeriod"/>
             </a:pPr>
             <a:r>
-              <a:rPr lang="fr-FR" dirty="0"/>
+              <a:rPr lang="fr-FR" dirty="0">
+                <a:solidFill>
+                  <a:schemeClr val="tx1">
+                    <a:lumMod val="65000"/>
+                  </a:schemeClr>
+                </a:solidFill>
+              </a:rPr>
               <a:t>Contexte du client</a:t>
             </a:r>
           </a:p>
@@ -7830,9 +10717,37 @@
               <a:buAutoNum type="arabicPeriod"/>
             </a:pPr>
             <a:r>
-              <a:rPr lang="fr-FR" dirty="0"/>
-              <a:t>Fonctionnalités exigées</a:t>
-            </a:r>
+              <a:rPr lang="fr-FR" dirty="0">
+                <a:solidFill>
+                  <a:schemeClr val="tx1">
+                    <a:lumMod val="65000"/>
+                  </a:schemeClr>
+                </a:solidFill>
+              </a:rPr>
+              <a:t>Fonctionnalités </a:t>
+            </a:r>
+            <a:r>
+              <a:rPr lang="fr-FR" dirty="0" smtClean="0">
+                <a:solidFill>
+                  <a:schemeClr val="tx1">
+                    <a:lumMod val="65000"/>
+                  </a:schemeClr>
+                </a:solidFill>
+              </a:rPr>
+              <a:t>exigées</a:t>
+            </a:r>
+          </a:p>
+          <a:p>
+            <a:pPr marL="457200" lvl="1" indent="0">
+              <a:buNone/>
+            </a:pPr>
+            <a:endParaRPr lang="fr-FR" dirty="0">
+              <a:solidFill>
+                <a:schemeClr val="tx1">
+                  <a:lumMod val="50000"/>
+                </a:schemeClr>
+              </a:solidFill>
+            </a:endParaRPr>
           </a:p>
           <a:p>
             <a:pPr marL="571500" indent="-571500">
@@ -7840,7 +10755,7 @@
               <a:buAutoNum type="romanUcPeriod"/>
             </a:pPr>
             <a:r>
-              <a:rPr lang="fr-FR" dirty="0"/>
+              <a:rPr lang="fr-FR" b="1" dirty="0"/>
               <a:t>Etude fonctionnelle et technique de la solution</a:t>
             </a:r>
           </a:p>
@@ -7850,7 +10765,13 @@
               <a:buAutoNum type="arabicPeriod"/>
             </a:pPr>
             <a:r>
-              <a:rPr lang="fr-FR" dirty="0"/>
+              <a:rPr lang="fr-FR" dirty="0">
+                <a:solidFill>
+                  <a:schemeClr val="tx1">
+                    <a:lumMod val="65000"/>
+                  </a:schemeClr>
+                </a:solidFill>
+              </a:rPr>
               <a:t>Technologies utilisées</a:t>
             </a:r>
           </a:p>
@@ -7860,7 +10781,13 @@
               <a:buAutoNum type="arabicPeriod"/>
             </a:pPr>
             <a:r>
-              <a:rPr lang="fr-FR" dirty="0"/>
+              <a:rPr lang="fr-FR" dirty="0">
+                <a:solidFill>
+                  <a:schemeClr val="tx1">
+                    <a:lumMod val="65000"/>
+                  </a:schemeClr>
+                </a:solidFill>
+              </a:rPr>
               <a:t>Architecture logicielle</a:t>
             </a:r>
           </a:p>
@@ -7870,9 +10797,62 @@
               <a:buAutoNum type="arabicPeriod"/>
             </a:pPr>
             <a:r>
-              <a:rPr lang="fr-FR" dirty="0"/>
-              <a:t>Aspect fonctionnel</a:t>
-            </a:r>
+              <a:rPr lang="fr-FR" dirty="0">
+                <a:solidFill>
+                  <a:schemeClr val="tx1">
+                    <a:lumMod val="65000"/>
+                  </a:schemeClr>
+                </a:solidFill>
+              </a:rPr>
+              <a:t>Aspect </a:t>
+            </a:r>
+            <a:r>
+              <a:rPr lang="fr-FR" dirty="0" smtClean="0">
+                <a:solidFill>
+                  <a:schemeClr val="tx1">
+                    <a:lumMod val="65000"/>
+                  </a:schemeClr>
+                </a:solidFill>
+              </a:rPr>
+              <a:t>fonctionnel </a:t>
+            </a:r>
+            <a:r>
+              <a:rPr lang="fr-FR" i="1" dirty="0" smtClean="0">
+                <a:solidFill>
+                  <a:schemeClr val="tx1">
+                    <a:lumMod val="65000"/>
+                  </a:schemeClr>
+                </a:solidFill>
+              </a:rPr>
+              <a:t>(</a:t>
+            </a:r>
+            <a:r>
+              <a:rPr lang="fr-FR" i="1" dirty="0" err="1" smtClean="0">
+                <a:solidFill>
+                  <a:schemeClr val="tx1">
+                    <a:lumMod val="65000"/>
+                  </a:schemeClr>
+                </a:solidFill>
+              </a:rPr>
+              <a:t>backend</a:t>
+            </a:r>
+            <a:r>
+              <a:rPr lang="fr-FR" i="1" dirty="0" smtClean="0">
+                <a:solidFill>
+                  <a:schemeClr val="tx1">
+                    <a:lumMod val="65000"/>
+                  </a:schemeClr>
+                </a:solidFill>
+              </a:rPr>
+              <a:t>)</a:t>
+            </a:r>
+            <a:endParaRPr lang="fr-FR" i="1" dirty="0">
+              <a:solidFill>
+                <a:schemeClr val="tx1">
+                  <a:lumMod val="65000"/>
+                </a:schemeClr>
+              </a:solidFill>
+            </a:endParaRPr>
           </a:p>
           <a:p>
             <a:pPr marL="1028700" lvl="1" indent="-571500">
@@ -7880,9 +10860,67 @@
               <a:buAutoNum type="arabicPeriod"/>
             </a:pPr>
             <a:r>
-              <a:rPr lang="fr-FR" dirty="0"/>
-              <a:t>Analyse de l’interface</a:t>
-            </a:r>
+              <a:rPr lang="fr-FR" dirty="0">
+                <a:solidFill>
+                  <a:schemeClr val="tx1">
+                    <a:lumMod val="65000"/>
+                  </a:schemeClr>
+                </a:solidFill>
+              </a:rPr>
+              <a:t>Analyse de </a:t>
+            </a:r>
+            <a:r>
+              <a:rPr lang="fr-FR" dirty="0" smtClean="0">
+                <a:solidFill>
+                  <a:schemeClr val="tx1">
+                    <a:lumMod val="65000"/>
+                  </a:schemeClr>
+                </a:solidFill>
+              </a:rPr>
+              <a:t>l’interface </a:t>
+            </a:r>
+            <a:r>
+              <a:rPr lang="fr-FR" i="1" dirty="0" smtClean="0">
+                <a:solidFill>
+                  <a:schemeClr val="tx1">
+                    <a:lumMod val="65000"/>
+                  </a:schemeClr>
+                </a:solidFill>
+              </a:rPr>
+              <a:t>(</a:t>
+            </a:r>
+            <a:r>
+              <a:rPr lang="fr-FR" i="1" dirty="0" err="1" smtClean="0">
+                <a:solidFill>
+                  <a:schemeClr val="tx1">
+                    <a:lumMod val="65000"/>
+                  </a:schemeClr>
+                </a:solidFill>
+              </a:rPr>
+              <a:t>frontend</a:t>
+            </a:r>
+            <a:r>
+              <a:rPr lang="fr-FR" i="1" dirty="0" smtClean="0">
+                <a:solidFill>
+                  <a:schemeClr val="tx1">
+                    <a:lumMod val="65000"/>
+                  </a:schemeClr>
+                </a:solidFill>
+              </a:rPr>
+              <a:t>)</a:t>
+            </a:r>
+          </a:p>
+          <a:p>
+            <a:pPr marL="457200" lvl="1" indent="0">
+              <a:buNone/>
+            </a:pPr>
+            <a:endParaRPr lang="fr-FR" dirty="0">
+              <a:solidFill>
+                <a:schemeClr val="tx1">
+                  <a:lumMod val="50000"/>
+                </a:schemeClr>
+              </a:solidFill>
+            </a:endParaRPr>
           </a:p>
           <a:p>
             <a:pPr marL="571500" indent="-571500">
@@ -7890,7 +10928,7 @@
               <a:buAutoNum type="romanUcPeriod"/>
             </a:pPr>
             <a:r>
-              <a:rPr lang="fr-FR" dirty="0"/>
+              <a:rPr lang="fr-FR" b="1" dirty="0"/>
               <a:t>Résultats et perspectives</a:t>
             </a:r>
           </a:p>
@@ -7900,7 +10938,13 @@
               <a:buAutoNum type="arabicPeriod"/>
             </a:pPr>
             <a:r>
-              <a:rPr lang="fr-FR" dirty="0"/>
+              <a:rPr lang="fr-FR" dirty="0">
+                <a:solidFill>
+                  <a:schemeClr val="tx1">
+                    <a:lumMod val="65000"/>
+                  </a:schemeClr>
+                </a:solidFill>
+              </a:rPr>
               <a:t>Démonstration</a:t>
             </a:r>
           </a:p>
@@ -7910,9 +10954,37 @@
               <a:buAutoNum type="arabicPeriod"/>
             </a:pPr>
             <a:r>
-              <a:rPr lang="fr-FR" dirty="0"/>
-              <a:t>Ambitions d’amélioration</a:t>
-            </a:r>
+              <a:rPr lang="fr-FR" dirty="0">
+                <a:solidFill>
+                  <a:schemeClr val="tx1">
+                    <a:lumMod val="65000"/>
+                  </a:schemeClr>
+                </a:solidFill>
+              </a:rPr>
+              <a:t>Ambitions </a:t>
+            </a:r>
+            <a:r>
+              <a:rPr lang="fr-FR" dirty="0" smtClean="0">
+                <a:solidFill>
+                  <a:schemeClr val="tx1">
+                    <a:lumMod val="65000"/>
+                  </a:schemeClr>
+                </a:solidFill>
+              </a:rPr>
+              <a:t>d’amélioration</a:t>
+            </a:r>
+          </a:p>
+          <a:p>
+            <a:pPr marL="457200" lvl="1" indent="0">
+              <a:buNone/>
+            </a:pPr>
+            <a:endParaRPr lang="fr-FR" dirty="0">
+              <a:solidFill>
+                <a:schemeClr val="tx1">
+                  <a:lumMod val="50000"/>
+                </a:schemeClr>
+              </a:solidFill>
+            </a:endParaRPr>
           </a:p>
           <a:p>
             <a:pPr marL="571500" lvl="0" indent="-571500">
@@ -7920,7 +10992,7 @@
               <a:buAutoNum type="romanUcPeriod"/>
             </a:pPr>
             <a:r>
-              <a:rPr lang="fr-FR" dirty="0">
+              <a:rPr lang="fr-FR" b="1" dirty="0">
                 <a:gradFill>
                   <a:gsLst>
                     <a:gs pos="34000">
@@ -7946,7 +11018,7 @@
               </a:rPr>
               <a:t>Conclusion</a:t>
             </a:r>
-            <a:endParaRPr lang="fr-FR" dirty="0"/>
+            <a:endParaRPr lang="fr-FR" b="1" dirty="0"/>
           </a:p>
           <a:p>
             <a:pPr marL="1028700" lvl="1" indent="-571500">
@@ -8005,6 +11077,25 @@
   <p:clrMapOvr>
     <a:masterClrMapping/>
   </p:clrMapOvr>
+  <mc:AlternateContent xmlns:mc="http://schemas.openxmlformats.org/markup-compatibility/2006">
+    <mc:Choice xmlns:p14="http://schemas.microsoft.com/office/powerpoint/2010/main" Requires="p14">
+      <p:transition spd="slow">
+        <p14:warp dir="in"/>
+      </p:transition>
+    </mc:Choice>
+    <mc:Fallback>
+      <p:transition spd="slow">
+        <p:fade/>
+      </p:transition>
+    </mc:Fallback>
+  </mc:AlternateContent>
+  <p:timing>
+    <p:tnLst>
+      <p:par>
+        <p:cTn id="1" dur="indefinite" restart="never" nodeType="tmRoot"/>
+      </p:par>
+    </p:tnLst>
+  </p:timing>
 </p:sld>
 </file>
 
@@ -8114,6 +11205,25 @@
   <p:clrMapOvr>
     <a:masterClrMapping/>
   </p:clrMapOvr>
+  <mc:AlternateContent xmlns:mc="http://schemas.openxmlformats.org/markup-compatibility/2006">
+    <mc:Choice xmlns:p14="http://schemas.microsoft.com/office/powerpoint/2010/main" Requires="p14">
+      <p:transition spd="slow">
+        <p14:warp dir="in"/>
+      </p:transition>
+    </mc:Choice>
+    <mc:Fallback>
+      <p:transition spd="slow">
+        <p:fade/>
+      </p:transition>
+    </mc:Fallback>
+  </mc:AlternateContent>
+  <p:timing>
+    <p:tnLst>
+      <p:par>
+        <p:cTn id="1" dur="indefinite" restart="never" nodeType="tmRoot"/>
+      </p:par>
+    </p:tnLst>
+  </p:timing>
 </p:sld>
 </file>
 
@@ -8146,7 +11256,7 @@
         </p:nvSpPr>
         <p:spPr>
           <a:xfrm>
-            <a:off x="838200" y="243205"/>
+            <a:off x="838200" y="461689"/>
             <a:ext cx="10515600" cy="1325563"/>
           </a:xfrm>
         </p:spPr>
@@ -8174,7 +11284,7 @@
         </p:nvSpPr>
         <p:spPr>
           <a:xfrm>
-            <a:off x="838200" y="1802679"/>
+            <a:off x="838200" y="2021163"/>
             <a:ext cx="10515600" cy="1680755"/>
           </a:xfrm>
         </p:spPr>
@@ -8325,6 +11435,517 @@
           </a:effectLst>
         </p:spPr>
       </p:pic>
+      <p:sp>
+        <p:nvSpPr>
+          <p:cNvPr id="7" name="Ellipse 6"/>
+          <p:cNvSpPr/>
+          <p:nvPr/>
+        </p:nvSpPr>
+        <p:spPr>
+          <a:xfrm>
+            <a:off x="993751" y="267481"/>
+            <a:ext cx="126249" cy="129472"/>
+          </a:xfrm>
+          <a:prstGeom prst="ellipse">
+            <a:avLst/>
+          </a:prstGeom>
+          <a:solidFill>
+            <a:schemeClr val="accent1"/>
+          </a:solidFill>
+        </p:spPr>
+        <p:style>
+          <a:lnRef idx="2">
+            <a:schemeClr val="accent1">
+              <a:shade val="50000"/>
+            </a:schemeClr>
+          </a:lnRef>
+          <a:fillRef idx="1">
+            <a:schemeClr val="accent1"/>
+          </a:fillRef>
+          <a:effectRef idx="0">
+            <a:schemeClr val="accent1"/>
+          </a:effectRef>
+          <a:fontRef idx="minor">
+            <a:schemeClr val="lt1"/>
+          </a:fontRef>
+        </p:style>
+        <p:txBody>
+          <a:bodyPr rtlCol="0" anchor="ctr"/>
+          <a:lstStyle/>
+          <a:p>
+            <a:pPr algn="ctr"/>
+            <a:endParaRPr lang="de-DE"/>
+          </a:p>
+        </p:txBody>
+      </p:sp>
+      <p:sp>
+        <p:nvSpPr>
+          <p:cNvPr id="9" name="Ellipse 8"/>
+          <p:cNvSpPr/>
+          <p:nvPr/>
+        </p:nvSpPr>
+        <p:spPr>
+          <a:xfrm>
+            <a:off x="1232466" y="267481"/>
+            <a:ext cx="126249" cy="129472"/>
+          </a:xfrm>
+          <a:prstGeom prst="ellipse">
+            <a:avLst/>
+          </a:prstGeom>
+          <a:solidFill>
+            <a:schemeClr val="tx1"/>
+          </a:solidFill>
+        </p:spPr>
+        <p:style>
+          <a:lnRef idx="2">
+            <a:schemeClr val="accent1">
+              <a:shade val="50000"/>
+            </a:schemeClr>
+          </a:lnRef>
+          <a:fillRef idx="1">
+            <a:schemeClr val="accent1"/>
+          </a:fillRef>
+          <a:effectRef idx="0">
+            <a:schemeClr val="accent1"/>
+          </a:effectRef>
+          <a:fontRef idx="minor">
+            <a:schemeClr val="lt1"/>
+          </a:fontRef>
+        </p:style>
+        <p:txBody>
+          <a:bodyPr rtlCol="0" anchor="ctr"/>
+          <a:lstStyle/>
+          <a:p>
+            <a:pPr algn="ctr"/>
+            <a:endParaRPr lang="de-DE"/>
+          </a:p>
+        </p:txBody>
+      </p:sp>
+      <p:sp>
+        <p:nvSpPr>
+          <p:cNvPr id="10" name="Ellipse 9"/>
+          <p:cNvSpPr/>
+          <p:nvPr/>
+        </p:nvSpPr>
+        <p:spPr>
+          <a:xfrm>
+            <a:off x="2120113" y="267481"/>
+            <a:ext cx="126249" cy="129472"/>
+          </a:xfrm>
+          <a:prstGeom prst="ellipse">
+            <a:avLst/>
+          </a:prstGeom>
+          <a:solidFill>
+            <a:schemeClr val="tx1"/>
+          </a:solidFill>
+        </p:spPr>
+        <p:style>
+          <a:lnRef idx="2">
+            <a:schemeClr val="accent1">
+              <a:shade val="50000"/>
+            </a:schemeClr>
+          </a:lnRef>
+          <a:fillRef idx="1">
+            <a:schemeClr val="accent1"/>
+          </a:fillRef>
+          <a:effectRef idx="0">
+            <a:schemeClr val="accent1"/>
+          </a:effectRef>
+          <a:fontRef idx="minor">
+            <a:schemeClr val="lt1"/>
+          </a:fontRef>
+        </p:style>
+        <p:txBody>
+          <a:bodyPr rtlCol="0" anchor="ctr"/>
+          <a:lstStyle/>
+          <a:p>
+            <a:pPr algn="ctr"/>
+            <a:endParaRPr lang="de-DE"/>
+          </a:p>
+        </p:txBody>
+      </p:sp>
+      <p:sp>
+        <p:nvSpPr>
+          <p:cNvPr id="11" name="Ellipse 10"/>
+          <p:cNvSpPr/>
+          <p:nvPr/>
+        </p:nvSpPr>
+        <p:spPr>
+          <a:xfrm>
+            <a:off x="2379057" y="267481"/>
+            <a:ext cx="126249" cy="129472"/>
+          </a:xfrm>
+          <a:prstGeom prst="ellipse">
+            <a:avLst/>
+          </a:prstGeom>
+          <a:solidFill>
+            <a:schemeClr val="tx1"/>
+          </a:solidFill>
+        </p:spPr>
+        <p:style>
+          <a:lnRef idx="2">
+            <a:schemeClr val="accent1">
+              <a:shade val="50000"/>
+            </a:schemeClr>
+          </a:lnRef>
+          <a:fillRef idx="1">
+            <a:schemeClr val="accent1"/>
+          </a:fillRef>
+          <a:effectRef idx="0">
+            <a:schemeClr val="accent1"/>
+          </a:effectRef>
+          <a:fontRef idx="minor">
+            <a:schemeClr val="lt1"/>
+          </a:fontRef>
+        </p:style>
+        <p:txBody>
+          <a:bodyPr rtlCol="0" anchor="ctr"/>
+          <a:lstStyle/>
+          <a:p>
+            <a:pPr algn="ctr"/>
+            <a:endParaRPr lang="de-DE"/>
+          </a:p>
+        </p:txBody>
+      </p:sp>
+      <p:sp>
+        <p:nvSpPr>
+          <p:cNvPr id="12" name="Ellipse 11"/>
+          <p:cNvSpPr/>
+          <p:nvPr/>
+        </p:nvSpPr>
+        <p:spPr>
+          <a:xfrm>
+            <a:off x="2638001" y="267481"/>
+            <a:ext cx="126249" cy="129472"/>
+          </a:xfrm>
+          <a:prstGeom prst="ellipse">
+            <a:avLst/>
+          </a:prstGeom>
+          <a:solidFill>
+            <a:schemeClr val="tx1"/>
+          </a:solidFill>
+        </p:spPr>
+        <p:style>
+          <a:lnRef idx="2">
+            <a:schemeClr val="accent1">
+              <a:shade val="50000"/>
+            </a:schemeClr>
+          </a:lnRef>
+          <a:fillRef idx="1">
+            <a:schemeClr val="accent1"/>
+          </a:fillRef>
+          <a:effectRef idx="0">
+            <a:schemeClr val="accent1"/>
+          </a:effectRef>
+          <a:fontRef idx="minor">
+            <a:schemeClr val="lt1"/>
+          </a:fontRef>
+        </p:style>
+        <p:txBody>
+          <a:bodyPr rtlCol="0" anchor="ctr"/>
+          <a:lstStyle/>
+          <a:p>
+            <a:pPr algn="ctr"/>
+            <a:endParaRPr lang="de-DE"/>
+          </a:p>
+        </p:txBody>
+      </p:sp>
+      <p:sp>
+        <p:nvSpPr>
+          <p:cNvPr id="13" name="Ellipse 12"/>
+          <p:cNvSpPr/>
+          <p:nvPr/>
+        </p:nvSpPr>
+        <p:spPr>
+          <a:xfrm>
+            <a:off x="2896945" y="267481"/>
+            <a:ext cx="126249" cy="129472"/>
+          </a:xfrm>
+          <a:prstGeom prst="ellipse">
+            <a:avLst/>
+          </a:prstGeom>
+          <a:solidFill>
+            <a:schemeClr val="tx1"/>
+          </a:solidFill>
+        </p:spPr>
+        <p:style>
+          <a:lnRef idx="2">
+            <a:schemeClr val="accent1">
+              <a:shade val="50000"/>
+            </a:schemeClr>
+          </a:lnRef>
+          <a:fillRef idx="1">
+            <a:schemeClr val="accent1"/>
+          </a:fillRef>
+          <a:effectRef idx="0">
+            <a:schemeClr val="accent1"/>
+          </a:effectRef>
+          <a:fontRef idx="minor">
+            <a:schemeClr val="lt1"/>
+          </a:fontRef>
+        </p:style>
+        <p:txBody>
+          <a:bodyPr rtlCol="0" anchor="ctr"/>
+          <a:lstStyle/>
+          <a:p>
+            <a:pPr algn="ctr"/>
+            <a:endParaRPr lang="de-DE"/>
+          </a:p>
+        </p:txBody>
+      </p:sp>
+      <p:sp>
+        <p:nvSpPr>
+          <p:cNvPr id="14" name="Ellipse 13"/>
+          <p:cNvSpPr/>
+          <p:nvPr/>
+        </p:nvSpPr>
+        <p:spPr>
+          <a:xfrm>
+            <a:off x="4253985" y="264724"/>
+            <a:ext cx="126249" cy="129472"/>
+          </a:xfrm>
+          <a:prstGeom prst="ellipse">
+            <a:avLst/>
+          </a:prstGeom>
+          <a:solidFill>
+            <a:schemeClr val="tx1"/>
+          </a:solidFill>
+        </p:spPr>
+        <p:style>
+          <a:lnRef idx="2">
+            <a:schemeClr val="accent1">
+              <a:shade val="50000"/>
+            </a:schemeClr>
+          </a:lnRef>
+          <a:fillRef idx="1">
+            <a:schemeClr val="accent1"/>
+          </a:fillRef>
+          <a:effectRef idx="0">
+            <a:schemeClr val="accent1"/>
+          </a:effectRef>
+          <a:fontRef idx="minor">
+            <a:schemeClr val="lt1"/>
+          </a:fontRef>
+        </p:style>
+        <p:txBody>
+          <a:bodyPr rtlCol="0" anchor="ctr"/>
+          <a:lstStyle/>
+          <a:p>
+            <a:pPr algn="ctr"/>
+            <a:endParaRPr lang="de-DE"/>
+          </a:p>
+        </p:txBody>
+      </p:sp>
+      <p:sp>
+        <p:nvSpPr>
+          <p:cNvPr id="15" name="Ellipse 14"/>
+          <p:cNvSpPr/>
+          <p:nvPr/>
+        </p:nvSpPr>
+        <p:spPr>
+          <a:xfrm>
+            <a:off x="4512930" y="264724"/>
+            <a:ext cx="126249" cy="129472"/>
+          </a:xfrm>
+          <a:prstGeom prst="ellipse">
+            <a:avLst/>
+          </a:prstGeom>
+          <a:solidFill>
+            <a:schemeClr val="tx1"/>
+          </a:solidFill>
+        </p:spPr>
+        <p:style>
+          <a:lnRef idx="2">
+            <a:schemeClr val="accent1">
+              <a:shade val="50000"/>
+            </a:schemeClr>
+          </a:lnRef>
+          <a:fillRef idx="1">
+            <a:schemeClr val="accent1"/>
+          </a:fillRef>
+          <a:effectRef idx="0">
+            <a:schemeClr val="accent1"/>
+          </a:effectRef>
+          <a:fontRef idx="minor">
+            <a:schemeClr val="lt1"/>
+          </a:fontRef>
+        </p:style>
+        <p:txBody>
+          <a:bodyPr rtlCol="0" anchor="ctr"/>
+          <a:lstStyle/>
+          <a:p>
+            <a:pPr algn="ctr"/>
+            <a:endParaRPr lang="de-DE"/>
+          </a:p>
+        </p:txBody>
+      </p:sp>
+      <p:sp>
+        <p:nvSpPr>
+          <p:cNvPr id="16" name="Ellipse 15"/>
+          <p:cNvSpPr/>
+          <p:nvPr/>
+        </p:nvSpPr>
+        <p:spPr>
+          <a:xfrm>
+            <a:off x="5833187" y="262411"/>
+            <a:ext cx="126249" cy="129472"/>
+          </a:xfrm>
+          <a:prstGeom prst="ellipse">
+            <a:avLst/>
+          </a:prstGeom>
+          <a:solidFill>
+            <a:schemeClr val="tx1"/>
+          </a:solidFill>
+        </p:spPr>
+        <p:style>
+          <a:lnRef idx="2">
+            <a:schemeClr val="accent1">
+              <a:shade val="50000"/>
+            </a:schemeClr>
+          </a:lnRef>
+          <a:fillRef idx="1">
+            <a:schemeClr val="accent1"/>
+          </a:fillRef>
+          <a:effectRef idx="0">
+            <a:schemeClr val="accent1"/>
+          </a:effectRef>
+          <a:fontRef idx="minor">
+            <a:schemeClr val="lt1"/>
+          </a:fontRef>
+        </p:style>
+        <p:txBody>
+          <a:bodyPr rtlCol="0" anchor="ctr"/>
+          <a:lstStyle/>
+          <a:p>
+            <a:pPr algn="ctr"/>
+            <a:endParaRPr lang="de-DE"/>
+          </a:p>
+        </p:txBody>
+      </p:sp>
+      <p:sp>
+        <p:nvSpPr>
+          <p:cNvPr id="17" name="ZoneTexte 16"/>
+          <p:cNvSpPr txBox="1"/>
+          <p:nvPr/>
+        </p:nvSpPr>
+        <p:spPr>
+          <a:xfrm>
+            <a:off x="774101" y="9616"/>
+            <a:ext cx="818044" cy="230832"/>
+          </a:xfrm>
+          <a:prstGeom prst="rect">
+            <a:avLst/>
+          </a:prstGeom>
+          <a:noFill/>
+        </p:spPr>
+        <p:txBody>
+          <a:bodyPr wrap="square" rtlCol="0">
+            <a:spAutoFit/>
+          </a:bodyPr>
+          <a:lstStyle/>
+          <a:p>
+            <a:pPr algn="ctr"/>
+            <a:r>
+              <a:rPr lang="fr-FR" sz="900" dirty="0" smtClean="0"/>
+              <a:t>Introduction</a:t>
+            </a:r>
+            <a:endParaRPr lang="de-DE" dirty="0"/>
+          </a:p>
+        </p:txBody>
+      </p:sp>
+      <p:sp>
+        <p:nvSpPr>
+          <p:cNvPr id="18" name="ZoneTexte 17"/>
+          <p:cNvSpPr txBox="1"/>
+          <p:nvPr/>
+        </p:nvSpPr>
+        <p:spPr>
+          <a:xfrm>
+            <a:off x="1729778" y="9616"/>
+            <a:ext cx="1765981" cy="230832"/>
+          </a:xfrm>
+          <a:prstGeom prst="rect">
+            <a:avLst/>
+          </a:prstGeom>
+          <a:noFill/>
+        </p:spPr>
+        <p:txBody>
+          <a:bodyPr wrap="square" rtlCol="0">
+            <a:spAutoFit/>
+          </a:bodyPr>
+          <a:lstStyle/>
+          <a:p>
+            <a:pPr algn="ctr"/>
+            <a:r>
+              <a:rPr lang="fr-FR" sz="900" dirty="0" smtClean="0"/>
+              <a:t>Etude fonctionnelle et technique</a:t>
+            </a:r>
+            <a:endParaRPr lang="de-DE" dirty="0"/>
+          </a:p>
+        </p:txBody>
+      </p:sp>
+      <p:sp>
+        <p:nvSpPr>
+          <p:cNvPr id="19" name="ZoneTexte 18"/>
+          <p:cNvSpPr txBox="1"/>
+          <p:nvPr/>
+        </p:nvSpPr>
+        <p:spPr>
+          <a:xfrm>
+            <a:off x="3593475" y="9616"/>
+            <a:ext cx="1765981" cy="230832"/>
+          </a:xfrm>
+          <a:prstGeom prst="rect">
+            <a:avLst/>
+          </a:prstGeom>
+          <a:noFill/>
+        </p:spPr>
+        <p:txBody>
+          <a:bodyPr wrap="square" rtlCol="0">
+            <a:spAutoFit/>
+          </a:bodyPr>
+          <a:lstStyle/>
+          <a:p>
+            <a:pPr algn="ctr"/>
+            <a:r>
+              <a:rPr lang="fr-FR" sz="900" dirty="0" smtClean="0"/>
+              <a:t>Résultats et perspectives</a:t>
+            </a:r>
+            <a:endParaRPr lang="de-DE" dirty="0"/>
+          </a:p>
+        </p:txBody>
+      </p:sp>
+      <p:sp>
+        <p:nvSpPr>
+          <p:cNvPr id="20" name="ZoneTexte 19"/>
+          <p:cNvSpPr txBox="1"/>
+          <p:nvPr/>
+        </p:nvSpPr>
+        <p:spPr>
+          <a:xfrm>
+            <a:off x="5359456" y="9616"/>
+            <a:ext cx="1073712" cy="230832"/>
+          </a:xfrm>
+          <a:prstGeom prst="rect">
+            <a:avLst/>
+          </a:prstGeom>
+          <a:noFill/>
+        </p:spPr>
+        <p:txBody>
+          <a:bodyPr wrap="square" rtlCol="0">
+            <a:spAutoFit/>
+          </a:bodyPr>
+          <a:lstStyle/>
+          <a:p>
+            <a:pPr algn="ctr"/>
+            <a:r>
+              <a:rPr lang="fr-FR" sz="900" dirty="0" smtClean="0"/>
+              <a:t>Conclusion</a:t>
+            </a:r>
+            <a:endParaRPr lang="de-DE" dirty="0"/>
+          </a:p>
+        </p:txBody>
+      </p:sp>
     </p:spTree>
     <p:extLst>
       <p:ext uri="{BB962C8B-B14F-4D97-AF65-F5344CB8AC3E}">
@@ -8335,6 +11956,25 @@
   <p:clrMapOvr>
     <a:masterClrMapping/>
   </p:clrMapOvr>
+  <mc:AlternateContent xmlns:mc="http://schemas.openxmlformats.org/markup-compatibility/2006">
+    <mc:Choice xmlns:p14="http://schemas.microsoft.com/office/powerpoint/2010/main" Requires="p14">
+      <p:transition spd="slow">
+        <p14:warp dir="in"/>
+      </p:transition>
+    </mc:Choice>
+    <mc:Fallback>
+      <p:transition spd="slow">
+        <p:fade/>
+      </p:transition>
+    </mc:Fallback>
+  </mc:AlternateContent>
+  <p:timing>
+    <p:tnLst>
+      <p:par>
+        <p:cTn id="1" dur="indefinite" restart="never" nodeType="tmRoot"/>
+      </p:par>
+    </p:tnLst>
+  </p:timing>
 </p:sld>
 </file>
 
@@ -8367,7 +12007,7 @@
         </p:nvSpPr>
         <p:spPr>
           <a:xfrm>
-            <a:off x="838200" y="243205"/>
+            <a:off x="838200" y="453597"/>
             <a:ext cx="10515600" cy="1325563"/>
           </a:xfrm>
         </p:spPr>
@@ -8395,8 +12035,8 @@
         </p:nvSpPr>
         <p:spPr>
           <a:xfrm>
-            <a:off x="748937" y="1637213"/>
-            <a:ext cx="10711543" cy="4687797"/>
+            <a:off x="716569" y="2000594"/>
+            <a:ext cx="10711543" cy="1696707"/>
           </a:xfrm>
         </p:spPr>
         <p:txBody>
@@ -8431,18 +12071,13 @@
             </a:pPr>
             <a:r>
               <a:rPr lang="fr-FR" dirty="0"/>
-              <a:t>Génération de documents automatisée</a:t>
-            </a:r>
-          </a:p>
-          <a:p>
-            <a:pPr indent="-540000">
-              <a:buFont typeface="Wingdings" panose="05000000000000000000" pitchFamily="2" charset="2"/>
-              <a:buChar char="Ø"/>
-            </a:pPr>
-            <a:r>
-              <a:rPr lang="fr-FR" dirty="0"/>
-              <a:t>Envoi de courriels automatique</a:t>
-            </a:r>
+              <a:t>Génération de documents </a:t>
+            </a:r>
+            <a:r>
+              <a:rPr lang="fr-FR" dirty="0" smtClean="0"/>
+              <a:t>automatisée</a:t>
+            </a:r>
+            <a:endParaRPr lang="fr-FR" dirty="0"/>
           </a:p>
         </p:txBody>
       </p:sp>
@@ -8560,6 +12195,517 @@
           </a:prstGeom>
         </p:spPr>
       </p:pic>
+      <p:sp>
+        <p:nvSpPr>
+          <p:cNvPr id="9" name="Ellipse 8"/>
+          <p:cNvSpPr/>
+          <p:nvPr/>
+        </p:nvSpPr>
+        <p:spPr>
+          <a:xfrm>
+            <a:off x="993751" y="267481"/>
+            <a:ext cx="126249" cy="129472"/>
+          </a:xfrm>
+          <a:prstGeom prst="ellipse">
+            <a:avLst/>
+          </a:prstGeom>
+          <a:solidFill>
+            <a:schemeClr val="accent1"/>
+          </a:solidFill>
+        </p:spPr>
+        <p:style>
+          <a:lnRef idx="2">
+            <a:schemeClr val="accent1">
+              <a:shade val="50000"/>
+            </a:schemeClr>
+          </a:lnRef>
+          <a:fillRef idx="1">
+            <a:schemeClr val="accent1"/>
+          </a:fillRef>
+          <a:effectRef idx="0">
+            <a:schemeClr val="accent1"/>
+          </a:effectRef>
+          <a:fontRef idx="minor">
+            <a:schemeClr val="lt1"/>
+          </a:fontRef>
+        </p:style>
+        <p:txBody>
+          <a:bodyPr rtlCol="0" anchor="ctr"/>
+          <a:lstStyle/>
+          <a:p>
+            <a:pPr algn="ctr"/>
+            <a:endParaRPr lang="de-DE"/>
+          </a:p>
+        </p:txBody>
+      </p:sp>
+      <p:sp>
+        <p:nvSpPr>
+          <p:cNvPr id="11" name="Ellipse 10"/>
+          <p:cNvSpPr/>
+          <p:nvPr/>
+        </p:nvSpPr>
+        <p:spPr>
+          <a:xfrm>
+            <a:off x="1232466" y="267481"/>
+            <a:ext cx="126249" cy="129472"/>
+          </a:xfrm>
+          <a:prstGeom prst="ellipse">
+            <a:avLst/>
+          </a:prstGeom>
+          <a:solidFill>
+            <a:schemeClr val="accent1"/>
+          </a:solidFill>
+        </p:spPr>
+        <p:style>
+          <a:lnRef idx="2">
+            <a:schemeClr val="accent1">
+              <a:shade val="50000"/>
+            </a:schemeClr>
+          </a:lnRef>
+          <a:fillRef idx="1">
+            <a:schemeClr val="accent1"/>
+          </a:fillRef>
+          <a:effectRef idx="0">
+            <a:schemeClr val="accent1"/>
+          </a:effectRef>
+          <a:fontRef idx="minor">
+            <a:schemeClr val="lt1"/>
+          </a:fontRef>
+        </p:style>
+        <p:txBody>
+          <a:bodyPr rtlCol="0" anchor="ctr"/>
+          <a:lstStyle/>
+          <a:p>
+            <a:pPr algn="ctr"/>
+            <a:endParaRPr lang="de-DE"/>
+          </a:p>
+        </p:txBody>
+      </p:sp>
+      <p:sp>
+        <p:nvSpPr>
+          <p:cNvPr id="12" name="Ellipse 11"/>
+          <p:cNvSpPr/>
+          <p:nvPr/>
+        </p:nvSpPr>
+        <p:spPr>
+          <a:xfrm>
+            <a:off x="2120113" y="267481"/>
+            <a:ext cx="126249" cy="129472"/>
+          </a:xfrm>
+          <a:prstGeom prst="ellipse">
+            <a:avLst/>
+          </a:prstGeom>
+          <a:solidFill>
+            <a:schemeClr val="tx1"/>
+          </a:solidFill>
+        </p:spPr>
+        <p:style>
+          <a:lnRef idx="2">
+            <a:schemeClr val="accent1">
+              <a:shade val="50000"/>
+            </a:schemeClr>
+          </a:lnRef>
+          <a:fillRef idx="1">
+            <a:schemeClr val="accent1"/>
+          </a:fillRef>
+          <a:effectRef idx="0">
+            <a:schemeClr val="accent1"/>
+          </a:effectRef>
+          <a:fontRef idx="minor">
+            <a:schemeClr val="lt1"/>
+          </a:fontRef>
+        </p:style>
+        <p:txBody>
+          <a:bodyPr rtlCol="0" anchor="ctr"/>
+          <a:lstStyle/>
+          <a:p>
+            <a:pPr algn="ctr"/>
+            <a:endParaRPr lang="de-DE"/>
+          </a:p>
+        </p:txBody>
+      </p:sp>
+      <p:sp>
+        <p:nvSpPr>
+          <p:cNvPr id="13" name="Ellipse 12"/>
+          <p:cNvSpPr/>
+          <p:nvPr/>
+        </p:nvSpPr>
+        <p:spPr>
+          <a:xfrm>
+            <a:off x="2379057" y="267481"/>
+            <a:ext cx="126249" cy="129472"/>
+          </a:xfrm>
+          <a:prstGeom prst="ellipse">
+            <a:avLst/>
+          </a:prstGeom>
+          <a:solidFill>
+            <a:schemeClr val="tx1"/>
+          </a:solidFill>
+        </p:spPr>
+        <p:style>
+          <a:lnRef idx="2">
+            <a:schemeClr val="accent1">
+              <a:shade val="50000"/>
+            </a:schemeClr>
+          </a:lnRef>
+          <a:fillRef idx="1">
+            <a:schemeClr val="accent1"/>
+          </a:fillRef>
+          <a:effectRef idx="0">
+            <a:schemeClr val="accent1"/>
+          </a:effectRef>
+          <a:fontRef idx="minor">
+            <a:schemeClr val="lt1"/>
+          </a:fontRef>
+        </p:style>
+        <p:txBody>
+          <a:bodyPr rtlCol="0" anchor="ctr"/>
+          <a:lstStyle/>
+          <a:p>
+            <a:pPr algn="ctr"/>
+            <a:endParaRPr lang="de-DE"/>
+          </a:p>
+        </p:txBody>
+      </p:sp>
+      <p:sp>
+        <p:nvSpPr>
+          <p:cNvPr id="14" name="Ellipse 13"/>
+          <p:cNvSpPr/>
+          <p:nvPr/>
+        </p:nvSpPr>
+        <p:spPr>
+          <a:xfrm>
+            <a:off x="2638001" y="267481"/>
+            <a:ext cx="126249" cy="129472"/>
+          </a:xfrm>
+          <a:prstGeom prst="ellipse">
+            <a:avLst/>
+          </a:prstGeom>
+          <a:solidFill>
+            <a:schemeClr val="tx1"/>
+          </a:solidFill>
+        </p:spPr>
+        <p:style>
+          <a:lnRef idx="2">
+            <a:schemeClr val="accent1">
+              <a:shade val="50000"/>
+            </a:schemeClr>
+          </a:lnRef>
+          <a:fillRef idx="1">
+            <a:schemeClr val="accent1"/>
+          </a:fillRef>
+          <a:effectRef idx="0">
+            <a:schemeClr val="accent1"/>
+          </a:effectRef>
+          <a:fontRef idx="minor">
+            <a:schemeClr val="lt1"/>
+          </a:fontRef>
+        </p:style>
+        <p:txBody>
+          <a:bodyPr rtlCol="0" anchor="ctr"/>
+          <a:lstStyle/>
+          <a:p>
+            <a:pPr algn="ctr"/>
+            <a:endParaRPr lang="de-DE"/>
+          </a:p>
+        </p:txBody>
+      </p:sp>
+      <p:sp>
+        <p:nvSpPr>
+          <p:cNvPr id="15" name="Ellipse 14"/>
+          <p:cNvSpPr/>
+          <p:nvPr/>
+        </p:nvSpPr>
+        <p:spPr>
+          <a:xfrm>
+            <a:off x="2896945" y="267481"/>
+            <a:ext cx="126249" cy="129472"/>
+          </a:xfrm>
+          <a:prstGeom prst="ellipse">
+            <a:avLst/>
+          </a:prstGeom>
+          <a:solidFill>
+            <a:schemeClr val="tx1"/>
+          </a:solidFill>
+        </p:spPr>
+        <p:style>
+          <a:lnRef idx="2">
+            <a:schemeClr val="accent1">
+              <a:shade val="50000"/>
+            </a:schemeClr>
+          </a:lnRef>
+          <a:fillRef idx="1">
+            <a:schemeClr val="accent1"/>
+          </a:fillRef>
+          <a:effectRef idx="0">
+            <a:schemeClr val="accent1"/>
+          </a:effectRef>
+          <a:fontRef idx="minor">
+            <a:schemeClr val="lt1"/>
+          </a:fontRef>
+        </p:style>
+        <p:txBody>
+          <a:bodyPr rtlCol="0" anchor="ctr"/>
+          <a:lstStyle/>
+          <a:p>
+            <a:pPr algn="ctr"/>
+            <a:endParaRPr lang="de-DE"/>
+          </a:p>
+        </p:txBody>
+      </p:sp>
+      <p:sp>
+        <p:nvSpPr>
+          <p:cNvPr id="16" name="Ellipse 15"/>
+          <p:cNvSpPr/>
+          <p:nvPr/>
+        </p:nvSpPr>
+        <p:spPr>
+          <a:xfrm>
+            <a:off x="4253985" y="264724"/>
+            <a:ext cx="126249" cy="129472"/>
+          </a:xfrm>
+          <a:prstGeom prst="ellipse">
+            <a:avLst/>
+          </a:prstGeom>
+          <a:solidFill>
+            <a:schemeClr val="tx1"/>
+          </a:solidFill>
+        </p:spPr>
+        <p:style>
+          <a:lnRef idx="2">
+            <a:schemeClr val="accent1">
+              <a:shade val="50000"/>
+            </a:schemeClr>
+          </a:lnRef>
+          <a:fillRef idx="1">
+            <a:schemeClr val="accent1"/>
+          </a:fillRef>
+          <a:effectRef idx="0">
+            <a:schemeClr val="accent1"/>
+          </a:effectRef>
+          <a:fontRef idx="minor">
+            <a:schemeClr val="lt1"/>
+          </a:fontRef>
+        </p:style>
+        <p:txBody>
+          <a:bodyPr rtlCol="0" anchor="ctr"/>
+          <a:lstStyle/>
+          <a:p>
+            <a:pPr algn="ctr"/>
+            <a:endParaRPr lang="de-DE"/>
+          </a:p>
+        </p:txBody>
+      </p:sp>
+      <p:sp>
+        <p:nvSpPr>
+          <p:cNvPr id="17" name="Ellipse 16"/>
+          <p:cNvSpPr/>
+          <p:nvPr/>
+        </p:nvSpPr>
+        <p:spPr>
+          <a:xfrm>
+            <a:off x="4512930" y="264724"/>
+            <a:ext cx="126249" cy="129472"/>
+          </a:xfrm>
+          <a:prstGeom prst="ellipse">
+            <a:avLst/>
+          </a:prstGeom>
+          <a:solidFill>
+            <a:schemeClr val="tx1"/>
+          </a:solidFill>
+        </p:spPr>
+        <p:style>
+          <a:lnRef idx="2">
+            <a:schemeClr val="accent1">
+              <a:shade val="50000"/>
+            </a:schemeClr>
+          </a:lnRef>
+          <a:fillRef idx="1">
+            <a:schemeClr val="accent1"/>
+          </a:fillRef>
+          <a:effectRef idx="0">
+            <a:schemeClr val="accent1"/>
+          </a:effectRef>
+          <a:fontRef idx="minor">
+            <a:schemeClr val="lt1"/>
+          </a:fontRef>
+        </p:style>
+        <p:txBody>
+          <a:bodyPr rtlCol="0" anchor="ctr"/>
+          <a:lstStyle/>
+          <a:p>
+            <a:pPr algn="ctr"/>
+            <a:endParaRPr lang="de-DE"/>
+          </a:p>
+        </p:txBody>
+      </p:sp>
+      <p:sp>
+        <p:nvSpPr>
+          <p:cNvPr id="18" name="Ellipse 17"/>
+          <p:cNvSpPr/>
+          <p:nvPr/>
+        </p:nvSpPr>
+        <p:spPr>
+          <a:xfrm>
+            <a:off x="5833187" y="262411"/>
+            <a:ext cx="126249" cy="129472"/>
+          </a:xfrm>
+          <a:prstGeom prst="ellipse">
+            <a:avLst/>
+          </a:prstGeom>
+          <a:solidFill>
+            <a:schemeClr val="tx1"/>
+          </a:solidFill>
+        </p:spPr>
+        <p:style>
+          <a:lnRef idx="2">
+            <a:schemeClr val="accent1">
+              <a:shade val="50000"/>
+            </a:schemeClr>
+          </a:lnRef>
+          <a:fillRef idx="1">
+            <a:schemeClr val="accent1"/>
+          </a:fillRef>
+          <a:effectRef idx="0">
+            <a:schemeClr val="accent1"/>
+          </a:effectRef>
+          <a:fontRef idx="minor">
+            <a:schemeClr val="lt1"/>
+          </a:fontRef>
+        </p:style>
+        <p:txBody>
+          <a:bodyPr rtlCol="0" anchor="ctr"/>
+          <a:lstStyle/>
+          <a:p>
+            <a:pPr algn="ctr"/>
+            <a:endParaRPr lang="de-DE"/>
+          </a:p>
+        </p:txBody>
+      </p:sp>
+      <p:sp>
+        <p:nvSpPr>
+          <p:cNvPr id="19" name="ZoneTexte 18"/>
+          <p:cNvSpPr txBox="1"/>
+          <p:nvPr/>
+        </p:nvSpPr>
+        <p:spPr>
+          <a:xfrm>
+            <a:off x="774101" y="9616"/>
+            <a:ext cx="818044" cy="230832"/>
+          </a:xfrm>
+          <a:prstGeom prst="rect">
+            <a:avLst/>
+          </a:prstGeom>
+          <a:noFill/>
+        </p:spPr>
+        <p:txBody>
+          <a:bodyPr wrap="square" rtlCol="0">
+            <a:spAutoFit/>
+          </a:bodyPr>
+          <a:lstStyle/>
+          <a:p>
+            <a:pPr algn="ctr"/>
+            <a:r>
+              <a:rPr lang="fr-FR" sz="900" dirty="0" smtClean="0"/>
+              <a:t>Introduction</a:t>
+            </a:r>
+            <a:endParaRPr lang="de-DE" dirty="0"/>
+          </a:p>
+        </p:txBody>
+      </p:sp>
+      <p:sp>
+        <p:nvSpPr>
+          <p:cNvPr id="20" name="ZoneTexte 19"/>
+          <p:cNvSpPr txBox="1"/>
+          <p:nvPr/>
+        </p:nvSpPr>
+        <p:spPr>
+          <a:xfrm>
+            <a:off x="1729778" y="9616"/>
+            <a:ext cx="1765981" cy="230832"/>
+          </a:xfrm>
+          <a:prstGeom prst="rect">
+            <a:avLst/>
+          </a:prstGeom>
+          <a:noFill/>
+        </p:spPr>
+        <p:txBody>
+          <a:bodyPr wrap="square" rtlCol="0">
+            <a:spAutoFit/>
+          </a:bodyPr>
+          <a:lstStyle/>
+          <a:p>
+            <a:pPr algn="ctr"/>
+            <a:r>
+              <a:rPr lang="fr-FR" sz="900" dirty="0" smtClean="0"/>
+              <a:t>Etude fonctionnelle et technique</a:t>
+            </a:r>
+            <a:endParaRPr lang="de-DE" dirty="0"/>
+          </a:p>
+        </p:txBody>
+      </p:sp>
+      <p:sp>
+        <p:nvSpPr>
+          <p:cNvPr id="21" name="ZoneTexte 20"/>
+          <p:cNvSpPr txBox="1"/>
+          <p:nvPr/>
+        </p:nvSpPr>
+        <p:spPr>
+          <a:xfrm>
+            <a:off x="3593475" y="9616"/>
+            <a:ext cx="1765981" cy="230832"/>
+          </a:xfrm>
+          <a:prstGeom prst="rect">
+            <a:avLst/>
+          </a:prstGeom>
+          <a:noFill/>
+        </p:spPr>
+        <p:txBody>
+          <a:bodyPr wrap="square" rtlCol="0">
+            <a:spAutoFit/>
+          </a:bodyPr>
+          <a:lstStyle/>
+          <a:p>
+            <a:pPr algn="ctr"/>
+            <a:r>
+              <a:rPr lang="fr-FR" sz="900" dirty="0" smtClean="0"/>
+              <a:t>Résultats et perspectives</a:t>
+            </a:r>
+            <a:endParaRPr lang="de-DE" dirty="0"/>
+          </a:p>
+        </p:txBody>
+      </p:sp>
+      <p:sp>
+        <p:nvSpPr>
+          <p:cNvPr id="22" name="ZoneTexte 21"/>
+          <p:cNvSpPr txBox="1"/>
+          <p:nvPr/>
+        </p:nvSpPr>
+        <p:spPr>
+          <a:xfrm>
+            <a:off x="5359456" y="9616"/>
+            <a:ext cx="1073712" cy="230832"/>
+          </a:xfrm>
+          <a:prstGeom prst="rect">
+            <a:avLst/>
+          </a:prstGeom>
+          <a:noFill/>
+        </p:spPr>
+        <p:txBody>
+          <a:bodyPr wrap="square" rtlCol="0">
+            <a:spAutoFit/>
+          </a:bodyPr>
+          <a:lstStyle/>
+          <a:p>
+            <a:pPr algn="ctr"/>
+            <a:r>
+              <a:rPr lang="fr-FR" sz="900" dirty="0" smtClean="0"/>
+              <a:t>Conclusion</a:t>
+            </a:r>
+            <a:endParaRPr lang="de-DE" dirty="0"/>
+          </a:p>
+        </p:txBody>
+      </p:sp>
     </p:spTree>
     <p:extLst>
       <p:ext uri="{BB962C8B-B14F-4D97-AF65-F5344CB8AC3E}">
@@ -8570,6 +12716,25 @@
   <p:clrMapOvr>
     <a:masterClrMapping/>
   </p:clrMapOvr>
+  <mc:AlternateContent xmlns:mc="http://schemas.openxmlformats.org/markup-compatibility/2006">
+    <mc:Choice xmlns:p14="http://schemas.microsoft.com/office/powerpoint/2010/main" Requires="p14">
+      <p:transition spd="slow">
+        <p14:warp dir="in"/>
+      </p:transition>
+    </mc:Choice>
+    <mc:Fallback>
+      <p:transition spd="slow">
+        <p:fade/>
+      </p:transition>
+    </mc:Fallback>
+  </mc:AlternateContent>
+  <p:timing>
+    <p:tnLst>
+      <p:par>
+        <p:cTn id="1" dur="indefinite" restart="never" nodeType="tmRoot"/>
+      </p:par>
+    </p:tnLst>
+  </p:timing>
 </p:sld>
 </file>
 
@@ -8690,6 +12855,25 @@
   <p:clrMapOvr>
     <a:masterClrMapping/>
   </p:clrMapOvr>
+  <mc:AlternateContent xmlns:mc="http://schemas.openxmlformats.org/markup-compatibility/2006">
+    <mc:Choice xmlns:p14="http://schemas.microsoft.com/office/powerpoint/2010/main" Requires="p14">
+      <p:transition spd="slow">
+        <p14:warp dir="in"/>
+      </p:transition>
+    </mc:Choice>
+    <mc:Fallback>
+      <p:transition spd="slow">
+        <p:fade/>
+      </p:transition>
+    </mc:Fallback>
+  </mc:AlternateContent>
+  <p:timing>
+    <p:tnLst>
+      <p:par>
+        <p:cTn id="1" dur="indefinite" restart="never" nodeType="tmRoot"/>
+      </p:par>
+    </p:tnLst>
+  </p:timing>
 </p:sld>
 </file>
 
@@ -8722,7 +12906,7 @@
         </p:nvSpPr>
         <p:spPr>
           <a:xfrm>
-            <a:off x="838200" y="243205"/>
+            <a:off x="838200" y="445505"/>
             <a:ext cx="10515600" cy="1325563"/>
           </a:xfrm>
         </p:spPr>
@@ -8750,7 +12934,7 @@
         </p:nvSpPr>
         <p:spPr>
           <a:xfrm>
-            <a:off x="838200" y="1802679"/>
+            <a:off x="838200" y="2004979"/>
             <a:ext cx="10515600" cy="1680755"/>
           </a:xfrm>
         </p:spPr>
@@ -8765,8 +12949,16 @@
               <a:buChar char="Ø"/>
             </a:pPr>
             <a:r>
+              <a:rPr lang="fr-FR" dirty="0" smtClean="0"/>
+              <a:t>Solution disponible </a:t>
+            </a:r>
+            <a:r>
               <a:rPr lang="fr-FR" dirty="0"/>
-              <a:t>Projet disponible sur GitHub</a:t>
+              <a:t>sur </a:t>
+            </a:r>
+            <a:r>
+              <a:rPr lang="fr-FR" i="1" dirty="0"/>
+              <a:t>GitHub</a:t>
             </a:r>
           </a:p>
           <a:p>
@@ -8807,10 +12999,10 @@
       </p:sp>
       <p:pic>
         <p:nvPicPr>
-          <p:cNvPr id="6" name="Image 5">
+          <p:cNvPr id="9" name="Image 8">
             <a:extLst>
               <a:ext uri="{FF2B5EF4-FFF2-40B4-BE49-F238E27FC236}">
-                <a16:creationId xmlns:a16="http://schemas.microsoft.com/office/drawing/2014/main" id="{471FFE3F-5AE5-4D5E-9A81-E4EAE4E493C3}"/>
+                <a16:creationId xmlns:a16="http://schemas.microsoft.com/office/drawing/2014/main" xmlns="" id="{8CFC72C1-9494-4546-8703-58CB45C2152D}"/>
               </a:ext>
             </a:extLst>
           </p:cNvPr>
@@ -8820,45 +13012,624 @@
           <p:nvPr/>
         </p:nvPicPr>
         <p:blipFill>
-          <a:blip r:embed="rId3"/>
+          <a:blip r:embed="rId3">
+            <a:duotone>
+              <a:schemeClr val="accent2">
+                <a:shade val="45000"/>
+                <a:satMod val="135000"/>
+              </a:schemeClr>
+              <a:prstClr val="white"/>
+            </a:duotone>
+          </a:blip>
           <a:stretch>
             <a:fillRect/>
           </a:stretch>
         </p:blipFill>
         <p:spPr>
           <a:xfrm>
-            <a:off x="7217545" y="1273873"/>
-            <a:ext cx="4725880" cy="5040938"/>
+            <a:off x="1295590" y="5595091"/>
+            <a:ext cx="3792138" cy="943821"/>
           </a:xfrm>
           <a:prstGeom prst="rect">
             <a:avLst/>
           </a:prstGeom>
         </p:spPr>
       </p:pic>
+      <p:sp>
+        <p:nvSpPr>
+          <p:cNvPr id="7" name="Ellipse 6"/>
+          <p:cNvSpPr/>
+          <p:nvPr/>
+        </p:nvSpPr>
+        <p:spPr>
+          <a:xfrm>
+            <a:off x="993751" y="267481"/>
+            <a:ext cx="126249" cy="129472"/>
+          </a:xfrm>
+          <a:prstGeom prst="ellipse">
+            <a:avLst/>
+          </a:prstGeom>
+          <a:solidFill>
+            <a:schemeClr val="accent1"/>
+          </a:solidFill>
+        </p:spPr>
+        <p:style>
+          <a:lnRef idx="2">
+            <a:schemeClr val="accent1">
+              <a:shade val="50000"/>
+            </a:schemeClr>
+          </a:lnRef>
+          <a:fillRef idx="1">
+            <a:schemeClr val="accent1"/>
+          </a:fillRef>
+          <a:effectRef idx="0">
+            <a:schemeClr val="accent1"/>
+          </a:effectRef>
+          <a:fontRef idx="minor">
+            <a:schemeClr val="lt1"/>
+          </a:fontRef>
+        </p:style>
+        <p:txBody>
+          <a:bodyPr rtlCol="0" anchor="ctr"/>
+          <a:lstStyle/>
+          <a:p>
+            <a:pPr algn="ctr"/>
+            <a:endParaRPr lang="de-DE"/>
+          </a:p>
+        </p:txBody>
+      </p:sp>
+      <p:sp>
+        <p:nvSpPr>
+          <p:cNvPr id="10" name="Ellipse 9"/>
+          <p:cNvSpPr/>
+          <p:nvPr/>
+        </p:nvSpPr>
+        <p:spPr>
+          <a:xfrm>
+            <a:off x="1232466" y="267481"/>
+            <a:ext cx="126249" cy="129472"/>
+          </a:xfrm>
+          <a:prstGeom prst="ellipse">
+            <a:avLst/>
+          </a:prstGeom>
+          <a:solidFill>
+            <a:schemeClr val="accent1"/>
+          </a:solidFill>
+        </p:spPr>
+        <p:style>
+          <a:lnRef idx="2">
+            <a:schemeClr val="accent1">
+              <a:shade val="50000"/>
+            </a:schemeClr>
+          </a:lnRef>
+          <a:fillRef idx="1">
+            <a:schemeClr val="accent1"/>
+          </a:fillRef>
+          <a:effectRef idx="0">
+            <a:schemeClr val="accent1"/>
+          </a:effectRef>
+          <a:fontRef idx="minor">
+            <a:schemeClr val="lt1"/>
+          </a:fontRef>
+        </p:style>
+        <p:txBody>
+          <a:bodyPr rtlCol="0" anchor="ctr"/>
+          <a:lstStyle/>
+          <a:p>
+            <a:pPr algn="ctr"/>
+            <a:endParaRPr lang="de-DE"/>
+          </a:p>
+        </p:txBody>
+      </p:sp>
+      <p:sp>
+        <p:nvSpPr>
+          <p:cNvPr id="11" name="Ellipse 10"/>
+          <p:cNvSpPr/>
+          <p:nvPr/>
+        </p:nvSpPr>
+        <p:spPr>
+          <a:xfrm>
+            <a:off x="2120113" y="267481"/>
+            <a:ext cx="126249" cy="129472"/>
+          </a:xfrm>
+          <a:prstGeom prst="ellipse">
+            <a:avLst/>
+          </a:prstGeom>
+          <a:solidFill>
+            <a:schemeClr val="accent1"/>
+          </a:solidFill>
+        </p:spPr>
+        <p:style>
+          <a:lnRef idx="2">
+            <a:schemeClr val="accent1">
+              <a:shade val="50000"/>
+            </a:schemeClr>
+          </a:lnRef>
+          <a:fillRef idx="1">
+            <a:schemeClr val="accent1"/>
+          </a:fillRef>
+          <a:effectRef idx="0">
+            <a:schemeClr val="accent1"/>
+          </a:effectRef>
+          <a:fontRef idx="minor">
+            <a:schemeClr val="lt1"/>
+          </a:fontRef>
+        </p:style>
+        <p:txBody>
+          <a:bodyPr rtlCol="0" anchor="ctr"/>
+          <a:lstStyle/>
+          <a:p>
+            <a:pPr algn="ctr"/>
+            <a:endParaRPr lang="de-DE"/>
+          </a:p>
+        </p:txBody>
+      </p:sp>
+      <p:sp>
+        <p:nvSpPr>
+          <p:cNvPr id="12" name="Ellipse 11"/>
+          <p:cNvSpPr/>
+          <p:nvPr/>
+        </p:nvSpPr>
+        <p:spPr>
+          <a:xfrm>
+            <a:off x="2379057" y="267481"/>
+            <a:ext cx="126249" cy="129472"/>
+          </a:xfrm>
+          <a:prstGeom prst="ellipse">
+            <a:avLst/>
+          </a:prstGeom>
+          <a:solidFill>
+            <a:schemeClr val="tx1"/>
+          </a:solidFill>
+        </p:spPr>
+        <p:style>
+          <a:lnRef idx="2">
+            <a:schemeClr val="accent1">
+              <a:shade val="50000"/>
+            </a:schemeClr>
+          </a:lnRef>
+          <a:fillRef idx="1">
+            <a:schemeClr val="accent1"/>
+          </a:fillRef>
+          <a:effectRef idx="0">
+            <a:schemeClr val="accent1"/>
+          </a:effectRef>
+          <a:fontRef idx="minor">
+            <a:schemeClr val="lt1"/>
+          </a:fontRef>
+        </p:style>
+        <p:txBody>
+          <a:bodyPr rtlCol="0" anchor="ctr"/>
+          <a:lstStyle/>
+          <a:p>
+            <a:pPr algn="ctr"/>
+            <a:endParaRPr lang="de-DE"/>
+          </a:p>
+        </p:txBody>
+      </p:sp>
+      <p:sp>
+        <p:nvSpPr>
+          <p:cNvPr id="13" name="Ellipse 12"/>
+          <p:cNvSpPr/>
+          <p:nvPr/>
+        </p:nvSpPr>
+        <p:spPr>
+          <a:xfrm>
+            <a:off x="2638001" y="267481"/>
+            <a:ext cx="126249" cy="129472"/>
+          </a:xfrm>
+          <a:prstGeom prst="ellipse">
+            <a:avLst/>
+          </a:prstGeom>
+          <a:solidFill>
+            <a:schemeClr val="tx1"/>
+          </a:solidFill>
+        </p:spPr>
+        <p:style>
+          <a:lnRef idx="2">
+            <a:schemeClr val="accent1">
+              <a:shade val="50000"/>
+            </a:schemeClr>
+          </a:lnRef>
+          <a:fillRef idx="1">
+            <a:schemeClr val="accent1"/>
+          </a:fillRef>
+          <a:effectRef idx="0">
+            <a:schemeClr val="accent1"/>
+          </a:effectRef>
+          <a:fontRef idx="minor">
+            <a:schemeClr val="lt1"/>
+          </a:fontRef>
+        </p:style>
+        <p:txBody>
+          <a:bodyPr rtlCol="0" anchor="ctr"/>
+          <a:lstStyle/>
+          <a:p>
+            <a:pPr algn="ctr"/>
+            <a:endParaRPr lang="de-DE"/>
+          </a:p>
+        </p:txBody>
+      </p:sp>
+      <p:sp>
+        <p:nvSpPr>
+          <p:cNvPr id="14" name="Ellipse 13"/>
+          <p:cNvSpPr/>
+          <p:nvPr/>
+        </p:nvSpPr>
+        <p:spPr>
+          <a:xfrm>
+            <a:off x="2896945" y="267481"/>
+            <a:ext cx="126249" cy="129472"/>
+          </a:xfrm>
+          <a:prstGeom prst="ellipse">
+            <a:avLst/>
+          </a:prstGeom>
+          <a:solidFill>
+            <a:schemeClr val="tx1"/>
+          </a:solidFill>
+        </p:spPr>
+        <p:style>
+          <a:lnRef idx="2">
+            <a:schemeClr val="accent1">
+              <a:shade val="50000"/>
+            </a:schemeClr>
+          </a:lnRef>
+          <a:fillRef idx="1">
+            <a:schemeClr val="accent1"/>
+          </a:fillRef>
+          <a:effectRef idx="0">
+            <a:schemeClr val="accent1"/>
+          </a:effectRef>
+          <a:fontRef idx="minor">
+            <a:schemeClr val="lt1"/>
+          </a:fontRef>
+        </p:style>
+        <p:txBody>
+          <a:bodyPr rtlCol="0" anchor="ctr"/>
+          <a:lstStyle/>
+          <a:p>
+            <a:pPr algn="ctr"/>
+            <a:endParaRPr lang="de-DE"/>
+          </a:p>
+        </p:txBody>
+      </p:sp>
+      <p:sp>
+        <p:nvSpPr>
+          <p:cNvPr id="15" name="Ellipse 14"/>
+          <p:cNvSpPr/>
+          <p:nvPr/>
+        </p:nvSpPr>
+        <p:spPr>
+          <a:xfrm>
+            <a:off x="4253985" y="264724"/>
+            <a:ext cx="126249" cy="129472"/>
+          </a:xfrm>
+          <a:prstGeom prst="ellipse">
+            <a:avLst/>
+          </a:prstGeom>
+          <a:solidFill>
+            <a:schemeClr val="tx1"/>
+          </a:solidFill>
+        </p:spPr>
+        <p:style>
+          <a:lnRef idx="2">
+            <a:schemeClr val="accent1">
+              <a:shade val="50000"/>
+            </a:schemeClr>
+          </a:lnRef>
+          <a:fillRef idx="1">
+            <a:schemeClr val="accent1"/>
+          </a:fillRef>
+          <a:effectRef idx="0">
+            <a:schemeClr val="accent1"/>
+          </a:effectRef>
+          <a:fontRef idx="minor">
+            <a:schemeClr val="lt1"/>
+          </a:fontRef>
+        </p:style>
+        <p:txBody>
+          <a:bodyPr rtlCol="0" anchor="ctr"/>
+          <a:lstStyle/>
+          <a:p>
+            <a:pPr algn="ctr"/>
+            <a:endParaRPr lang="de-DE"/>
+          </a:p>
+        </p:txBody>
+      </p:sp>
+      <p:sp>
+        <p:nvSpPr>
+          <p:cNvPr id="16" name="Ellipse 15"/>
+          <p:cNvSpPr/>
+          <p:nvPr/>
+        </p:nvSpPr>
+        <p:spPr>
+          <a:xfrm>
+            <a:off x="4512930" y="264724"/>
+            <a:ext cx="126249" cy="129472"/>
+          </a:xfrm>
+          <a:prstGeom prst="ellipse">
+            <a:avLst/>
+          </a:prstGeom>
+          <a:solidFill>
+            <a:schemeClr val="tx1"/>
+          </a:solidFill>
+        </p:spPr>
+        <p:style>
+          <a:lnRef idx="2">
+            <a:schemeClr val="accent1">
+              <a:shade val="50000"/>
+            </a:schemeClr>
+          </a:lnRef>
+          <a:fillRef idx="1">
+            <a:schemeClr val="accent1"/>
+          </a:fillRef>
+          <a:effectRef idx="0">
+            <a:schemeClr val="accent1"/>
+          </a:effectRef>
+          <a:fontRef idx="minor">
+            <a:schemeClr val="lt1"/>
+          </a:fontRef>
+        </p:style>
+        <p:txBody>
+          <a:bodyPr rtlCol="0" anchor="ctr"/>
+          <a:lstStyle/>
+          <a:p>
+            <a:pPr algn="ctr"/>
+            <a:endParaRPr lang="de-DE"/>
+          </a:p>
+        </p:txBody>
+      </p:sp>
+      <p:sp>
+        <p:nvSpPr>
+          <p:cNvPr id="17" name="Ellipse 16"/>
+          <p:cNvSpPr/>
+          <p:nvPr/>
+        </p:nvSpPr>
+        <p:spPr>
+          <a:xfrm>
+            <a:off x="5833187" y="262411"/>
+            <a:ext cx="126249" cy="129472"/>
+          </a:xfrm>
+          <a:prstGeom prst="ellipse">
+            <a:avLst/>
+          </a:prstGeom>
+          <a:solidFill>
+            <a:schemeClr val="tx1"/>
+          </a:solidFill>
+        </p:spPr>
+        <p:style>
+          <a:lnRef idx="2">
+            <a:schemeClr val="accent1">
+              <a:shade val="50000"/>
+            </a:schemeClr>
+          </a:lnRef>
+          <a:fillRef idx="1">
+            <a:schemeClr val="accent1"/>
+          </a:fillRef>
+          <a:effectRef idx="0">
+            <a:schemeClr val="accent1"/>
+          </a:effectRef>
+          <a:fontRef idx="minor">
+            <a:schemeClr val="lt1"/>
+          </a:fontRef>
+        </p:style>
+        <p:txBody>
+          <a:bodyPr rtlCol="0" anchor="ctr"/>
+          <a:lstStyle/>
+          <a:p>
+            <a:pPr algn="ctr"/>
+            <a:endParaRPr lang="de-DE"/>
+          </a:p>
+        </p:txBody>
+      </p:sp>
+      <p:sp>
+        <p:nvSpPr>
+          <p:cNvPr id="18" name="ZoneTexte 17"/>
+          <p:cNvSpPr txBox="1"/>
+          <p:nvPr/>
+        </p:nvSpPr>
+        <p:spPr>
+          <a:xfrm>
+            <a:off x="774101" y="9616"/>
+            <a:ext cx="818044" cy="230832"/>
+          </a:xfrm>
+          <a:prstGeom prst="rect">
+            <a:avLst/>
+          </a:prstGeom>
+          <a:noFill/>
+        </p:spPr>
+        <p:txBody>
+          <a:bodyPr wrap="square" rtlCol="0">
+            <a:spAutoFit/>
+          </a:bodyPr>
+          <a:lstStyle/>
+          <a:p>
+            <a:pPr algn="ctr"/>
+            <a:r>
+              <a:rPr lang="fr-FR" sz="900" dirty="0" smtClean="0"/>
+              <a:t>Introduction</a:t>
+            </a:r>
+            <a:endParaRPr lang="de-DE" dirty="0"/>
+          </a:p>
+        </p:txBody>
+      </p:sp>
+      <p:sp>
+        <p:nvSpPr>
+          <p:cNvPr id="19" name="ZoneTexte 18"/>
+          <p:cNvSpPr txBox="1"/>
+          <p:nvPr/>
+        </p:nvSpPr>
+        <p:spPr>
+          <a:xfrm>
+            <a:off x="1729778" y="9616"/>
+            <a:ext cx="1765981" cy="230832"/>
+          </a:xfrm>
+          <a:prstGeom prst="rect">
+            <a:avLst/>
+          </a:prstGeom>
+          <a:noFill/>
+        </p:spPr>
+        <p:txBody>
+          <a:bodyPr wrap="square" rtlCol="0">
+            <a:spAutoFit/>
+          </a:bodyPr>
+          <a:lstStyle/>
+          <a:p>
+            <a:pPr algn="ctr"/>
+            <a:r>
+              <a:rPr lang="fr-FR" sz="900" dirty="0" smtClean="0"/>
+              <a:t>Etude fonctionnelle et technique</a:t>
+            </a:r>
+            <a:endParaRPr lang="de-DE" dirty="0"/>
+          </a:p>
+        </p:txBody>
+      </p:sp>
+      <p:sp>
+        <p:nvSpPr>
+          <p:cNvPr id="20" name="ZoneTexte 19"/>
+          <p:cNvSpPr txBox="1"/>
+          <p:nvPr/>
+        </p:nvSpPr>
+        <p:spPr>
+          <a:xfrm>
+            <a:off x="3593475" y="9616"/>
+            <a:ext cx="1765981" cy="230832"/>
+          </a:xfrm>
+          <a:prstGeom prst="rect">
+            <a:avLst/>
+          </a:prstGeom>
+          <a:noFill/>
+        </p:spPr>
+        <p:txBody>
+          <a:bodyPr wrap="square" rtlCol="0">
+            <a:spAutoFit/>
+          </a:bodyPr>
+          <a:lstStyle/>
+          <a:p>
+            <a:pPr algn="ctr"/>
+            <a:r>
+              <a:rPr lang="fr-FR" sz="900" dirty="0" smtClean="0"/>
+              <a:t>Résultats et perspectives</a:t>
+            </a:r>
+            <a:endParaRPr lang="de-DE" dirty="0"/>
+          </a:p>
+        </p:txBody>
+      </p:sp>
+      <p:sp>
+        <p:nvSpPr>
+          <p:cNvPr id="21" name="ZoneTexte 20"/>
+          <p:cNvSpPr txBox="1"/>
+          <p:nvPr/>
+        </p:nvSpPr>
+        <p:spPr>
+          <a:xfrm>
+            <a:off x="5359456" y="9616"/>
+            <a:ext cx="1073712" cy="230832"/>
+          </a:xfrm>
+          <a:prstGeom prst="rect">
+            <a:avLst/>
+          </a:prstGeom>
+          <a:noFill/>
+        </p:spPr>
+        <p:txBody>
+          <a:bodyPr wrap="square" rtlCol="0">
+            <a:spAutoFit/>
+          </a:bodyPr>
+          <a:lstStyle/>
+          <a:p>
+            <a:pPr algn="ctr"/>
+            <a:r>
+              <a:rPr lang="fr-FR" sz="900" dirty="0" smtClean="0"/>
+              <a:t>Conclusion</a:t>
+            </a:r>
+            <a:endParaRPr lang="de-DE" dirty="0"/>
+          </a:p>
+        </p:txBody>
+      </p:sp>
       <p:pic>
         <p:nvPicPr>
-          <p:cNvPr id="9" name="Image 8">
-            <a:extLst>
-              <a:ext uri="{FF2B5EF4-FFF2-40B4-BE49-F238E27FC236}">
-                <a16:creationId xmlns:a16="http://schemas.microsoft.com/office/drawing/2014/main" id="{8CFC72C1-9494-4546-8703-58CB45C2152D}"/>
-              </a:ext>
-            </a:extLst>
-          </p:cNvPr>
+          <p:cNvPr id="3" name="Image 2"/>
           <p:cNvPicPr>
             <a:picLocks noChangeAspect="1"/>
           </p:cNvPicPr>
           <p:nvPr/>
         </p:nvPicPr>
         <p:blipFill>
-          <a:blip r:embed="rId4"/>
+          <a:blip r:embed="rId4">
+            <a:extLst>
+              <a:ext uri="{28A0092B-C50C-407E-A947-70E740481C1C}">
+                <a14:useLocalDpi xmlns:a14="http://schemas.microsoft.com/office/drawing/2010/main" val="0"/>
+              </a:ext>
+            </a:extLst>
+          </a:blip>
           <a:stretch>
             <a:fillRect/>
           </a:stretch>
         </p:blipFill>
         <p:spPr>
           <a:xfrm>
-            <a:off x="1348111" y="4243525"/>
-            <a:ext cx="3792138" cy="943821"/>
+            <a:off x="6501821" y="1642683"/>
+            <a:ext cx="4342181" cy="4631659"/>
+          </a:xfrm>
+          <a:prstGeom prst="rect">
+            <a:avLst/>
+          </a:prstGeom>
+        </p:spPr>
+      </p:pic>
+      <p:pic>
+        <p:nvPicPr>
+          <p:cNvPr id="4" name="Image 3"/>
+          <p:cNvPicPr>
+            <a:picLocks noChangeAspect="1"/>
+          </p:cNvPicPr>
+          <p:nvPr/>
+        </p:nvPicPr>
+        <p:blipFill>
+          <a:blip r:embed="rId5">
+            <a:extLst>
+              <a:ext uri="{28A0092B-C50C-407E-A947-70E740481C1C}">
+                <a14:useLocalDpi xmlns:a14="http://schemas.microsoft.com/office/drawing/2010/main" val="0"/>
+              </a:ext>
+            </a:extLst>
+          </a:blip>
+          <a:stretch>
+            <a:fillRect/>
+          </a:stretch>
+        </p:blipFill>
+        <p:spPr>
+          <a:xfrm>
+            <a:off x="882041" y="3685734"/>
+            <a:ext cx="1420208" cy="1420208"/>
+          </a:xfrm>
+          <a:prstGeom prst="rect">
+            <a:avLst/>
+          </a:prstGeom>
+        </p:spPr>
+      </p:pic>
+      <p:pic>
+        <p:nvPicPr>
+          <p:cNvPr id="22" name="Image 21"/>
+          <p:cNvPicPr>
+            <a:picLocks noChangeAspect="1"/>
+          </p:cNvPicPr>
+          <p:nvPr/>
+        </p:nvPicPr>
+        <p:blipFill>
+          <a:blip r:embed="rId6">
+            <a:extLst>
+              <a:ext uri="{28A0092B-C50C-407E-A947-70E740481C1C}">
+                <a14:useLocalDpi xmlns:a14="http://schemas.microsoft.com/office/drawing/2010/main" val="0"/>
+              </a:ext>
+            </a:extLst>
+          </a:blip>
+          <a:stretch>
+            <a:fillRect/>
+          </a:stretch>
+        </p:blipFill>
+        <p:spPr>
+          <a:xfrm>
+            <a:off x="2764250" y="3765524"/>
+            <a:ext cx="3607148" cy="1255517"/>
           </a:xfrm>
           <a:prstGeom prst="rect">
             <a:avLst/>
@@ -8875,6 +13646,25 @@
   <p:clrMapOvr>
     <a:masterClrMapping/>
   </p:clrMapOvr>
+  <mc:AlternateContent xmlns:mc="http://schemas.openxmlformats.org/markup-compatibility/2006">
+    <mc:Choice xmlns:p14="http://schemas.microsoft.com/office/powerpoint/2010/main" Requires="p14">
+      <p:transition spd="slow">
+        <p14:warp dir="in"/>
+      </p:transition>
+    </mc:Choice>
+    <mc:Fallback>
+      <p:transition spd="slow">
+        <p:fade/>
+      </p:transition>
+    </mc:Fallback>
+  </mc:AlternateContent>
+  <p:timing>
+    <p:tnLst>
+      <p:par>
+        <p:cTn id="1" dur="indefinite" restart="never" nodeType="tmRoot"/>
+      </p:par>
+    </p:tnLst>
+  </p:timing>
 </p:sld>
 </file>
 
@@ -8907,7 +13697,7 @@
         </p:nvSpPr>
         <p:spPr>
           <a:xfrm>
-            <a:off x="838200" y="243205"/>
+            <a:off x="838200" y="429321"/>
             <a:ext cx="10515600" cy="1325563"/>
           </a:xfrm>
         </p:spPr>
@@ -8987,7 +13777,7 @@
           <p:cNvPr id="6" name="Image 5">
             <a:extLst>
               <a:ext uri="{FF2B5EF4-FFF2-40B4-BE49-F238E27FC236}">
-                <a16:creationId xmlns:a16="http://schemas.microsoft.com/office/drawing/2014/main" id="{5A730377-FB9A-4BD8-A1BB-8D90CBFA55EE}"/>
+                <a16:creationId xmlns:a16="http://schemas.microsoft.com/office/drawing/2014/main" xmlns="" id="{5A730377-FB9A-4BD8-A1BB-8D90CBFA55EE}"/>
               </a:ext>
             </a:extLst>
           </p:cNvPr>
@@ -9012,6 +13802,517 @@
           </a:prstGeom>
         </p:spPr>
       </p:pic>
+      <p:sp>
+        <p:nvSpPr>
+          <p:cNvPr id="7" name="Ellipse 6"/>
+          <p:cNvSpPr/>
+          <p:nvPr/>
+        </p:nvSpPr>
+        <p:spPr>
+          <a:xfrm>
+            <a:off x="993751" y="267481"/>
+            <a:ext cx="126249" cy="129472"/>
+          </a:xfrm>
+          <a:prstGeom prst="ellipse">
+            <a:avLst/>
+          </a:prstGeom>
+          <a:solidFill>
+            <a:schemeClr val="accent1"/>
+          </a:solidFill>
+        </p:spPr>
+        <p:style>
+          <a:lnRef idx="2">
+            <a:schemeClr val="accent1">
+              <a:shade val="50000"/>
+            </a:schemeClr>
+          </a:lnRef>
+          <a:fillRef idx="1">
+            <a:schemeClr val="accent1"/>
+          </a:fillRef>
+          <a:effectRef idx="0">
+            <a:schemeClr val="accent1"/>
+          </a:effectRef>
+          <a:fontRef idx="minor">
+            <a:schemeClr val="lt1"/>
+          </a:fontRef>
+        </p:style>
+        <p:txBody>
+          <a:bodyPr rtlCol="0" anchor="ctr"/>
+          <a:lstStyle/>
+          <a:p>
+            <a:pPr algn="ctr"/>
+            <a:endParaRPr lang="de-DE"/>
+          </a:p>
+        </p:txBody>
+      </p:sp>
+      <p:sp>
+        <p:nvSpPr>
+          <p:cNvPr id="9" name="Ellipse 8"/>
+          <p:cNvSpPr/>
+          <p:nvPr/>
+        </p:nvSpPr>
+        <p:spPr>
+          <a:xfrm>
+            <a:off x="1232466" y="267481"/>
+            <a:ext cx="126249" cy="129472"/>
+          </a:xfrm>
+          <a:prstGeom prst="ellipse">
+            <a:avLst/>
+          </a:prstGeom>
+          <a:solidFill>
+            <a:schemeClr val="accent1"/>
+          </a:solidFill>
+        </p:spPr>
+        <p:style>
+          <a:lnRef idx="2">
+            <a:schemeClr val="accent1">
+              <a:shade val="50000"/>
+            </a:schemeClr>
+          </a:lnRef>
+          <a:fillRef idx="1">
+            <a:schemeClr val="accent1"/>
+          </a:fillRef>
+          <a:effectRef idx="0">
+            <a:schemeClr val="accent1"/>
+          </a:effectRef>
+          <a:fontRef idx="minor">
+            <a:schemeClr val="lt1"/>
+          </a:fontRef>
+        </p:style>
+        <p:txBody>
+          <a:bodyPr rtlCol="0" anchor="ctr"/>
+          <a:lstStyle/>
+          <a:p>
+            <a:pPr algn="ctr"/>
+            <a:endParaRPr lang="de-DE"/>
+          </a:p>
+        </p:txBody>
+      </p:sp>
+      <p:sp>
+        <p:nvSpPr>
+          <p:cNvPr id="10" name="Ellipse 9"/>
+          <p:cNvSpPr/>
+          <p:nvPr/>
+        </p:nvSpPr>
+        <p:spPr>
+          <a:xfrm>
+            <a:off x="2120113" y="267481"/>
+            <a:ext cx="126249" cy="129472"/>
+          </a:xfrm>
+          <a:prstGeom prst="ellipse">
+            <a:avLst/>
+          </a:prstGeom>
+          <a:solidFill>
+            <a:schemeClr val="accent1"/>
+          </a:solidFill>
+        </p:spPr>
+        <p:style>
+          <a:lnRef idx="2">
+            <a:schemeClr val="accent1">
+              <a:shade val="50000"/>
+            </a:schemeClr>
+          </a:lnRef>
+          <a:fillRef idx="1">
+            <a:schemeClr val="accent1"/>
+          </a:fillRef>
+          <a:effectRef idx="0">
+            <a:schemeClr val="accent1"/>
+          </a:effectRef>
+          <a:fontRef idx="minor">
+            <a:schemeClr val="lt1"/>
+          </a:fontRef>
+        </p:style>
+        <p:txBody>
+          <a:bodyPr rtlCol="0" anchor="ctr"/>
+          <a:lstStyle/>
+          <a:p>
+            <a:pPr algn="ctr"/>
+            <a:endParaRPr lang="de-DE"/>
+          </a:p>
+        </p:txBody>
+      </p:sp>
+      <p:sp>
+        <p:nvSpPr>
+          <p:cNvPr id="11" name="Ellipse 10"/>
+          <p:cNvSpPr/>
+          <p:nvPr/>
+        </p:nvSpPr>
+        <p:spPr>
+          <a:xfrm>
+            <a:off x="2379057" y="267481"/>
+            <a:ext cx="126249" cy="129472"/>
+          </a:xfrm>
+          <a:prstGeom prst="ellipse">
+            <a:avLst/>
+          </a:prstGeom>
+          <a:solidFill>
+            <a:schemeClr val="accent1"/>
+          </a:solidFill>
+        </p:spPr>
+        <p:style>
+          <a:lnRef idx="2">
+            <a:schemeClr val="accent1">
+              <a:shade val="50000"/>
+            </a:schemeClr>
+          </a:lnRef>
+          <a:fillRef idx="1">
+            <a:schemeClr val="accent1"/>
+          </a:fillRef>
+          <a:effectRef idx="0">
+            <a:schemeClr val="accent1"/>
+          </a:effectRef>
+          <a:fontRef idx="minor">
+            <a:schemeClr val="lt1"/>
+          </a:fontRef>
+        </p:style>
+        <p:txBody>
+          <a:bodyPr rtlCol="0" anchor="ctr"/>
+          <a:lstStyle/>
+          <a:p>
+            <a:pPr algn="ctr"/>
+            <a:endParaRPr lang="de-DE"/>
+          </a:p>
+        </p:txBody>
+      </p:sp>
+      <p:sp>
+        <p:nvSpPr>
+          <p:cNvPr id="12" name="Ellipse 11"/>
+          <p:cNvSpPr/>
+          <p:nvPr/>
+        </p:nvSpPr>
+        <p:spPr>
+          <a:xfrm>
+            <a:off x="2638001" y="267481"/>
+            <a:ext cx="126249" cy="129472"/>
+          </a:xfrm>
+          <a:prstGeom prst="ellipse">
+            <a:avLst/>
+          </a:prstGeom>
+          <a:solidFill>
+            <a:schemeClr val="tx1"/>
+          </a:solidFill>
+        </p:spPr>
+        <p:style>
+          <a:lnRef idx="2">
+            <a:schemeClr val="accent1">
+              <a:shade val="50000"/>
+            </a:schemeClr>
+          </a:lnRef>
+          <a:fillRef idx="1">
+            <a:schemeClr val="accent1"/>
+          </a:fillRef>
+          <a:effectRef idx="0">
+            <a:schemeClr val="accent1"/>
+          </a:effectRef>
+          <a:fontRef idx="minor">
+            <a:schemeClr val="lt1"/>
+          </a:fontRef>
+        </p:style>
+        <p:txBody>
+          <a:bodyPr rtlCol="0" anchor="ctr"/>
+          <a:lstStyle/>
+          <a:p>
+            <a:pPr algn="ctr"/>
+            <a:endParaRPr lang="de-DE"/>
+          </a:p>
+        </p:txBody>
+      </p:sp>
+      <p:sp>
+        <p:nvSpPr>
+          <p:cNvPr id="13" name="Ellipse 12"/>
+          <p:cNvSpPr/>
+          <p:nvPr/>
+        </p:nvSpPr>
+        <p:spPr>
+          <a:xfrm>
+            <a:off x="2896945" y="267481"/>
+            <a:ext cx="126249" cy="129472"/>
+          </a:xfrm>
+          <a:prstGeom prst="ellipse">
+            <a:avLst/>
+          </a:prstGeom>
+          <a:solidFill>
+            <a:schemeClr val="tx1"/>
+          </a:solidFill>
+        </p:spPr>
+        <p:style>
+          <a:lnRef idx="2">
+            <a:schemeClr val="accent1">
+              <a:shade val="50000"/>
+            </a:schemeClr>
+          </a:lnRef>
+          <a:fillRef idx="1">
+            <a:schemeClr val="accent1"/>
+          </a:fillRef>
+          <a:effectRef idx="0">
+            <a:schemeClr val="accent1"/>
+          </a:effectRef>
+          <a:fontRef idx="minor">
+            <a:schemeClr val="lt1"/>
+          </a:fontRef>
+        </p:style>
+        <p:txBody>
+          <a:bodyPr rtlCol="0" anchor="ctr"/>
+          <a:lstStyle/>
+          <a:p>
+            <a:pPr algn="ctr"/>
+            <a:endParaRPr lang="de-DE"/>
+          </a:p>
+        </p:txBody>
+      </p:sp>
+      <p:sp>
+        <p:nvSpPr>
+          <p:cNvPr id="14" name="Ellipse 13"/>
+          <p:cNvSpPr/>
+          <p:nvPr/>
+        </p:nvSpPr>
+        <p:spPr>
+          <a:xfrm>
+            <a:off x="4253985" y="264724"/>
+            <a:ext cx="126249" cy="129472"/>
+          </a:xfrm>
+          <a:prstGeom prst="ellipse">
+            <a:avLst/>
+          </a:prstGeom>
+          <a:solidFill>
+            <a:schemeClr val="tx1"/>
+          </a:solidFill>
+        </p:spPr>
+        <p:style>
+          <a:lnRef idx="2">
+            <a:schemeClr val="accent1">
+              <a:shade val="50000"/>
+            </a:schemeClr>
+          </a:lnRef>
+          <a:fillRef idx="1">
+            <a:schemeClr val="accent1"/>
+          </a:fillRef>
+          <a:effectRef idx="0">
+            <a:schemeClr val="accent1"/>
+          </a:effectRef>
+          <a:fontRef idx="minor">
+            <a:schemeClr val="lt1"/>
+          </a:fontRef>
+        </p:style>
+        <p:txBody>
+          <a:bodyPr rtlCol="0" anchor="ctr"/>
+          <a:lstStyle/>
+          <a:p>
+            <a:pPr algn="ctr"/>
+            <a:endParaRPr lang="de-DE"/>
+          </a:p>
+        </p:txBody>
+      </p:sp>
+      <p:sp>
+        <p:nvSpPr>
+          <p:cNvPr id="15" name="Ellipse 14"/>
+          <p:cNvSpPr/>
+          <p:nvPr/>
+        </p:nvSpPr>
+        <p:spPr>
+          <a:xfrm>
+            <a:off x="4512930" y="264724"/>
+            <a:ext cx="126249" cy="129472"/>
+          </a:xfrm>
+          <a:prstGeom prst="ellipse">
+            <a:avLst/>
+          </a:prstGeom>
+          <a:solidFill>
+            <a:schemeClr val="tx1"/>
+          </a:solidFill>
+        </p:spPr>
+        <p:style>
+          <a:lnRef idx="2">
+            <a:schemeClr val="accent1">
+              <a:shade val="50000"/>
+            </a:schemeClr>
+          </a:lnRef>
+          <a:fillRef idx="1">
+            <a:schemeClr val="accent1"/>
+          </a:fillRef>
+          <a:effectRef idx="0">
+            <a:schemeClr val="accent1"/>
+          </a:effectRef>
+          <a:fontRef idx="minor">
+            <a:schemeClr val="lt1"/>
+          </a:fontRef>
+        </p:style>
+        <p:txBody>
+          <a:bodyPr rtlCol="0" anchor="ctr"/>
+          <a:lstStyle/>
+          <a:p>
+            <a:pPr algn="ctr"/>
+            <a:endParaRPr lang="de-DE"/>
+          </a:p>
+        </p:txBody>
+      </p:sp>
+      <p:sp>
+        <p:nvSpPr>
+          <p:cNvPr id="16" name="Ellipse 15"/>
+          <p:cNvSpPr/>
+          <p:nvPr/>
+        </p:nvSpPr>
+        <p:spPr>
+          <a:xfrm>
+            <a:off x="5833187" y="262411"/>
+            <a:ext cx="126249" cy="129472"/>
+          </a:xfrm>
+          <a:prstGeom prst="ellipse">
+            <a:avLst/>
+          </a:prstGeom>
+          <a:solidFill>
+            <a:schemeClr val="tx1"/>
+          </a:solidFill>
+        </p:spPr>
+        <p:style>
+          <a:lnRef idx="2">
+            <a:schemeClr val="accent1">
+              <a:shade val="50000"/>
+            </a:schemeClr>
+          </a:lnRef>
+          <a:fillRef idx="1">
+            <a:schemeClr val="accent1"/>
+          </a:fillRef>
+          <a:effectRef idx="0">
+            <a:schemeClr val="accent1"/>
+          </a:effectRef>
+          <a:fontRef idx="minor">
+            <a:schemeClr val="lt1"/>
+          </a:fontRef>
+        </p:style>
+        <p:txBody>
+          <a:bodyPr rtlCol="0" anchor="ctr"/>
+          <a:lstStyle/>
+          <a:p>
+            <a:pPr algn="ctr"/>
+            <a:endParaRPr lang="de-DE"/>
+          </a:p>
+        </p:txBody>
+      </p:sp>
+      <p:sp>
+        <p:nvSpPr>
+          <p:cNvPr id="17" name="ZoneTexte 16"/>
+          <p:cNvSpPr txBox="1"/>
+          <p:nvPr/>
+        </p:nvSpPr>
+        <p:spPr>
+          <a:xfrm>
+            <a:off x="774101" y="9616"/>
+            <a:ext cx="818044" cy="230832"/>
+          </a:xfrm>
+          <a:prstGeom prst="rect">
+            <a:avLst/>
+          </a:prstGeom>
+          <a:noFill/>
+        </p:spPr>
+        <p:txBody>
+          <a:bodyPr wrap="square" rtlCol="0">
+            <a:spAutoFit/>
+          </a:bodyPr>
+          <a:lstStyle/>
+          <a:p>
+            <a:pPr algn="ctr"/>
+            <a:r>
+              <a:rPr lang="fr-FR" sz="900" dirty="0" smtClean="0"/>
+              <a:t>Introduction</a:t>
+            </a:r>
+            <a:endParaRPr lang="de-DE" dirty="0"/>
+          </a:p>
+        </p:txBody>
+      </p:sp>
+      <p:sp>
+        <p:nvSpPr>
+          <p:cNvPr id="18" name="ZoneTexte 17"/>
+          <p:cNvSpPr txBox="1"/>
+          <p:nvPr/>
+        </p:nvSpPr>
+        <p:spPr>
+          <a:xfrm>
+            <a:off x="1729778" y="9616"/>
+            <a:ext cx="1765981" cy="230832"/>
+          </a:xfrm>
+          <a:prstGeom prst="rect">
+            <a:avLst/>
+          </a:prstGeom>
+          <a:noFill/>
+        </p:spPr>
+        <p:txBody>
+          <a:bodyPr wrap="square" rtlCol="0">
+            <a:spAutoFit/>
+          </a:bodyPr>
+          <a:lstStyle/>
+          <a:p>
+            <a:pPr algn="ctr"/>
+            <a:r>
+              <a:rPr lang="fr-FR" sz="900" dirty="0" smtClean="0"/>
+              <a:t>Etude fonctionnelle et technique</a:t>
+            </a:r>
+            <a:endParaRPr lang="de-DE" dirty="0"/>
+          </a:p>
+        </p:txBody>
+      </p:sp>
+      <p:sp>
+        <p:nvSpPr>
+          <p:cNvPr id="19" name="ZoneTexte 18"/>
+          <p:cNvSpPr txBox="1"/>
+          <p:nvPr/>
+        </p:nvSpPr>
+        <p:spPr>
+          <a:xfrm>
+            <a:off x="3593475" y="9616"/>
+            <a:ext cx="1765981" cy="230832"/>
+          </a:xfrm>
+          <a:prstGeom prst="rect">
+            <a:avLst/>
+          </a:prstGeom>
+          <a:noFill/>
+        </p:spPr>
+        <p:txBody>
+          <a:bodyPr wrap="square" rtlCol="0">
+            <a:spAutoFit/>
+          </a:bodyPr>
+          <a:lstStyle/>
+          <a:p>
+            <a:pPr algn="ctr"/>
+            <a:r>
+              <a:rPr lang="fr-FR" sz="900" dirty="0" smtClean="0"/>
+              <a:t>Résultats et perspectives</a:t>
+            </a:r>
+            <a:endParaRPr lang="de-DE" dirty="0"/>
+          </a:p>
+        </p:txBody>
+      </p:sp>
+      <p:sp>
+        <p:nvSpPr>
+          <p:cNvPr id="20" name="ZoneTexte 19"/>
+          <p:cNvSpPr txBox="1"/>
+          <p:nvPr/>
+        </p:nvSpPr>
+        <p:spPr>
+          <a:xfrm>
+            <a:off x="5359456" y="9616"/>
+            <a:ext cx="1073712" cy="230832"/>
+          </a:xfrm>
+          <a:prstGeom prst="rect">
+            <a:avLst/>
+          </a:prstGeom>
+          <a:noFill/>
+        </p:spPr>
+        <p:txBody>
+          <a:bodyPr wrap="square" rtlCol="0">
+            <a:spAutoFit/>
+          </a:bodyPr>
+          <a:lstStyle/>
+          <a:p>
+            <a:pPr algn="ctr"/>
+            <a:r>
+              <a:rPr lang="fr-FR" sz="900" dirty="0" smtClean="0"/>
+              <a:t>Conclusion</a:t>
+            </a:r>
+            <a:endParaRPr lang="de-DE" dirty="0"/>
+          </a:p>
+        </p:txBody>
+      </p:sp>
     </p:spTree>
     <p:extLst>
       <p:ext uri="{BB962C8B-B14F-4D97-AF65-F5344CB8AC3E}">
@@ -9022,6 +14323,25 @@
   <p:clrMapOvr>
     <a:masterClrMapping/>
   </p:clrMapOvr>
+  <mc:AlternateContent xmlns:mc="http://schemas.openxmlformats.org/markup-compatibility/2006">
+    <mc:Choice xmlns:p14="http://schemas.microsoft.com/office/powerpoint/2010/main" Requires="p14">
+      <p:transition spd="slow">
+        <p14:warp dir="in"/>
+      </p:transition>
+    </mc:Choice>
+    <mc:Fallback>
+      <p:transition spd="slow">
+        <p:fade/>
+      </p:transition>
+    </mc:Fallback>
+  </mc:AlternateContent>
+  <p:timing>
+    <p:tnLst>
+      <p:par>
+        <p:cTn id="1" dur="indefinite" restart="never" nodeType="tmRoot"/>
+      </p:par>
+    </p:tnLst>
+  </p:timing>
 </p:sld>
 </file>
 
@@ -9064,7 +14384,19 @@
           <a:p>
             <a:r>
               <a:rPr lang="fr-FR" dirty="0"/>
-              <a:t>Aspect fonctionnel</a:t>
+              <a:t>Aspect </a:t>
+            </a:r>
+            <a:r>
+              <a:rPr lang="fr-FR" dirty="0" smtClean="0"/>
+              <a:t>fonctionnel (</a:t>
+            </a:r>
+            <a:r>
+              <a:rPr lang="fr-FR" i="1" dirty="0" err="1" smtClean="0"/>
+              <a:t>backend</a:t>
+            </a:r>
+            <a:r>
+              <a:rPr lang="fr-FR" dirty="0" smtClean="0"/>
+              <a:t>)</a:t>
             </a:r>
             <a:endParaRPr lang="de-DE" dirty="0"/>
           </a:p>
@@ -9082,8 +14414,8 @@
         </p:nvSpPr>
         <p:spPr>
           <a:xfrm>
-            <a:off x="838200" y="1802679"/>
-            <a:ext cx="10515600" cy="724243"/>
+            <a:off x="822651" y="1667089"/>
+            <a:ext cx="9203381" cy="4563999"/>
           </a:xfrm>
         </p:spPr>
         <p:txBody>
@@ -9097,9 +14429,48 @@
               <a:buChar char="Ø"/>
             </a:pPr>
             <a:r>
+              <a:rPr lang="fr-FR" dirty="0" smtClean="0"/>
+              <a:t>Ce </a:t>
+            </a:r>
+            <a:r>
               <a:rPr lang="fr-FR" dirty="0"/>
-              <a:t>Côté backend =&gt; ce que l’utilisateur ne voit pas</a:t>
-            </a:r>
+              <a:t>que l’utilisateur ne voit </a:t>
+            </a:r>
+            <a:r>
+              <a:rPr lang="fr-FR" dirty="0" smtClean="0"/>
+              <a:t>pas</a:t>
+            </a:r>
+          </a:p>
+          <a:p>
+            <a:pPr indent="-540000">
+              <a:buFont typeface="Wingdings" panose="05000000000000000000" pitchFamily="2" charset="2"/>
+              <a:buChar char="Ø"/>
+            </a:pPr>
+            <a:r>
+              <a:rPr lang="fr-FR" dirty="0" smtClean="0"/>
+              <a:t>Comprend le fonctionnement interne de l’application</a:t>
+            </a:r>
+          </a:p>
+          <a:p>
+            <a:pPr indent="-540000">
+              <a:buFont typeface="Wingdings" panose="05000000000000000000" pitchFamily="2" charset="2"/>
+              <a:buChar char="Ø"/>
+            </a:pPr>
+            <a:r>
+              <a:rPr lang="fr-FR" dirty="0" smtClean="0"/>
+              <a:t>Gère la base de données</a:t>
+            </a:r>
+          </a:p>
+          <a:p>
+            <a:pPr indent="-540000">
+              <a:buFont typeface="Wingdings" panose="05000000000000000000" pitchFamily="2" charset="2"/>
+              <a:buChar char="Ø"/>
+            </a:pPr>
+            <a:r>
+              <a:rPr lang="fr-FR" dirty="0" smtClean="0"/>
+              <a:t>Procède à la génération des documents</a:t>
+            </a:r>
+            <a:endParaRPr lang="fr-FR" dirty="0"/>
           </a:p>
         </p:txBody>
       </p:sp>
@@ -9129,10 +14500,10 @@
       </p:sp>
       <p:pic>
         <p:nvPicPr>
-          <p:cNvPr id="7" name="Image 6">
+          <p:cNvPr id="9" name="Image 8">
             <a:extLst>
               <a:ext uri="{FF2B5EF4-FFF2-40B4-BE49-F238E27FC236}">
-                <a16:creationId xmlns:a16="http://schemas.microsoft.com/office/drawing/2014/main" id="{D2BBE895-BF68-40B2-AA22-F22F59332B41}"/>
+                <a16:creationId xmlns:a16="http://schemas.microsoft.com/office/drawing/2014/main" xmlns="" id="{39D73362-1D3F-4925-B29B-BAC99CFDFE06}"/>
               </a:ext>
             </a:extLst>
           </p:cNvPr>
@@ -9149,38 +14520,549 @@
         </p:blipFill>
         <p:spPr>
           <a:xfrm>
-            <a:off x="7473703" y="434075"/>
-            <a:ext cx="3792138" cy="943821"/>
+            <a:off x="5959436" y="2843974"/>
+            <a:ext cx="6066548" cy="3626447"/>
           </a:xfrm>
           <a:prstGeom prst="rect">
             <a:avLst/>
           </a:prstGeom>
         </p:spPr>
       </p:pic>
+      <p:sp>
+        <p:nvSpPr>
+          <p:cNvPr id="10" name="Ellipse 9"/>
+          <p:cNvSpPr/>
+          <p:nvPr/>
+        </p:nvSpPr>
+        <p:spPr>
+          <a:xfrm>
+            <a:off x="993751" y="267481"/>
+            <a:ext cx="126249" cy="129472"/>
+          </a:xfrm>
+          <a:prstGeom prst="ellipse">
+            <a:avLst/>
+          </a:prstGeom>
+          <a:solidFill>
+            <a:schemeClr val="accent1"/>
+          </a:solidFill>
+        </p:spPr>
+        <p:style>
+          <a:lnRef idx="2">
+            <a:schemeClr val="accent1">
+              <a:shade val="50000"/>
+            </a:schemeClr>
+          </a:lnRef>
+          <a:fillRef idx="1">
+            <a:schemeClr val="accent1"/>
+          </a:fillRef>
+          <a:effectRef idx="0">
+            <a:schemeClr val="accent1"/>
+          </a:effectRef>
+          <a:fontRef idx="minor">
+            <a:schemeClr val="lt1"/>
+          </a:fontRef>
+        </p:style>
+        <p:txBody>
+          <a:bodyPr rtlCol="0" anchor="ctr"/>
+          <a:lstStyle/>
+          <a:p>
+            <a:pPr algn="ctr"/>
+            <a:endParaRPr lang="de-DE"/>
+          </a:p>
+        </p:txBody>
+      </p:sp>
+      <p:sp>
+        <p:nvSpPr>
+          <p:cNvPr id="11" name="Ellipse 10"/>
+          <p:cNvSpPr/>
+          <p:nvPr/>
+        </p:nvSpPr>
+        <p:spPr>
+          <a:xfrm>
+            <a:off x="1232466" y="267481"/>
+            <a:ext cx="126249" cy="129472"/>
+          </a:xfrm>
+          <a:prstGeom prst="ellipse">
+            <a:avLst/>
+          </a:prstGeom>
+          <a:solidFill>
+            <a:schemeClr val="accent1"/>
+          </a:solidFill>
+        </p:spPr>
+        <p:style>
+          <a:lnRef idx="2">
+            <a:schemeClr val="accent1">
+              <a:shade val="50000"/>
+            </a:schemeClr>
+          </a:lnRef>
+          <a:fillRef idx="1">
+            <a:schemeClr val="accent1"/>
+          </a:fillRef>
+          <a:effectRef idx="0">
+            <a:schemeClr val="accent1"/>
+          </a:effectRef>
+          <a:fontRef idx="minor">
+            <a:schemeClr val="lt1"/>
+          </a:fontRef>
+        </p:style>
+        <p:txBody>
+          <a:bodyPr rtlCol="0" anchor="ctr"/>
+          <a:lstStyle/>
+          <a:p>
+            <a:pPr algn="ctr"/>
+            <a:endParaRPr lang="de-DE"/>
+          </a:p>
+        </p:txBody>
+      </p:sp>
+      <p:sp>
+        <p:nvSpPr>
+          <p:cNvPr id="12" name="Ellipse 11"/>
+          <p:cNvSpPr/>
+          <p:nvPr/>
+        </p:nvSpPr>
+        <p:spPr>
+          <a:xfrm>
+            <a:off x="2120113" y="267481"/>
+            <a:ext cx="126249" cy="129472"/>
+          </a:xfrm>
+          <a:prstGeom prst="ellipse">
+            <a:avLst/>
+          </a:prstGeom>
+          <a:solidFill>
+            <a:schemeClr val="accent1"/>
+          </a:solidFill>
+        </p:spPr>
+        <p:style>
+          <a:lnRef idx="2">
+            <a:schemeClr val="accent1">
+              <a:shade val="50000"/>
+            </a:schemeClr>
+          </a:lnRef>
+          <a:fillRef idx="1">
+            <a:schemeClr val="accent1"/>
+          </a:fillRef>
+          <a:effectRef idx="0">
+            <a:schemeClr val="accent1"/>
+          </a:effectRef>
+          <a:fontRef idx="minor">
+            <a:schemeClr val="lt1"/>
+          </a:fontRef>
+        </p:style>
+        <p:txBody>
+          <a:bodyPr rtlCol="0" anchor="ctr"/>
+          <a:lstStyle/>
+          <a:p>
+            <a:pPr algn="ctr"/>
+            <a:endParaRPr lang="de-DE"/>
+          </a:p>
+        </p:txBody>
+      </p:sp>
+      <p:sp>
+        <p:nvSpPr>
+          <p:cNvPr id="13" name="Ellipse 12"/>
+          <p:cNvSpPr/>
+          <p:nvPr/>
+        </p:nvSpPr>
+        <p:spPr>
+          <a:xfrm>
+            <a:off x="2379057" y="267481"/>
+            <a:ext cx="126249" cy="129472"/>
+          </a:xfrm>
+          <a:prstGeom prst="ellipse">
+            <a:avLst/>
+          </a:prstGeom>
+          <a:solidFill>
+            <a:schemeClr val="accent1"/>
+          </a:solidFill>
+        </p:spPr>
+        <p:style>
+          <a:lnRef idx="2">
+            <a:schemeClr val="accent1">
+              <a:shade val="50000"/>
+            </a:schemeClr>
+          </a:lnRef>
+          <a:fillRef idx="1">
+            <a:schemeClr val="accent1"/>
+          </a:fillRef>
+          <a:effectRef idx="0">
+            <a:schemeClr val="accent1"/>
+          </a:effectRef>
+          <a:fontRef idx="minor">
+            <a:schemeClr val="lt1"/>
+          </a:fontRef>
+        </p:style>
+        <p:txBody>
+          <a:bodyPr rtlCol="0" anchor="ctr"/>
+          <a:lstStyle/>
+          <a:p>
+            <a:pPr algn="ctr"/>
+            <a:endParaRPr lang="de-DE"/>
+          </a:p>
+        </p:txBody>
+      </p:sp>
+      <p:sp>
+        <p:nvSpPr>
+          <p:cNvPr id="14" name="Ellipse 13"/>
+          <p:cNvSpPr/>
+          <p:nvPr/>
+        </p:nvSpPr>
+        <p:spPr>
+          <a:xfrm>
+            <a:off x="2638001" y="267481"/>
+            <a:ext cx="126249" cy="129472"/>
+          </a:xfrm>
+          <a:prstGeom prst="ellipse">
+            <a:avLst/>
+          </a:prstGeom>
+          <a:solidFill>
+            <a:schemeClr val="accent1"/>
+          </a:solidFill>
+        </p:spPr>
+        <p:style>
+          <a:lnRef idx="2">
+            <a:schemeClr val="accent1">
+              <a:shade val="50000"/>
+            </a:schemeClr>
+          </a:lnRef>
+          <a:fillRef idx="1">
+            <a:schemeClr val="accent1"/>
+          </a:fillRef>
+          <a:effectRef idx="0">
+            <a:schemeClr val="accent1"/>
+          </a:effectRef>
+          <a:fontRef idx="minor">
+            <a:schemeClr val="lt1"/>
+          </a:fontRef>
+        </p:style>
+        <p:txBody>
+          <a:bodyPr rtlCol="0" anchor="ctr"/>
+          <a:lstStyle/>
+          <a:p>
+            <a:pPr algn="ctr"/>
+            <a:endParaRPr lang="de-DE"/>
+          </a:p>
+        </p:txBody>
+      </p:sp>
+      <p:sp>
+        <p:nvSpPr>
+          <p:cNvPr id="15" name="Ellipse 14"/>
+          <p:cNvSpPr/>
+          <p:nvPr/>
+        </p:nvSpPr>
+        <p:spPr>
+          <a:xfrm>
+            <a:off x="2896945" y="267481"/>
+            <a:ext cx="126249" cy="129472"/>
+          </a:xfrm>
+          <a:prstGeom prst="ellipse">
+            <a:avLst/>
+          </a:prstGeom>
+          <a:solidFill>
+            <a:schemeClr val="tx1"/>
+          </a:solidFill>
+        </p:spPr>
+        <p:style>
+          <a:lnRef idx="2">
+            <a:schemeClr val="accent1">
+              <a:shade val="50000"/>
+            </a:schemeClr>
+          </a:lnRef>
+          <a:fillRef idx="1">
+            <a:schemeClr val="accent1"/>
+          </a:fillRef>
+          <a:effectRef idx="0">
+            <a:schemeClr val="accent1"/>
+          </a:effectRef>
+          <a:fontRef idx="minor">
+            <a:schemeClr val="lt1"/>
+          </a:fontRef>
+        </p:style>
+        <p:txBody>
+          <a:bodyPr rtlCol="0" anchor="ctr"/>
+          <a:lstStyle/>
+          <a:p>
+            <a:pPr algn="ctr"/>
+            <a:endParaRPr lang="de-DE"/>
+          </a:p>
+        </p:txBody>
+      </p:sp>
+      <p:sp>
+        <p:nvSpPr>
+          <p:cNvPr id="16" name="Ellipse 15"/>
+          <p:cNvSpPr/>
+          <p:nvPr/>
+        </p:nvSpPr>
+        <p:spPr>
+          <a:xfrm>
+            <a:off x="4253985" y="264724"/>
+            <a:ext cx="126249" cy="129472"/>
+          </a:xfrm>
+          <a:prstGeom prst="ellipse">
+            <a:avLst/>
+          </a:prstGeom>
+          <a:solidFill>
+            <a:schemeClr val="tx1"/>
+          </a:solidFill>
+        </p:spPr>
+        <p:style>
+          <a:lnRef idx="2">
+            <a:schemeClr val="accent1">
+              <a:shade val="50000"/>
+            </a:schemeClr>
+          </a:lnRef>
+          <a:fillRef idx="1">
+            <a:schemeClr val="accent1"/>
+          </a:fillRef>
+          <a:effectRef idx="0">
+            <a:schemeClr val="accent1"/>
+          </a:effectRef>
+          <a:fontRef idx="minor">
+            <a:schemeClr val="lt1"/>
+          </a:fontRef>
+        </p:style>
+        <p:txBody>
+          <a:bodyPr rtlCol="0" anchor="ctr"/>
+          <a:lstStyle/>
+          <a:p>
+            <a:pPr algn="ctr"/>
+            <a:endParaRPr lang="de-DE"/>
+          </a:p>
+        </p:txBody>
+      </p:sp>
+      <p:sp>
+        <p:nvSpPr>
+          <p:cNvPr id="17" name="Ellipse 16"/>
+          <p:cNvSpPr/>
+          <p:nvPr/>
+        </p:nvSpPr>
+        <p:spPr>
+          <a:xfrm>
+            <a:off x="4512930" y="264724"/>
+            <a:ext cx="126249" cy="129472"/>
+          </a:xfrm>
+          <a:prstGeom prst="ellipse">
+            <a:avLst/>
+          </a:prstGeom>
+          <a:solidFill>
+            <a:schemeClr val="tx1"/>
+          </a:solidFill>
+        </p:spPr>
+        <p:style>
+          <a:lnRef idx="2">
+            <a:schemeClr val="accent1">
+              <a:shade val="50000"/>
+            </a:schemeClr>
+          </a:lnRef>
+          <a:fillRef idx="1">
+            <a:schemeClr val="accent1"/>
+          </a:fillRef>
+          <a:effectRef idx="0">
+            <a:schemeClr val="accent1"/>
+          </a:effectRef>
+          <a:fontRef idx="minor">
+            <a:schemeClr val="lt1"/>
+          </a:fontRef>
+        </p:style>
+        <p:txBody>
+          <a:bodyPr rtlCol="0" anchor="ctr"/>
+          <a:lstStyle/>
+          <a:p>
+            <a:pPr algn="ctr"/>
+            <a:endParaRPr lang="de-DE"/>
+          </a:p>
+        </p:txBody>
+      </p:sp>
+      <p:sp>
+        <p:nvSpPr>
+          <p:cNvPr id="18" name="Ellipse 17"/>
+          <p:cNvSpPr/>
+          <p:nvPr/>
+        </p:nvSpPr>
+        <p:spPr>
+          <a:xfrm>
+            <a:off x="5833187" y="262411"/>
+            <a:ext cx="126249" cy="129472"/>
+          </a:xfrm>
+          <a:prstGeom prst="ellipse">
+            <a:avLst/>
+          </a:prstGeom>
+          <a:solidFill>
+            <a:schemeClr val="tx1"/>
+          </a:solidFill>
+        </p:spPr>
+        <p:style>
+          <a:lnRef idx="2">
+            <a:schemeClr val="accent1">
+              <a:shade val="50000"/>
+            </a:schemeClr>
+          </a:lnRef>
+          <a:fillRef idx="1">
+            <a:schemeClr val="accent1"/>
+          </a:fillRef>
+          <a:effectRef idx="0">
+            <a:schemeClr val="accent1"/>
+          </a:effectRef>
+          <a:fontRef idx="minor">
+            <a:schemeClr val="lt1"/>
+          </a:fontRef>
+        </p:style>
+        <p:txBody>
+          <a:bodyPr rtlCol="0" anchor="ctr"/>
+          <a:lstStyle/>
+          <a:p>
+            <a:pPr algn="ctr"/>
+            <a:endParaRPr lang="de-DE"/>
+          </a:p>
+        </p:txBody>
+      </p:sp>
+      <p:sp>
+        <p:nvSpPr>
+          <p:cNvPr id="19" name="ZoneTexte 18"/>
+          <p:cNvSpPr txBox="1"/>
+          <p:nvPr/>
+        </p:nvSpPr>
+        <p:spPr>
+          <a:xfrm>
+            <a:off x="774101" y="9616"/>
+            <a:ext cx="818044" cy="230832"/>
+          </a:xfrm>
+          <a:prstGeom prst="rect">
+            <a:avLst/>
+          </a:prstGeom>
+          <a:noFill/>
+        </p:spPr>
+        <p:txBody>
+          <a:bodyPr wrap="square" rtlCol="0">
+            <a:spAutoFit/>
+          </a:bodyPr>
+          <a:lstStyle/>
+          <a:p>
+            <a:pPr algn="ctr"/>
+            <a:r>
+              <a:rPr lang="fr-FR" sz="900" dirty="0" smtClean="0"/>
+              <a:t>Introduction</a:t>
+            </a:r>
+            <a:endParaRPr lang="de-DE" dirty="0"/>
+          </a:p>
+        </p:txBody>
+      </p:sp>
+      <p:sp>
+        <p:nvSpPr>
+          <p:cNvPr id="20" name="ZoneTexte 19"/>
+          <p:cNvSpPr txBox="1"/>
+          <p:nvPr/>
+        </p:nvSpPr>
+        <p:spPr>
+          <a:xfrm>
+            <a:off x="1729778" y="9616"/>
+            <a:ext cx="1765981" cy="230832"/>
+          </a:xfrm>
+          <a:prstGeom prst="rect">
+            <a:avLst/>
+          </a:prstGeom>
+          <a:noFill/>
+        </p:spPr>
+        <p:txBody>
+          <a:bodyPr wrap="square" rtlCol="0">
+            <a:spAutoFit/>
+          </a:bodyPr>
+          <a:lstStyle/>
+          <a:p>
+            <a:pPr algn="ctr"/>
+            <a:r>
+              <a:rPr lang="fr-FR" sz="900" dirty="0" smtClean="0"/>
+              <a:t>Etude fonctionnelle et technique</a:t>
+            </a:r>
+            <a:endParaRPr lang="de-DE" dirty="0"/>
+          </a:p>
+        </p:txBody>
+      </p:sp>
+      <p:sp>
+        <p:nvSpPr>
+          <p:cNvPr id="21" name="ZoneTexte 20"/>
+          <p:cNvSpPr txBox="1"/>
+          <p:nvPr/>
+        </p:nvSpPr>
+        <p:spPr>
+          <a:xfrm>
+            <a:off x="3593475" y="9616"/>
+            <a:ext cx="1765981" cy="230832"/>
+          </a:xfrm>
+          <a:prstGeom prst="rect">
+            <a:avLst/>
+          </a:prstGeom>
+          <a:noFill/>
+        </p:spPr>
+        <p:txBody>
+          <a:bodyPr wrap="square" rtlCol="0">
+            <a:spAutoFit/>
+          </a:bodyPr>
+          <a:lstStyle/>
+          <a:p>
+            <a:pPr algn="ctr"/>
+            <a:r>
+              <a:rPr lang="fr-FR" sz="900" dirty="0" smtClean="0"/>
+              <a:t>Résultats et perspectives</a:t>
+            </a:r>
+            <a:endParaRPr lang="de-DE" dirty="0"/>
+          </a:p>
+        </p:txBody>
+      </p:sp>
+      <p:sp>
+        <p:nvSpPr>
+          <p:cNvPr id="22" name="ZoneTexte 21"/>
+          <p:cNvSpPr txBox="1"/>
+          <p:nvPr/>
+        </p:nvSpPr>
+        <p:spPr>
+          <a:xfrm>
+            <a:off x="5359456" y="9616"/>
+            <a:ext cx="1073712" cy="230832"/>
+          </a:xfrm>
+          <a:prstGeom prst="rect">
+            <a:avLst/>
+          </a:prstGeom>
+          <a:noFill/>
+        </p:spPr>
+        <p:txBody>
+          <a:bodyPr wrap="square" rtlCol="0">
+            <a:spAutoFit/>
+          </a:bodyPr>
+          <a:lstStyle/>
+          <a:p>
+            <a:pPr algn="ctr"/>
+            <a:r>
+              <a:rPr lang="fr-FR" sz="900" dirty="0" smtClean="0"/>
+              <a:t>Conclusion</a:t>
+            </a:r>
+            <a:endParaRPr lang="de-DE" dirty="0"/>
+          </a:p>
+        </p:txBody>
+      </p:sp>
       <p:pic>
         <p:nvPicPr>
-          <p:cNvPr id="9" name="Image 8">
-            <a:extLst>
-              <a:ext uri="{FF2B5EF4-FFF2-40B4-BE49-F238E27FC236}">
-                <a16:creationId xmlns:a16="http://schemas.microsoft.com/office/drawing/2014/main" id="{39D73362-1D3F-4925-B29B-BAC99CFDFE06}"/>
-              </a:ext>
-            </a:extLst>
-          </p:cNvPr>
+          <p:cNvPr id="3" name="Image 2"/>
           <p:cNvPicPr>
             <a:picLocks noChangeAspect="1"/>
           </p:cNvPicPr>
           <p:nvPr/>
         </p:nvPicPr>
         <p:blipFill>
-          <a:blip r:embed="rId4"/>
+          <a:blip r:embed="rId4">
+            <a:extLst>
+              <a:ext uri="{28A0092B-C50C-407E-A947-70E740481C1C}">
+                <a14:useLocalDpi xmlns:a14="http://schemas.microsoft.com/office/drawing/2010/main" val="0"/>
+              </a:ext>
+            </a:extLst>
+          </a:blip>
           <a:stretch>
             <a:fillRect/>
           </a:stretch>
         </p:blipFill>
         <p:spPr>
           <a:xfrm>
-            <a:off x="2257208" y="2433526"/>
-            <a:ext cx="6994689" cy="4181269"/>
+            <a:off x="1518027" y="4126509"/>
+            <a:ext cx="3121152" cy="2343912"/>
           </a:xfrm>
           <a:prstGeom prst="rect">
             <a:avLst/>
@@ -9197,6 +15079,25 @@
   <p:clrMapOvr>
     <a:masterClrMapping/>
   </p:clrMapOvr>
+  <mc:AlternateContent xmlns:mc="http://schemas.openxmlformats.org/markup-compatibility/2006">
+    <mc:Choice xmlns:p14="http://schemas.microsoft.com/office/powerpoint/2010/main" Requires="p14">
+      <p:transition spd="slow">
+        <p14:warp dir="in"/>
+      </p:transition>
+    </mc:Choice>
+    <mc:Fallback>
+      <p:transition spd="slow">
+        <p:fade/>
+      </p:transition>
+    </mc:Fallback>
+  </mc:AlternateContent>
+  <p:timing>
+    <p:tnLst>
+      <p:par>
+        <p:cTn id="1" dur="indefinite" restart="never" nodeType="tmRoot"/>
+      </p:par>
+    </p:tnLst>
+  </p:timing>
 </p:sld>
 </file>
 
